--- a/OUTROS ARQUIVOS/apresentação 31-08.pptx
+++ b/OUTROS ARQUIVOS/apresentação 31-08.pptx
@@ -5,14 +5,15 @@
     <p:sldMasterId id="2147483696" r:id="rId4"/>
   </p:sldMasterIdLst>
   <p:notesMasterIdLst>
-    <p:notesMasterId r:id="rId7"/>
+    <p:notesMasterId r:id="rId8"/>
   </p:notesMasterIdLst>
   <p:handoutMasterIdLst>
-    <p:handoutMasterId r:id="rId8"/>
+    <p:handoutMasterId r:id="rId9"/>
   </p:handoutMasterIdLst>
   <p:sldIdLst>
     <p:sldId id="306" r:id="rId5"/>
-    <p:sldId id="303" r:id="rId6"/>
+    <p:sldId id="307" r:id="rId6"/>
+    <p:sldId id="303" r:id="rId7"/>
   </p:sldIdLst>
   <p:sldSz cx="12192000" cy="6858000"/>
   <p:notesSz cx="6858000" cy="9144000"/>
@@ -1069,7 +1070,2089 @@
 </dgm:colorsDef>
 </file>
 
+<file path=ppt/diagrams/colors2.xml><?xml version="1.0" encoding="utf-8"?>
+<dgm:colorsDef xmlns:dgm="http://schemas.openxmlformats.org/drawingml/2006/diagram" xmlns:a="http://schemas.openxmlformats.org/drawingml/2006/main" uniqueId="urn:microsoft.com/office/officeart/2018/5/colors/Iconchunking_coloredoutline_colorful1">
+  <dgm:title val=""/>
+  <dgm:desc val=""/>
+  <dgm:catLst>
+    <dgm:cat type="colorful" pri="10100"/>
+  </dgm:catLst>
+  <dgm:styleLbl name="node0">
+    <dgm:fillClrLst meth="repeat">
+      <a:schemeClr val="accent1"/>
+    </dgm:fillClrLst>
+    <dgm:linClrLst meth="repeat">
+      <a:schemeClr val="lt1"/>
+    </dgm:linClrLst>
+    <dgm:effectClrLst/>
+    <dgm:txLinClrLst/>
+    <dgm:txFillClrLst/>
+    <dgm:txEffectClrLst/>
+  </dgm:styleLbl>
+  <dgm:styleLbl name="node1">
+    <dgm:fillClrLst meth="repeat">
+      <a:schemeClr val="accent2"/>
+      <a:schemeClr val="accent3"/>
+      <a:schemeClr val="accent4"/>
+      <a:schemeClr val="accent5"/>
+      <a:schemeClr val="accent6"/>
+    </dgm:fillClrLst>
+    <dgm:linClrLst meth="repeat">
+      <a:schemeClr val="lt1">
+        <a:alpha val="0"/>
+      </a:schemeClr>
+    </dgm:linClrLst>
+    <dgm:effectClrLst/>
+    <dgm:txLinClrLst/>
+    <dgm:txFillClrLst/>
+    <dgm:txEffectClrLst/>
+  </dgm:styleLbl>
+  <dgm:styleLbl name="alignNode1">
+    <dgm:fillClrLst meth="repeat">
+      <a:schemeClr val="accent2"/>
+      <a:schemeClr val="accent3"/>
+      <a:schemeClr val="accent4"/>
+      <a:schemeClr val="accent5"/>
+      <a:schemeClr val="accent6"/>
+    </dgm:fillClrLst>
+    <dgm:linClrLst meth="repeat">
+      <a:schemeClr val="accent2"/>
+      <a:schemeClr val="accent3"/>
+      <a:schemeClr val="accent4"/>
+      <a:schemeClr val="accent5"/>
+      <a:schemeClr val="accent6"/>
+    </dgm:linClrLst>
+    <dgm:effectClrLst/>
+    <dgm:txLinClrLst/>
+    <dgm:txFillClrLst/>
+    <dgm:txEffectClrLst/>
+  </dgm:styleLbl>
+  <dgm:styleLbl name="lnNode1">
+    <dgm:fillClrLst meth="repeat">
+      <a:schemeClr val="accent2"/>
+      <a:schemeClr val="accent3"/>
+      <a:schemeClr val="accent4"/>
+      <a:schemeClr val="accent5"/>
+      <a:schemeClr val="accent6"/>
+    </dgm:fillClrLst>
+    <dgm:linClrLst meth="repeat">
+      <a:schemeClr val="lt1"/>
+    </dgm:linClrLst>
+    <dgm:effectClrLst/>
+    <dgm:txLinClrLst/>
+    <dgm:txFillClrLst/>
+    <dgm:txEffectClrLst/>
+  </dgm:styleLbl>
+  <dgm:styleLbl name="vennNode1">
+    <dgm:fillClrLst meth="repeat">
+      <a:schemeClr val="accent2">
+        <a:alpha val="50000"/>
+      </a:schemeClr>
+      <a:schemeClr val="accent3">
+        <a:alpha val="50000"/>
+      </a:schemeClr>
+      <a:schemeClr val="accent4">
+        <a:alpha val="50000"/>
+      </a:schemeClr>
+      <a:schemeClr val="accent5">
+        <a:alpha val="50000"/>
+      </a:schemeClr>
+      <a:schemeClr val="accent6">
+        <a:alpha val="50000"/>
+      </a:schemeClr>
+    </dgm:fillClrLst>
+    <dgm:linClrLst meth="repeat">
+      <a:schemeClr val="lt1"/>
+    </dgm:linClrLst>
+    <dgm:effectClrLst/>
+    <dgm:txLinClrLst/>
+    <dgm:txFillClrLst/>
+    <dgm:txEffectClrLst/>
+  </dgm:styleLbl>
+  <dgm:styleLbl name="node2">
+    <dgm:fillClrLst>
+      <a:schemeClr val="accent2"/>
+    </dgm:fillClrLst>
+    <dgm:linClrLst meth="repeat">
+      <a:schemeClr val="lt1"/>
+    </dgm:linClrLst>
+    <dgm:effectClrLst/>
+    <dgm:txLinClrLst/>
+    <dgm:txFillClrLst/>
+    <dgm:txEffectClrLst/>
+  </dgm:styleLbl>
+  <dgm:styleLbl name="node3">
+    <dgm:fillClrLst>
+      <a:schemeClr val="accent3"/>
+    </dgm:fillClrLst>
+    <dgm:linClrLst meth="repeat">
+      <a:schemeClr val="lt1"/>
+    </dgm:linClrLst>
+    <dgm:effectClrLst/>
+    <dgm:txLinClrLst/>
+    <dgm:txFillClrLst/>
+    <dgm:txEffectClrLst/>
+  </dgm:styleLbl>
+  <dgm:styleLbl name="node4">
+    <dgm:fillClrLst>
+      <a:schemeClr val="accent4"/>
+    </dgm:fillClrLst>
+    <dgm:linClrLst meth="repeat">
+      <a:schemeClr val="lt1"/>
+    </dgm:linClrLst>
+    <dgm:effectClrLst/>
+    <dgm:txLinClrLst/>
+    <dgm:txFillClrLst/>
+    <dgm:txEffectClrLst/>
+  </dgm:styleLbl>
+  <dgm:styleLbl name="fgImgPlace1">
+    <dgm:fillClrLst meth="repeat">
+      <a:schemeClr val="accent2">
+        <a:tint val="50000"/>
+      </a:schemeClr>
+      <a:schemeClr val="accent3">
+        <a:tint val="50000"/>
+      </a:schemeClr>
+      <a:schemeClr val="accent4">
+        <a:tint val="50000"/>
+      </a:schemeClr>
+      <a:schemeClr val="accent5">
+        <a:tint val="50000"/>
+      </a:schemeClr>
+      <a:schemeClr val="accent6">
+        <a:tint val="50000"/>
+      </a:schemeClr>
+    </dgm:fillClrLst>
+    <dgm:linClrLst meth="repeat">
+      <a:schemeClr val="lt1"/>
+    </dgm:linClrLst>
+    <dgm:effectClrLst/>
+    <dgm:txLinClrLst/>
+    <dgm:txFillClrLst meth="repeat">
+      <a:schemeClr val="lt1"/>
+    </dgm:txFillClrLst>
+    <dgm:txEffectClrLst/>
+  </dgm:styleLbl>
+  <dgm:styleLbl name="alignImgPlace1">
+    <dgm:fillClrLst>
+      <a:schemeClr val="accent1">
+        <a:tint val="50000"/>
+      </a:schemeClr>
+      <a:schemeClr val="accent2">
+        <a:tint val="20000"/>
+      </a:schemeClr>
+    </dgm:fillClrLst>
+    <dgm:linClrLst meth="repeat">
+      <a:schemeClr val="lt1"/>
+    </dgm:linClrLst>
+    <dgm:effectClrLst/>
+    <dgm:txLinClrLst/>
+    <dgm:txFillClrLst meth="repeat">
+      <a:schemeClr val="lt1"/>
+    </dgm:txFillClrLst>
+    <dgm:txEffectClrLst/>
+  </dgm:styleLbl>
+  <dgm:styleLbl name="bgImgPlace1">
+    <dgm:fillClrLst>
+      <a:schemeClr val="accent1">
+        <a:tint val="50000"/>
+      </a:schemeClr>
+      <a:schemeClr val="accent2">
+        <a:tint val="20000"/>
+      </a:schemeClr>
+    </dgm:fillClrLst>
+    <dgm:linClrLst meth="repeat">
+      <a:schemeClr val="lt1"/>
+    </dgm:linClrLst>
+    <dgm:effectClrLst/>
+    <dgm:txLinClrLst/>
+    <dgm:txFillClrLst meth="repeat">
+      <a:schemeClr val="lt1"/>
+    </dgm:txFillClrLst>
+    <dgm:txEffectClrLst/>
+  </dgm:styleLbl>
+  <dgm:styleLbl name="sibTrans2D1">
+    <dgm:fillClrLst meth="repeat">
+      <a:schemeClr val="accent2"/>
+      <a:schemeClr val="accent3"/>
+      <a:schemeClr val="accent4"/>
+      <a:schemeClr val="accent5"/>
+      <a:schemeClr val="accent6"/>
+    </dgm:fillClrLst>
+    <dgm:linClrLst meth="cycle">
+      <a:schemeClr val="lt1"/>
+    </dgm:linClrLst>
+    <dgm:effectClrLst/>
+    <dgm:txLinClrLst/>
+    <dgm:txFillClrLst/>
+    <dgm:txEffectClrLst/>
+  </dgm:styleLbl>
+  <dgm:styleLbl name="fgSibTrans2D1">
+    <dgm:fillClrLst meth="repeat">
+      <a:schemeClr val="accent2"/>
+      <a:schemeClr val="accent3"/>
+      <a:schemeClr val="accent4"/>
+      <a:schemeClr val="accent5"/>
+      <a:schemeClr val="accent6"/>
+    </dgm:fillClrLst>
+    <dgm:linClrLst meth="cycle">
+      <a:schemeClr val="lt1"/>
+    </dgm:linClrLst>
+    <dgm:effectClrLst/>
+    <dgm:txLinClrLst/>
+    <dgm:txFillClrLst meth="repeat">
+      <a:schemeClr val="lt1"/>
+    </dgm:txFillClrLst>
+    <dgm:txEffectClrLst/>
+  </dgm:styleLbl>
+  <dgm:styleLbl name="bgSibTrans2D1">
+    <dgm:fillClrLst meth="repeat">
+      <a:schemeClr val="accent2"/>
+      <a:schemeClr val="accent3"/>
+      <a:schemeClr val="accent4"/>
+      <a:schemeClr val="accent5"/>
+      <a:schemeClr val="accent6"/>
+    </dgm:fillClrLst>
+    <dgm:linClrLst meth="cycle">
+      <a:schemeClr val="lt1"/>
+    </dgm:linClrLst>
+    <dgm:effectClrLst/>
+    <dgm:txLinClrLst/>
+    <dgm:txFillClrLst meth="repeat">
+      <a:schemeClr val="lt1"/>
+    </dgm:txFillClrLst>
+    <dgm:txEffectClrLst/>
+  </dgm:styleLbl>
+  <dgm:styleLbl name="sibTrans1D1">
+    <dgm:fillClrLst meth="repeat">
+      <a:schemeClr val="accent2"/>
+      <a:schemeClr val="accent3"/>
+      <a:schemeClr val="accent4"/>
+      <a:schemeClr val="accent5"/>
+      <a:schemeClr val="accent6"/>
+    </dgm:fillClrLst>
+    <dgm:linClrLst meth="repeat">
+      <a:schemeClr val="accent2"/>
+      <a:schemeClr val="accent3"/>
+      <a:schemeClr val="accent4"/>
+      <a:schemeClr val="accent5"/>
+      <a:schemeClr val="accent6"/>
+    </dgm:linClrLst>
+    <dgm:effectClrLst/>
+    <dgm:txLinClrLst/>
+    <dgm:txFillClrLst meth="repeat">
+      <a:schemeClr val="tx1"/>
+    </dgm:txFillClrLst>
+    <dgm:txEffectClrLst/>
+  </dgm:styleLbl>
+  <dgm:styleLbl name="callout">
+    <dgm:fillClrLst meth="repeat">
+      <a:schemeClr val="accent2"/>
+    </dgm:fillClrLst>
+    <dgm:linClrLst meth="repeat">
+      <a:schemeClr val="accent2">
+        <a:tint val="50000"/>
+      </a:schemeClr>
+    </dgm:linClrLst>
+    <dgm:effectClrLst/>
+    <dgm:txLinClrLst/>
+    <dgm:txFillClrLst meth="repeat">
+      <a:schemeClr val="tx1"/>
+    </dgm:txFillClrLst>
+    <dgm:txEffectClrLst/>
+  </dgm:styleLbl>
+  <dgm:styleLbl name="asst0">
+    <dgm:fillClrLst meth="repeat">
+      <a:schemeClr val="accent1"/>
+    </dgm:fillClrLst>
+    <dgm:linClrLst meth="repeat">
+      <a:schemeClr val="lt1"/>
+    </dgm:linClrLst>
+    <dgm:effectClrLst/>
+    <dgm:txLinClrLst/>
+    <dgm:txFillClrLst/>
+    <dgm:txEffectClrLst/>
+  </dgm:styleLbl>
+  <dgm:styleLbl name="asst1">
+    <dgm:fillClrLst meth="repeat">
+      <a:schemeClr val="accent2"/>
+    </dgm:fillClrLst>
+    <dgm:linClrLst meth="repeat">
+      <a:schemeClr val="lt1"/>
+    </dgm:linClrLst>
+    <dgm:effectClrLst/>
+    <dgm:txLinClrLst/>
+    <dgm:txFillClrLst/>
+    <dgm:txEffectClrLst/>
+  </dgm:styleLbl>
+  <dgm:styleLbl name="asst2">
+    <dgm:fillClrLst>
+      <a:schemeClr val="accent3"/>
+    </dgm:fillClrLst>
+    <dgm:linClrLst meth="repeat">
+      <a:schemeClr val="lt1"/>
+    </dgm:linClrLst>
+    <dgm:effectClrLst/>
+    <dgm:txLinClrLst/>
+    <dgm:txFillClrLst/>
+    <dgm:txEffectClrLst/>
+  </dgm:styleLbl>
+  <dgm:styleLbl name="asst3">
+    <dgm:fillClrLst>
+      <a:schemeClr val="accent4"/>
+    </dgm:fillClrLst>
+    <dgm:linClrLst meth="repeat">
+      <a:schemeClr val="lt1"/>
+    </dgm:linClrLst>
+    <dgm:effectClrLst/>
+    <dgm:txLinClrLst/>
+    <dgm:txFillClrLst/>
+    <dgm:txEffectClrLst/>
+  </dgm:styleLbl>
+  <dgm:styleLbl name="asst4">
+    <dgm:fillClrLst>
+      <a:schemeClr val="accent5"/>
+    </dgm:fillClrLst>
+    <dgm:linClrLst meth="repeat">
+      <a:schemeClr val="lt1"/>
+    </dgm:linClrLst>
+    <dgm:effectClrLst/>
+    <dgm:txLinClrLst/>
+    <dgm:txFillClrLst/>
+    <dgm:txEffectClrLst/>
+  </dgm:styleLbl>
+  <dgm:styleLbl name="parChTrans2D1">
+    <dgm:fillClrLst meth="repeat">
+      <a:schemeClr val="accent2"/>
+    </dgm:fillClrLst>
+    <dgm:linClrLst meth="repeat">
+      <a:schemeClr val="lt1"/>
+    </dgm:linClrLst>
+    <dgm:effectClrLst/>
+    <dgm:txLinClrLst/>
+    <dgm:txFillClrLst meth="repeat">
+      <a:schemeClr val="lt1"/>
+    </dgm:txFillClrLst>
+    <dgm:txEffectClrLst/>
+  </dgm:styleLbl>
+  <dgm:styleLbl name="parChTrans2D2">
+    <dgm:fillClrLst meth="repeat">
+      <a:schemeClr val="accent3"/>
+    </dgm:fillClrLst>
+    <dgm:linClrLst meth="repeat">
+      <a:schemeClr val="lt1"/>
+    </dgm:linClrLst>
+    <dgm:effectClrLst/>
+    <dgm:txLinClrLst/>
+    <dgm:txFillClrLst/>
+    <dgm:txEffectClrLst/>
+  </dgm:styleLbl>
+  <dgm:styleLbl name="parChTrans2D3">
+    <dgm:fillClrLst meth="repeat">
+      <a:schemeClr val="accent4"/>
+    </dgm:fillClrLst>
+    <dgm:linClrLst meth="repeat">
+      <a:schemeClr val="lt1"/>
+    </dgm:linClrLst>
+    <dgm:effectClrLst/>
+    <dgm:txLinClrLst/>
+    <dgm:txFillClrLst/>
+    <dgm:txEffectClrLst/>
+  </dgm:styleLbl>
+  <dgm:styleLbl name="parChTrans2D4">
+    <dgm:fillClrLst meth="repeat">
+      <a:schemeClr val="accent5"/>
+    </dgm:fillClrLst>
+    <dgm:linClrLst meth="repeat">
+      <a:schemeClr val="lt1"/>
+    </dgm:linClrLst>
+    <dgm:effectClrLst/>
+    <dgm:txLinClrLst/>
+    <dgm:txFillClrLst meth="repeat">
+      <a:schemeClr val="lt1"/>
+    </dgm:txFillClrLst>
+    <dgm:txEffectClrLst/>
+  </dgm:styleLbl>
+  <dgm:styleLbl name="parChTrans1D1">
+    <dgm:fillClrLst meth="repeat">
+      <a:schemeClr val="accent2"/>
+    </dgm:fillClrLst>
+    <dgm:linClrLst meth="repeat">
+      <a:schemeClr val="accent1"/>
+    </dgm:linClrLst>
+    <dgm:effectClrLst/>
+    <dgm:txLinClrLst/>
+    <dgm:txFillClrLst meth="repeat">
+      <a:schemeClr val="tx1"/>
+    </dgm:txFillClrLst>
+    <dgm:txEffectClrLst/>
+  </dgm:styleLbl>
+  <dgm:styleLbl name="parChTrans1D2">
+    <dgm:fillClrLst meth="repeat">
+      <a:schemeClr val="accent3">
+        <a:tint val="90000"/>
+      </a:schemeClr>
+    </dgm:fillClrLst>
+    <dgm:linClrLst meth="repeat">
+      <a:schemeClr val="accent2"/>
+    </dgm:linClrLst>
+    <dgm:effectClrLst/>
+    <dgm:txLinClrLst/>
+    <dgm:txFillClrLst meth="repeat">
+      <a:schemeClr val="tx1"/>
+    </dgm:txFillClrLst>
+    <dgm:txEffectClrLst/>
+  </dgm:styleLbl>
+  <dgm:styleLbl name="parChTrans1D3">
+    <dgm:fillClrLst meth="repeat">
+      <a:schemeClr val="accent4">
+        <a:tint val="70000"/>
+      </a:schemeClr>
+    </dgm:fillClrLst>
+    <dgm:linClrLst meth="repeat">
+      <a:schemeClr val="accent3"/>
+    </dgm:linClrLst>
+    <dgm:effectClrLst/>
+    <dgm:txLinClrLst/>
+    <dgm:txFillClrLst meth="repeat">
+      <a:schemeClr val="tx1"/>
+    </dgm:txFillClrLst>
+    <dgm:txEffectClrLst/>
+  </dgm:styleLbl>
+  <dgm:styleLbl name="parChTrans1D4">
+    <dgm:fillClrLst meth="repeat">
+      <a:schemeClr val="accent5">
+        <a:tint val="50000"/>
+      </a:schemeClr>
+    </dgm:fillClrLst>
+    <dgm:linClrLst meth="repeat">
+      <a:schemeClr val="accent4"/>
+    </dgm:linClrLst>
+    <dgm:effectClrLst/>
+    <dgm:txLinClrLst/>
+    <dgm:txFillClrLst meth="repeat">
+      <a:schemeClr val="tx1"/>
+    </dgm:txFillClrLst>
+    <dgm:txEffectClrLst/>
+  </dgm:styleLbl>
+  <dgm:styleLbl name="fgAcc1">
+    <dgm:fillClrLst meth="repeat">
+      <a:schemeClr val="lt1">
+        <a:alpha val="90000"/>
+      </a:schemeClr>
+    </dgm:fillClrLst>
+    <dgm:linClrLst meth="repeat">
+      <a:schemeClr val="accent2"/>
+      <a:schemeClr val="accent3"/>
+      <a:schemeClr val="accent4"/>
+      <a:schemeClr val="accent5"/>
+      <a:schemeClr val="accent6"/>
+    </dgm:linClrLst>
+    <dgm:effectClrLst/>
+    <dgm:txLinClrLst/>
+    <dgm:txFillClrLst meth="repeat">
+      <a:schemeClr val="dk1"/>
+    </dgm:txFillClrLst>
+    <dgm:txEffectClrLst/>
+  </dgm:styleLbl>
+  <dgm:styleLbl name="conFgAcc1">
+    <dgm:fillClrLst meth="repeat">
+      <a:schemeClr val="lt1">
+        <a:alpha val="90000"/>
+      </a:schemeClr>
+    </dgm:fillClrLst>
+    <dgm:linClrLst meth="repeat">
+      <a:schemeClr val="accent2"/>
+      <a:schemeClr val="accent3"/>
+      <a:schemeClr val="accent4"/>
+      <a:schemeClr val="accent5"/>
+      <a:schemeClr val="accent6"/>
+    </dgm:linClrLst>
+    <dgm:effectClrLst/>
+    <dgm:txLinClrLst/>
+    <dgm:txFillClrLst meth="repeat">
+      <a:schemeClr val="dk1"/>
+    </dgm:txFillClrLst>
+    <dgm:txEffectClrLst/>
+  </dgm:styleLbl>
+  <dgm:styleLbl name="alignAcc1">
+    <dgm:fillClrLst meth="repeat">
+      <a:schemeClr val="lt1">
+        <a:alpha val="90000"/>
+      </a:schemeClr>
+    </dgm:fillClrLst>
+    <dgm:linClrLst meth="repeat">
+      <a:schemeClr val="accent2"/>
+      <a:schemeClr val="accent3"/>
+      <a:schemeClr val="accent4"/>
+      <a:schemeClr val="accent5"/>
+      <a:schemeClr val="accent6"/>
+    </dgm:linClrLst>
+    <dgm:effectClrLst/>
+    <dgm:txLinClrLst/>
+    <dgm:txFillClrLst meth="repeat">
+      <a:schemeClr val="dk1"/>
+    </dgm:txFillClrLst>
+    <dgm:txEffectClrLst/>
+  </dgm:styleLbl>
+  <dgm:styleLbl name="trAlignAcc1">
+    <dgm:fillClrLst meth="repeat">
+      <a:schemeClr val="lt1">
+        <a:alpha val="0"/>
+      </a:schemeClr>
+    </dgm:fillClrLst>
+    <dgm:linClrLst meth="repeat">
+      <a:schemeClr val="accent2"/>
+      <a:schemeClr val="accent3"/>
+      <a:schemeClr val="accent4"/>
+      <a:schemeClr val="accent5"/>
+      <a:schemeClr val="accent6"/>
+    </dgm:linClrLst>
+    <dgm:effectClrLst/>
+    <dgm:txLinClrLst/>
+    <dgm:txFillClrLst meth="repeat">
+      <a:schemeClr val="dk1"/>
+    </dgm:txFillClrLst>
+    <dgm:txEffectClrLst/>
+  </dgm:styleLbl>
+  <dgm:styleLbl name="bgAcc1">
+    <dgm:fillClrLst meth="repeat">
+      <a:schemeClr val="lt1">
+        <a:alpha val="90000"/>
+      </a:schemeClr>
+    </dgm:fillClrLst>
+    <dgm:linClrLst meth="repeat">
+      <a:schemeClr val="accent2"/>
+      <a:schemeClr val="accent3"/>
+      <a:schemeClr val="accent4"/>
+      <a:schemeClr val="accent5"/>
+      <a:schemeClr val="accent6"/>
+    </dgm:linClrLst>
+    <dgm:effectClrLst/>
+    <dgm:txLinClrLst/>
+    <dgm:txFillClrLst meth="repeat">
+      <a:schemeClr val="dk1"/>
+    </dgm:txFillClrLst>
+    <dgm:txEffectClrLst/>
+  </dgm:styleLbl>
+  <dgm:styleLbl name="solidFgAcc1">
+    <dgm:fillClrLst meth="repeat">
+      <a:schemeClr val="lt1"/>
+    </dgm:fillClrLst>
+    <dgm:linClrLst meth="repeat">
+      <a:schemeClr val="accent2"/>
+      <a:schemeClr val="accent3"/>
+      <a:schemeClr val="accent4"/>
+      <a:schemeClr val="accent5"/>
+      <a:schemeClr val="accent6"/>
+    </dgm:linClrLst>
+    <dgm:effectClrLst/>
+    <dgm:txLinClrLst/>
+    <dgm:txFillClrLst meth="repeat">
+      <a:schemeClr val="dk1"/>
+    </dgm:txFillClrLst>
+    <dgm:txEffectClrLst/>
+  </dgm:styleLbl>
+  <dgm:styleLbl name="solidAlignAcc1">
+    <dgm:fillClrLst meth="repeat">
+      <a:schemeClr val="lt1"/>
+    </dgm:fillClrLst>
+    <dgm:linClrLst meth="repeat">
+      <a:schemeClr val="accent2"/>
+      <a:schemeClr val="accent3"/>
+      <a:schemeClr val="accent4"/>
+      <a:schemeClr val="accent5"/>
+      <a:schemeClr val="accent6"/>
+    </dgm:linClrLst>
+    <dgm:effectClrLst/>
+    <dgm:txLinClrLst/>
+    <dgm:txFillClrLst meth="repeat">
+      <a:schemeClr val="dk1"/>
+    </dgm:txFillClrLst>
+    <dgm:txEffectClrLst/>
+  </dgm:styleLbl>
+  <dgm:styleLbl name="solidBgAcc1">
+    <dgm:fillClrLst meth="repeat">
+      <a:schemeClr val="lt1"/>
+    </dgm:fillClrLst>
+    <dgm:linClrLst meth="repeat">
+      <a:schemeClr val="accent2"/>
+      <a:schemeClr val="accent3"/>
+      <a:schemeClr val="accent4"/>
+      <a:schemeClr val="accent5"/>
+      <a:schemeClr val="accent6"/>
+    </dgm:linClrLst>
+    <dgm:effectClrLst/>
+    <dgm:txLinClrLst/>
+    <dgm:txFillClrLst meth="repeat">
+      <a:schemeClr val="dk1"/>
+    </dgm:txFillClrLst>
+    <dgm:txEffectClrLst/>
+  </dgm:styleLbl>
+  <dgm:styleLbl name="fgAccFollowNode1">
+    <dgm:fillClrLst meth="repeat">
+      <a:schemeClr val="accent2">
+        <a:tint val="40000"/>
+        <a:alpha val="90000"/>
+      </a:schemeClr>
+      <a:schemeClr val="accent3">
+        <a:tint val="40000"/>
+        <a:alpha val="90000"/>
+      </a:schemeClr>
+      <a:schemeClr val="accent4">
+        <a:tint val="40000"/>
+        <a:alpha val="90000"/>
+      </a:schemeClr>
+      <a:schemeClr val="accent5">
+        <a:tint val="40000"/>
+        <a:alpha val="90000"/>
+      </a:schemeClr>
+      <a:schemeClr val="accent6">
+        <a:tint val="40000"/>
+        <a:alpha val="90000"/>
+      </a:schemeClr>
+    </dgm:fillClrLst>
+    <dgm:linClrLst meth="repeat">
+      <a:schemeClr val="accent2">
+        <a:tint val="40000"/>
+        <a:alpha val="90000"/>
+      </a:schemeClr>
+      <a:schemeClr val="accent3">
+        <a:tint val="40000"/>
+        <a:alpha val="90000"/>
+      </a:schemeClr>
+      <a:schemeClr val="accent4">
+        <a:tint val="40000"/>
+        <a:alpha val="90000"/>
+      </a:schemeClr>
+      <a:schemeClr val="accent5">
+        <a:tint val="40000"/>
+        <a:alpha val="90000"/>
+      </a:schemeClr>
+      <a:schemeClr val="accent6">
+        <a:tint val="40000"/>
+        <a:alpha val="90000"/>
+      </a:schemeClr>
+    </dgm:linClrLst>
+    <dgm:effectClrLst/>
+    <dgm:txLinClrLst/>
+    <dgm:txFillClrLst meth="repeat">
+      <a:schemeClr val="dk1"/>
+    </dgm:txFillClrLst>
+    <dgm:txEffectClrLst/>
+  </dgm:styleLbl>
+  <dgm:styleLbl name="alignAccFollowNode1">
+    <dgm:fillClrLst meth="repeat">
+      <a:schemeClr val="accent2">
+        <a:tint val="40000"/>
+        <a:alpha val="90000"/>
+      </a:schemeClr>
+      <a:schemeClr val="accent3">
+        <a:tint val="40000"/>
+        <a:alpha val="90000"/>
+      </a:schemeClr>
+      <a:schemeClr val="accent4">
+        <a:tint val="40000"/>
+        <a:alpha val="90000"/>
+      </a:schemeClr>
+      <a:schemeClr val="accent5">
+        <a:tint val="40000"/>
+        <a:alpha val="90000"/>
+      </a:schemeClr>
+      <a:schemeClr val="accent6">
+        <a:tint val="40000"/>
+        <a:alpha val="90000"/>
+      </a:schemeClr>
+    </dgm:fillClrLst>
+    <dgm:linClrLst meth="repeat">
+      <a:schemeClr val="accent2">
+        <a:tint val="40000"/>
+        <a:alpha val="90000"/>
+      </a:schemeClr>
+      <a:schemeClr val="accent3">
+        <a:tint val="40000"/>
+        <a:alpha val="90000"/>
+      </a:schemeClr>
+      <a:schemeClr val="accent4">
+        <a:tint val="40000"/>
+        <a:alpha val="90000"/>
+      </a:schemeClr>
+      <a:schemeClr val="accent5">
+        <a:tint val="40000"/>
+        <a:alpha val="90000"/>
+      </a:schemeClr>
+      <a:schemeClr val="accent6">
+        <a:tint val="40000"/>
+        <a:alpha val="90000"/>
+      </a:schemeClr>
+    </dgm:linClrLst>
+    <dgm:effectClrLst/>
+    <dgm:txLinClrLst/>
+    <dgm:txFillClrLst meth="repeat">
+      <a:schemeClr val="dk1"/>
+    </dgm:txFillClrLst>
+    <dgm:txEffectClrLst/>
+  </dgm:styleLbl>
+  <dgm:styleLbl name="bgAccFollowNode1">
+    <dgm:fillClrLst meth="repeat">
+      <a:schemeClr val="accent2">
+        <a:tint val="40000"/>
+        <a:alpha val="90000"/>
+      </a:schemeClr>
+      <a:schemeClr val="accent3">
+        <a:tint val="40000"/>
+        <a:alpha val="90000"/>
+      </a:schemeClr>
+      <a:schemeClr val="accent4">
+        <a:tint val="40000"/>
+        <a:alpha val="90000"/>
+      </a:schemeClr>
+      <a:schemeClr val="accent5">
+        <a:tint val="40000"/>
+        <a:alpha val="90000"/>
+      </a:schemeClr>
+      <a:schemeClr val="accent6">
+        <a:tint val="40000"/>
+        <a:alpha val="90000"/>
+      </a:schemeClr>
+    </dgm:fillClrLst>
+    <dgm:linClrLst meth="repeat">
+      <a:schemeClr val="accent2">
+        <a:tint val="40000"/>
+        <a:alpha val="90000"/>
+      </a:schemeClr>
+      <a:schemeClr val="accent3">
+        <a:tint val="40000"/>
+        <a:alpha val="90000"/>
+      </a:schemeClr>
+      <a:schemeClr val="accent4">
+        <a:tint val="40000"/>
+        <a:alpha val="90000"/>
+      </a:schemeClr>
+      <a:schemeClr val="accent5">
+        <a:tint val="40000"/>
+        <a:alpha val="90000"/>
+      </a:schemeClr>
+      <a:schemeClr val="accent6">
+        <a:tint val="40000"/>
+        <a:alpha val="90000"/>
+      </a:schemeClr>
+    </dgm:linClrLst>
+    <dgm:effectClrLst/>
+    <dgm:txLinClrLst/>
+    <dgm:txFillClrLst meth="repeat">
+      <a:schemeClr val="dk1"/>
+    </dgm:txFillClrLst>
+    <dgm:txEffectClrLst/>
+  </dgm:styleLbl>
+  <dgm:styleLbl name="fgAcc0">
+    <dgm:fillClrLst meth="repeat">
+      <a:schemeClr val="lt1">
+        <a:alpha val="90000"/>
+      </a:schemeClr>
+    </dgm:fillClrLst>
+    <dgm:linClrLst>
+      <a:schemeClr val="accent1"/>
+    </dgm:linClrLst>
+    <dgm:effectClrLst/>
+    <dgm:txLinClrLst/>
+    <dgm:txFillClrLst meth="repeat">
+      <a:schemeClr val="dk1"/>
+    </dgm:txFillClrLst>
+    <dgm:txEffectClrLst/>
+  </dgm:styleLbl>
+  <dgm:styleLbl name="fgAcc2">
+    <dgm:fillClrLst meth="repeat">
+      <a:schemeClr val="lt1">
+        <a:alpha val="90000"/>
+      </a:schemeClr>
+    </dgm:fillClrLst>
+    <dgm:linClrLst>
+      <a:schemeClr val="accent2"/>
+    </dgm:linClrLst>
+    <dgm:effectClrLst/>
+    <dgm:txLinClrLst/>
+    <dgm:txFillClrLst meth="repeat">
+      <a:schemeClr val="dk1"/>
+    </dgm:txFillClrLst>
+    <dgm:txEffectClrLst/>
+  </dgm:styleLbl>
+  <dgm:styleLbl name="fgAcc3">
+    <dgm:fillClrLst meth="repeat">
+      <a:schemeClr val="lt1">
+        <a:alpha val="90000"/>
+      </a:schemeClr>
+    </dgm:fillClrLst>
+    <dgm:linClrLst>
+      <a:schemeClr val="accent3"/>
+    </dgm:linClrLst>
+    <dgm:effectClrLst/>
+    <dgm:txLinClrLst/>
+    <dgm:txFillClrLst meth="repeat">
+      <a:schemeClr val="dk1"/>
+    </dgm:txFillClrLst>
+    <dgm:txEffectClrLst/>
+  </dgm:styleLbl>
+  <dgm:styleLbl name="fgAcc4">
+    <dgm:fillClrLst meth="repeat">
+      <a:schemeClr val="lt1">
+        <a:alpha val="90000"/>
+      </a:schemeClr>
+    </dgm:fillClrLst>
+    <dgm:linClrLst>
+      <a:schemeClr val="accent4"/>
+    </dgm:linClrLst>
+    <dgm:effectClrLst/>
+    <dgm:txLinClrLst/>
+    <dgm:txFillClrLst meth="repeat">
+      <a:schemeClr val="dk1"/>
+    </dgm:txFillClrLst>
+    <dgm:txEffectClrLst/>
+  </dgm:styleLbl>
+  <dgm:styleLbl name="bgShp">
+    <dgm:fillClrLst meth="repeat">
+      <a:schemeClr val="accent2">
+        <a:tint val="40000"/>
+      </a:schemeClr>
+    </dgm:fillClrLst>
+    <dgm:linClrLst meth="repeat">
+      <a:schemeClr val="dk1"/>
+    </dgm:linClrLst>
+    <dgm:effectClrLst/>
+    <dgm:txLinClrLst/>
+    <dgm:txFillClrLst meth="repeat">
+      <a:schemeClr val="dk1"/>
+    </dgm:txFillClrLst>
+    <dgm:txEffectClrLst/>
+  </dgm:styleLbl>
+  <dgm:styleLbl name="dkBgShp">
+    <dgm:fillClrLst meth="repeat">
+      <a:schemeClr val="accent2">
+        <a:shade val="90000"/>
+      </a:schemeClr>
+    </dgm:fillClrLst>
+    <dgm:linClrLst meth="repeat">
+      <a:schemeClr val="dk1"/>
+    </dgm:linClrLst>
+    <dgm:effectClrLst/>
+    <dgm:txLinClrLst/>
+    <dgm:txFillClrLst meth="repeat">
+      <a:schemeClr val="lt1"/>
+    </dgm:txFillClrLst>
+    <dgm:txEffectClrLst/>
+  </dgm:styleLbl>
+  <dgm:styleLbl name="trBgShp">
+    <dgm:fillClrLst meth="repeat">
+      <a:schemeClr val="accent1">
+        <a:tint val="50000"/>
+        <a:alpha val="40000"/>
+      </a:schemeClr>
+    </dgm:fillClrLst>
+    <dgm:linClrLst meth="repeat">
+      <a:schemeClr val="accent2"/>
+    </dgm:linClrLst>
+    <dgm:effectClrLst/>
+    <dgm:txLinClrLst/>
+    <dgm:txFillClrLst meth="repeat">
+      <a:schemeClr val="lt1"/>
+    </dgm:txFillClrLst>
+    <dgm:txEffectClrLst/>
+  </dgm:styleLbl>
+  <dgm:styleLbl name="fgShp">
+    <dgm:fillClrLst meth="repeat">
+      <a:schemeClr val="accent2">
+        <a:tint val="40000"/>
+      </a:schemeClr>
+    </dgm:fillClrLst>
+    <dgm:linClrLst meth="repeat">
+      <a:schemeClr val="lt1"/>
+    </dgm:linClrLst>
+    <dgm:effectClrLst/>
+    <dgm:txLinClrLst/>
+    <dgm:txFillClrLst meth="repeat">
+      <a:schemeClr val="dk1"/>
+    </dgm:txFillClrLst>
+    <dgm:txEffectClrLst/>
+  </dgm:styleLbl>
+  <dgm:styleLbl name="revTx">
+    <dgm:fillClrLst meth="repeat">
+      <a:schemeClr val="lt1">
+        <a:alpha val="0"/>
+      </a:schemeClr>
+    </dgm:fillClrLst>
+    <dgm:linClrLst meth="repeat">
+      <a:schemeClr val="dk1">
+        <a:alpha val="0"/>
+      </a:schemeClr>
+    </dgm:linClrLst>
+    <dgm:effectClrLst/>
+    <dgm:txLinClrLst/>
+    <dgm:txFillClrLst meth="repeat">
+      <a:schemeClr val="tx1"/>
+    </dgm:txFillClrLst>
+    <dgm:txEffectClrLst/>
+  </dgm:styleLbl>
+</dgm:colorsDef>
+</file>
+
 <file path=ppt/diagrams/data1.xml><?xml version="1.0" encoding="utf-8"?>
+<dgm:dataModel xmlns:dgm="http://schemas.openxmlformats.org/drawingml/2006/diagram" xmlns:a="http://schemas.openxmlformats.org/drawingml/2006/main">
+  <dgm:ptLst>
+    <dgm:pt modelId="{55C0B14E-AEA6-48D3-A387-ED4A3A3BF840}" type="doc">
+      <dgm:prSet loTypeId="urn:microsoft.com/office/officeart/2016/7/layout/AccentHomeChevronProcess" loCatId="process" qsTypeId="urn:microsoft.com/office/officeart/2005/8/quickstyle/simple1" qsCatId="simple" csTypeId="urn:microsoft.com/office/officeart/2018/5/colors/Iconchunking_coloredoutline_colorful1" csCatId="colorful" phldr="1"/>
+      <dgm:spPr/>
+      <dgm:t>
+        <a:bodyPr rtlCol="0"/>
+        <a:lstStyle/>
+        <a:p>
+          <a:pPr rtl="0"/>
+          <a:endParaRPr lang="en-US"/>
+        </a:p>
+      </dgm:t>
+    </dgm:pt>
+    <dgm:pt modelId="{AACEAFD5-63CF-4AFC-B46F-BE086C5D447C}">
+      <dgm:prSet phldrT="[Text]"/>
+      <dgm:spPr>
+        <a:solidFill>
+          <a:srgbClr val="00B050"/>
+        </a:solidFill>
+        <a:ln>
+          <a:solidFill>
+            <a:schemeClr val="accent2"/>
+          </a:solidFill>
+        </a:ln>
+      </dgm:spPr>
+      <dgm:t>
+        <a:bodyPr rtlCol="0"/>
+        <a:lstStyle/>
+        <a:p>
+          <a:pPr rtl="0"/>
+          <a:r>
+            <a:rPr lang="pt-BR" noProof="0" dirty="0"/>
+            <a:t>Home</a:t>
+          </a:r>
+        </a:p>
+      </dgm:t>
+    </dgm:pt>
+    <dgm:pt modelId="{7A0BD8EC-BB4A-4912-A54E-6F39B681264E}" type="parTrans" cxnId="{AE101ABC-7EA3-4444-A576-8AB15A371C84}">
+      <dgm:prSet/>
+      <dgm:spPr/>
+      <dgm:t>
+        <a:bodyPr rtlCol="0"/>
+        <a:lstStyle/>
+        <a:p>
+          <a:pPr rtl="0"/>
+          <a:endParaRPr lang="pt-BR" noProof="0" dirty="0"/>
+        </a:p>
+      </dgm:t>
+    </dgm:pt>
+    <dgm:pt modelId="{7A8D4B4D-06E9-4958-810D-A6226B6AC588}" type="sibTrans" cxnId="{AE101ABC-7EA3-4444-A576-8AB15A371C84}">
+      <dgm:prSet/>
+      <dgm:spPr/>
+      <dgm:t>
+        <a:bodyPr rtlCol="0"/>
+        <a:lstStyle/>
+        <a:p>
+          <a:pPr rtl="0"/>
+          <a:endParaRPr lang="pt-BR" noProof="0" dirty="0"/>
+        </a:p>
+      </dgm:t>
+    </dgm:pt>
+    <dgm:pt modelId="{349299C9-846E-4827-813A-349CCCE20782}">
+      <dgm:prSet phldrT="[Text]" custT="1"/>
+      <dgm:spPr/>
+      <dgm:t>
+        <a:bodyPr rtlCol="0"/>
+        <a:lstStyle/>
+        <a:p>
+          <a:pPr rtl="0"/>
+          <a:r>
+            <a:rPr lang="pt-BR" sz="1800" noProof="0" dirty="0"/>
+            <a:t>Dashboard</a:t>
+          </a:r>
+        </a:p>
+      </dgm:t>
+    </dgm:pt>
+    <dgm:pt modelId="{AEA27547-B9ED-4994-BD27-04EC297EF367}" type="parTrans" cxnId="{0EFA3039-6828-403C-9445-4359BA6645E6}">
+      <dgm:prSet/>
+      <dgm:spPr/>
+      <dgm:t>
+        <a:bodyPr rtlCol="0"/>
+        <a:lstStyle/>
+        <a:p>
+          <a:pPr rtl="0"/>
+          <a:endParaRPr lang="pt-BR" noProof="0" dirty="0"/>
+        </a:p>
+      </dgm:t>
+    </dgm:pt>
+    <dgm:pt modelId="{9D819F52-ACA0-4B08-8256-DF6BD8FA3A0B}" type="sibTrans" cxnId="{0EFA3039-6828-403C-9445-4359BA6645E6}">
+      <dgm:prSet/>
+      <dgm:spPr/>
+      <dgm:t>
+        <a:bodyPr rtlCol="0"/>
+        <a:lstStyle/>
+        <a:p>
+          <a:pPr rtl="0"/>
+          <a:endParaRPr lang="pt-BR" noProof="0" dirty="0"/>
+        </a:p>
+      </dgm:t>
+    </dgm:pt>
+    <dgm:pt modelId="{D07AD3FD-84FF-467E-9693-752776549C61}">
+      <dgm:prSet phldrT="[Text]"/>
+      <dgm:spPr>
+        <a:solidFill>
+          <a:srgbClr val="00B050"/>
+        </a:solidFill>
+        <a:ln>
+          <a:solidFill>
+            <a:schemeClr val="accent1"/>
+          </a:solidFill>
+        </a:ln>
+      </dgm:spPr>
+      <dgm:t>
+        <a:bodyPr rtlCol="0"/>
+        <a:lstStyle/>
+        <a:p>
+          <a:pPr rtl="0"/>
+          <a:r>
+            <a:rPr lang="pt-BR" noProof="0" dirty="0"/>
+            <a:t>Lanc. Despesa</a:t>
+          </a:r>
+        </a:p>
+      </dgm:t>
+    </dgm:pt>
+    <dgm:pt modelId="{7B691773-F524-4FAD-A272-BDF0B0C4370A}" type="parTrans" cxnId="{55492768-9A5E-4F74-AC7C-959C5C24EFD3}">
+      <dgm:prSet/>
+      <dgm:spPr/>
+      <dgm:t>
+        <a:bodyPr rtlCol="0"/>
+        <a:lstStyle/>
+        <a:p>
+          <a:pPr rtl="0"/>
+          <a:endParaRPr lang="pt-BR" noProof="0" dirty="0"/>
+        </a:p>
+      </dgm:t>
+    </dgm:pt>
+    <dgm:pt modelId="{A8C9B7A9-BC2A-4753-B7F0-F2E361D95520}" type="sibTrans" cxnId="{55492768-9A5E-4F74-AC7C-959C5C24EFD3}">
+      <dgm:prSet/>
+      <dgm:spPr/>
+      <dgm:t>
+        <a:bodyPr rtlCol="0"/>
+        <a:lstStyle/>
+        <a:p>
+          <a:pPr rtl="0"/>
+          <a:endParaRPr lang="pt-BR" noProof="0" dirty="0"/>
+        </a:p>
+      </dgm:t>
+    </dgm:pt>
+    <dgm:pt modelId="{5D70EFF5-8B31-4A1F-AE44-51E4CF0013EB}">
+      <dgm:prSet phldrT="[Text]" custT="1"/>
+      <dgm:spPr/>
+      <dgm:t>
+        <a:bodyPr rtlCol="0"/>
+        <a:lstStyle/>
+        <a:p>
+          <a:pPr rtl="0"/>
+          <a:r>
+            <a:rPr lang="pt-BR" sz="1600" b="0" i="0" u="none" noProof="0" dirty="0" err="1"/>
+            <a:t>Get</a:t>
+          </a:r>
+          <a:r>
+            <a:rPr lang="pt-BR" sz="1600" b="0" i="0" u="none" noProof="0" dirty="0"/>
+            <a:t> (Grupo Despesa)</a:t>
+          </a:r>
+          <a:endParaRPr lang="pt-BR" sz="1600" noProof="0" dirty="0"/>
+        </a:p>
+      </dgm:t>
+    </dgm:pt>
+    <dgm:pt modelId="{96C720A0-FEEF-48D1-8DF6-ABA03C304822}" type="parTrans" cxnId="{E97FF64F-8020-497E-AE7D-2395DDA4560D}">
+      <dgm:prSet/>
+      <dgm:spPr/>
+      <dgm:t>
+        <a:bodyPr rtlCol="0"/>
+        <a:lstStyle/>
+        <a:p>
+          <a:pPr rtl="0"/>
+          <a:endParaRPr lang="pt-BR" noProof="0" dirty="0"/>
+        </a:p>
+      </dgm:t>
+    </dgm:pt>
+    <dgm:pt modelId="{B6A59CDE-18AD-4553-B6C5-FF001A8E8510}" type="sibTrans" cxnId="{E97FF64F-8020-497E-AE7D-2395DDA4560D}">
+      <dgm:prSet/>
+      <dgm:spPr/>
+      <dgm:t>
+        <a:bodyPr rtlCol="0"/>
+        <a:lstStyle/>
+        <a:p>
+          <a:pPr rtl="0"/>
+          <a:endParaRPr lang="pt-BR" noProof="0" dirty="0"/>
+        </a:p>
+      </dgm:t>
+    </dgm:pt>
+    <dgm:pt modelId="{D71FC021-6A65-44D1-95B9-0E6C89079866}">
+      <dgm:prSet phldrT="[Text]"/>
+      <dgm:spPr>
+        <a:solidFill>
+          <a:srgbClr val="00B050"/>
+        </a:solidFill>
+        <a:ln>
+          <a:solidFill>
+            <a:schemeClr val="accent5"/>
+          </a:solidFill>
+        </a:ln>
+      </dgm:spPr>
+      <dgm:t>
+        <a:bodyPr rtlCol="0"/>
+        <a:lstStyle/>
+        <a:p>
+          <a:pPr rtl="0"/>
+          <a:r>
+            <a:rPr lang="pt-BR" noProof="0" dirty="0"/>
+            <a:t>Conta Bancária</a:t>
+          </a:r>
+        </a:p>
+      </dgm:t>
+    </dgm:pt>
+    <dgm:pt modelId="{862AAE39-3AAD-40E3-BA20-90187BD73242}" type="parTrans" cxnId="{53239C96-427C-420B-95DC-546F3B30ED65}">
+      <dgm:prSet/>
+      <dgm:spPr/>
+      <dgm:t>
+        <a:bodyPr rtlCol="0"/>
+        <a:lstStyle/>
+        <a:p>
+          <a:pPr rtl="0"/>
+          <a:endParaRPr lang="pt-BR" noProof="0" dirty="0"/>
+        </a:p>
+      </dgm:t>
+    </dgm:pt>
+    <dgm:pt modelId="{9B090D9D-470E-46E2-AABB-0368A52481AA}" type="sibTrans" cxnId="{53239C96-427C-420B-95DC-546F3B30ED65}">
+      <dgm:prSet/>
+      <dgm:spPr/>
+      <dgm:t>
+        <a:bodyPr rtlCol="0"/>
+        <a:lstStyle/>
+        <a:p>
+          <a:pPr rtl="0"/>
+          <a:endParaRPr lang="pt-BR" noProof="0" dirty="0"/>
+        </a:p>
+      </dgm:t>
+    </dgm:pt>
+    <dgm:pt modelId="{4A6BB192-9983-4F48-BBC5-6E384EED7EC5}">
+      <dgm:prSet phldrT="[Text]" custT="1"/>
+      <dgm:spPr/>
+      <dgm:t>
+        <a:bodyPr rtlCol="0"/>
+        <a:lstStyle/>
+        <a:p>
+          <a:pPr rtl="0"/>
+          <a:r>
+            <a:rPr lang="pt-BR" sz="2000" b="0" i="0" u="none" noProof="0" dirty="0"/>
+            <a:t>Post (Banco)</a:t>
+          </a:r>
+          <a:endParaRPr lang="pt-BR" sz="2000" noProof="0" dirty="0"/>
+        </a:p>
+      </dgm:t>
+    </dgm:pt>
+    <dgm:pt modelId="{230A6E4A-6CED-4DC0-AEFE-6859FE07B658}" type="parTrans" cxnId="{E3115EEA-DE9C-4F06-B8B3-BEB263D5F2B1}">
+      <dgm:prSet/>
+      <dgm:spPr/>
+      <dgm:t>
+        <a:bodyPr rtlCol="0"/>
+        <a:lstStyle/>
+        <a:p>
+          <a:pPr rtl="0"/>
+          <a:endParaRPr lang="pt-BR" noProof="0" dirty="0"/>
+        </a:p>
+      </dgm:t>
+    </dgm:pt>
+    <dgm:pt modelId="{0B568EC2-5D2A-4B00-8047-B7832F245B44}" type="sibTrans" cxnId="{E3115EEA-DE9C-4F06-B8B3-BEB263D5F2B1}">
+      <dgm:prSet/>
+      <dgm:spPr/>
+      <dgm:t>
+        <a:bodyPr rtlCol="0"/>
+        <a:lstStyle/>
+        <a:p>
+          <a:pPr rtl="0"/>
+          <a:endParaRPr lang="pt-BR" noProof="0" dirty="0"/>
+        </a:p>
+      </dgm:t>
+    </dgm:pt>
+    <dgm:pt modelId="{5EDA317F-AB2E-47DE-BA46-16FA60C3C561}">
+      <dgm:prSet phldrT="[Text]"/>
+      <dgm:spPr>
+        <a:solidFill>
+          <a:schemeClr val="accent4">
+            <a:lumMod val="75000"/>
+          </a:schemeClr>
+        </a:solidFill>
+        <a:ln>
+          <a:solidFill>
+            <a:schemeClr val="accent3"/>
+          </a:solidFill>
+        </a:ln>
+      </dgm:spPr>
+      <dgm:t>
+        <a:bodyPr rtlCol="0"/>
+        <a:lstStyle/>
+        <a:p>
+          <a:pPr rtl="0"/>
+          <a:r>
+            <a:rPr lang="pt-BR" noProof="0" dirty="0"/>
+            <a:t>Relatórios</a:t>
+          </a:r>
+        </a:p>
+      </dgm:t>
+    </dgm:pt>
+    <dgm:pt modelId="{775EBB35-E8CF-4A14-B0A8-45A53D65E711}" type="parTrans" cxnId="{7B8F902E-4BA3-41AA-9991-54805A6B93DE}">
+      <dgm:prSet/>
+      <dgm:spPr/>
+      <dgm:t>
+        <a:bodyPr rtlCol="0"/>
+        <a:lstStyle/>
+        <a:p>
+          <a:pPr rtl="0"/>
+          <a:endParaRPr lang="pt-BR" noProof="0" dirty="0"/>
+        </a:p>
+      </dgm:t>
+    </dgm:pt>
+    <dgm:pt modelId="{A75B061E-69EA-487C-8330-1430DA0F139D}" type="sibTrans" cxnId="{7B8F902E-4BA3-41AA-9991-54805A6B93DE}">
+      <dgm:prSet/>
+      <dgm:spPr/>
+      <dgm:t>
+        <a:bodyPr rtlCol="0"/>
+        <a:lstStyle/>
+        <a:p>
+          <a:pPr rtl="0"/>
+          <a:endParaRPr lang="pt-BR" noProof="0" dirty="0"/>
+        </a:p>
+      </dgm:t>
+    </dgm:pt>
+    <dgm:pt modelId="{7B2FF309-5120-45E2-ACC8-F8FAA9DBDA55}">
+      <dgm:prSet phldrT="[Text]"/>
+      <dgm:spPr>
+        <a:solidFill>
+          <a:srgbClr val="FF0000"/>
+        </a:solidFill>
+        <a:ln>
+          <a:solidFill>
+            <a:schemeClr val="accent4"/>
+          </a:solidFill>
+        </a:ln>
+      </dgm:spPr>
+      <dgm:t>
+        <a:bodyPr rtlCol="0"/>
+        <a:lstStyle/>
+        <a:p>
+          <a:pPr rtl="0"/>
+          <a:r>
+            <a:rPr lang="pt-BR" noProof="0" dirty="0"/>
+            <a:t>Login</a:t>
+          </a:r>
+        </a:p>
+      </dgm:t>
+    </dgm:pt>
+    <dgm:pt modelId="{2CF5AF8A-5687-489A-9838-EDDBB760D421}" type="parTrans" cxnId="{D35DB9DA-961B-46CD-BB14-44CD766D8CB7}">
+      <dgm:prSet/>
+      <dgm:spPr/>
+      <dgm:t>
+        <a:bodyPr rtlCol="0"/>
+        <a:lstStyle/>
+        <a:p>
+          <a:pPr rtl="0"/>
+          <a:endParaRPr lang="pt-BR" noProof="0" dirty="0"/>
+        </a:p>
+      </dgm:t>
+    </dgm:pt>
+    <dgm:pt modelId="{D5CAA101-B828-45D7-965B-F77CD6FBA109}" type="sibTrans" cxnId="{D35DB9DA-961B-46CD-BB14-44CD766D8CB7}">
+      <dgm:prSet/>
+      <dgm:spPr/>
+      <dgm:t>
+        <a:bodyPr rtlCol="0"/>
+        <a:lstStyle/>
+        <a:p>
+          <a:pPr rtl="0"/>
+          <a:endParaRPr lang="pt-BR" noProof="0" dirty="0"/>
+        </a:p>
+      </dgm:t>
+    </dgm:pt>
+    <dgm:pt modelId="{EE155DB2-6788-4019-961C-F8B89C275CE8}">
+      <dgm:prSet phldrT="[Text]" custT="1"/>
+      <dgm:spPr/>
+      <dgm:t>
+        <a:bodyPr rtlCol="0"/>
+        <a:lstStyle/>
+        <a:p>
+          <a:pPr rtl="0"/>
+          <a:r>
+            <a:rPr lang="pt-BR" sz="2000" noProof="0" dirty="0">
+              <a:solidFill>
+                <a:srgbClr val="FF0000"/>
+              </a:solidFill>
+            </a:rPr>
+            <a:t>Cadastro (Post)</a:t>
+          </a:r>
+        </a:p>
+      </dgm:t>
+    </dgm:pt>
+    <dgm:pt modelId="{8395B9D5-FF39-4045-8569-9C13F11FB1E5}" type="parTrans" cxnId="{E3D274C7-DB39-45B8-B18F-742495FE5026}">
+      <dgm:prSet/>
+      <dgm:spPr/>
+      <dgm:t>
+        <a:bodyPr rtlCol="0"/>
+        <a:lstStyle/>
+        <a:p>
+          <a:pPr rtl="0"/>
+          <a:endParaRPr lang="pt-BR" noProof="0" dirty="0"/>
+        </a:p>
+      </dgm:t>
+    </dgm:pt>
+    <dgm:pt modelId="{F94C628D-62C1-4AF5-B102-2A2AA7FD22DE}" type="sibTrans" cxnId="{E3D274C7-DB39-45B8-B18F-742495FE5026}">
+      <dgm:prSet/>
+      <dgm:spPr/>
+      <dgm:t>
+        <a:bodyPr rtlCol="0"/>
+        <a:lstStyle/>
+        <a:p>
+          <a:pPr rtl="0"/>
+          <a:endParaRPr lang="pt-BR" noProof="0" dirty="0"/>
+        </a:p>
+      </dgm:t>
+    </dgm:pt>
+    <dgm:pt modelId="{B528CD67-281A-429C-BB9B-BE287DB82CBC}">
+      <dgm:prSet phldrT="[Text]" custT="1"/>
+      <dgm:spPr/>
+      <dgm:t>
+        <a:bodyPr rtlCol="0"/>
+        <a:lstStyle/>
+        <a:p>
+          <a:pPr rtl="0"/>
+          <a:r>
+            <a:rPr lang="pt-BR" sz="1800" noProof="0" dirty="0" err="1"/>
+            <a:t>Get</a:t>
+          </a:r>
+          <a:r>
+            <a:rPr lang="pt-BR" sz="1800" noProof="0" dirty="0"/>
+            <a:t> (Saldo, Despesas em aberto)</a:t>
+          </a:r>
+        </a:p>
+      </dgm:t>
+    </dgm:pt>
+    <dgm:pt modelId="{1E80F57E-FDBC-4C3A-9D59-53FCB256B080}" type="parTrans" cxnId="{EE7A807F-E6ED-4A60-AEA2-30AC215B7427}">
+      <dgm:prSet/>
+      <dgm:spPr/>
+      <dgm:t>
+        <a:bodyPr/>
+        <a:lstStyle/>
+        <a:p>
+          <a:endParaRPr lang="pt-BR"/>
+        </a:p>
+      </dgm:t>
+    </dgm:pt>
+    <dgm:pt modelId="{8E9DCC4B-3F7D-4F83-8115-C6BCE0B2DD5B}" type="sibTrans" cxnId="{EE7A807F-E6ED-4A60-AEA2-30AC215B7427}">
+      <dgm:prSet/>
+      <dgm:spPr/>
+      <dgm:t>
+        <a:bodyPr/>
+        <a:lstStyle/>
+        <a:p>
+          <a:endParaRPr lang="pt-BR"/>
+        </a:p>
+      </dgm:t>
+    </dgm:pt>
+    <dgm:pt modelId="{9BC01348-E6A0-4ADB-ABAB-528714546FAC}">
+      <dgm:prSet phldrT="[Text]" custT="1"/>
+      <dgm:spPr/>
+      <dgm:t>
+        <a:bodyPr rtlCol="0"/>
+        <a:lstStyle/>
+        <a:p>
+          <a:pPr rtl="0"/>
+          <a:r>
+            <a:rPr lang="pt-BR" sz="1600" noProof="0" dirty="0"/>
+            <a:t>Post (Grupo Despesa)</a:t>
+          </a:r>
+        </a:p>
+      </dgm:t>
+    </dgm:pt>
+    <dgm:pt modelId="{9859D59C-2D06-49CF-8D42-1D2FBF94245D}" type="parTrans" cxnId="{648DEAA2-1C30-45AC-8662-FC5A5D379398}">
+      <dgm:prSet/>
+      <dgm:spPr/>
+      <dgm:t>
+        <a:bodyPr/>
+        <a:lstStyle/>
+        <a:p>
+          <a:endParaRPr lang="pt-BR"/>
+        </a:p>
+      </dgm:t>
+    </dgm:pt>
+    <dgm:pt modelId="{8898EA79-DA44-47B3-8B34-3D111FC17EF5}" type="sibTrans" cxnId="{648DEAA2-1C30-45AC-8662-FC5A5D379398}">
+      <dgm:prSet/>
+      <dgm:spPr/>
+      <dgm:t>
+        <a:bodyPr/>
+        <a:lstStyle/>
+        <a:p>
+          <a:endParaRPr lang="pt-BR"/>
+        </a:p>
+      </dgm:t>
+    </dgm:pt>
+    <dgm:pt modelId="{40040BCE-18CB-40F0-9385-EC7AC48D3E28}">
+      <dgm:prSet phldrT="[Text]" custT="1"/>
+      <dgm:spPr/>
+      <dgm:t>
+        <a:bodyPr rtlCol="0"/>
+        <a:lstStyle/>
+        <a:p>
+          <a:pPr rtl="0"/>
+          <a:r>
+            <a:rPr lang="pt-BR" sz="1600" b="0" i="0" u="none" noProof="0" dirty="0"/>
+            <a:t>Post (Lançamento Despesa) </a:t>
+          </a:r>
+          <a:endParaRPr lang="pt-BR" sz="1600" noProof="0" dirty="0"/>
+        </a:p>
+      </dgm:t>
+    </dgm:pt>
+    <dgm:pt modelId="{E8BC208C-1100-415A-9615-9920EC2ACAF5}" type="parTrans" cxnId="{F3115C24-CC28-4D63-B701-4006602DE347}">
+      <dgm:prSet/>
+      <dgm:spPr/>
+      <dgm:t>
+        <a:bodyPr/>
+        <a:lstStyle/>
+        <a:p>
+          <a:endParaRPr lang="pt-BR"/>
+        </a:p>
+      </dgm:t>
+    </dgm:pt>
+    <dgm:pt modelId="{8911195F-6B95-4F26-AFA1-66CC7057F0EE}" type="sibTrans" cxnId="{F3115C24-CC28-4D63-B701-4006602DE347}">
+      <dgm:prSet/>
+      <dgm:spPr/>
+      <dgm:t>
+        <a:bodyPr/>
+        <a:lstStyle/>
+        <a:p>
+          <a:endParaRPr lang="pt-BR"/>
+        </a:p>
+      </dgm:t>
+    </dgm:pt>
+    <dgm:pt modelId="{79B6F25A-DB7F-4286-8CBF-B8EB48C4BBB4}">
+      <dgm:prSet phldrT="[Text]" custT="1"/>
+      <dgm:spPr/>
+      <dgm:t>
+        <a:bodyPr rtlCol="0"/>
+        <a:lstStyle/>
+        <a:p>
+          <a:pPr rtl="0"/>
+          <a:r>
+            <a:rPr lang="pt-BR" sz="2000" noProof="0" dirty="0" err="1"/>
+            <a:t>Get</a:t>
+          </a:r>
+          <a:r>
+            <a:rPr lang="pt-BR" sz="2000" noProof="0" dirty="0"/>
+            <a:t>(Banco)</a:t>
+          </a:r>
+        </a:p>
+      </dgm:t>
+    </dgm:pt>
+    <dgm:pt modelId="{80B0A85B-6F6A-4ABD-A2F0-352261212368}" type="parTrans" cxnId="{F19B1537-5D8E-4622-A6B7-65BF19963778}">
+      <dgm:prSet/>
+      <dgm:spPr/>
+      <dgm:t>
+        <a:bodyPr/>
+        <a:lstStyle/>
+        <a:p>
+          <a:endParaRPr lang="pt-BR"/>
+        </a:p>
+      </dgm:t>
+    </dgm:pt>
+    <dgm:pt modelId="{24F2AC6F-AD9D-410E-A777-700506A48698}" type="sibTrans" cxnId="{F19B1537-5D8E-4622-A6B7-65BF19963778}">
+      <dgm:prSet/>
+      <dgm:spPr/>
+      <dgm:t>
+        <a:bodyPr/>
+        <a:lstStyle/>
+        <a:p>
+          <a:endParaRPr lang="pt-BR"/>
+        </a:p>
+      </dgm:t>
+    </dgm:pt>
+    <dgm:pt modelId="{2D9933D4-7578-4B24-8736-E3BEE0694643}">
+      <dgm:prSet phldrT="[Text]" custT="1"/>
+      <dgm:spPr/>
+      <dgm:t>
+        <a:bodyPr rtlCol="0"/>
+        <a:lstStyle/>
+        <a:p>
+          <a:pPr rtl="0"/>
+          <a:r>
+            <a:rPr lang="pt-BR" sz="2000" noProof="0" dirty="0"/>
+            <a:t>Post(Agência)</a:t>
+          </a:r>
+        </a:p>
+      </dgm:t>
+    </dgm:pt>
+    <dgm:pt modelId="{CBD1302B-ADA9-47E0-B8D0-0CA70EC6C008}" type="parTrans" cxnId="{B7D31C43-B007-4E8C-8CF2-59C4C25B1D09}">
+      <dgm:prSet/>
+      <dgm:spPr/>
+      <dgm:t>
+        <a:bodyPr/>
+        <a:lstStyle/>
+        <a:p>
+          <a:endParaRPr lang="pt-BR"/>
+        </a:p>
+      </dgm:t>
+    </dgm:pt>
+    <dgm:pt modelId="{EC7F8D75-2153-4472-AF85-66CED6539605}" type="sibTrans" cxnId="{B7D31C43-B007-4E8C-8CF2-59C4C25B1D09}">
+      <dgm:prSet/>
+      <dgm:spPr/>
+      <dgm:t>
+        <a:bodyPr/>
+        <a:lstStyle/>
+        <a:p>
+          <a:endParaRPr lang="pt-BR"/>
+        </a:p>
+      </dgm:t>
+    </dgm:pt>
+    <dgm:pt modelId="{F757DBC8-3670-4122-937A-47DB91C0F3FE}">
+      <dgm:prSet phldrT="[Text]" custT="1"/>
+      <dgm:spPr/>
+      <dgm:t>
+        <a:bodyPr rtlCol="0"/>
+        <a:lstStyle/>
+        <a:p>
+          <a:pPr rtl="0"/>
+          <a:r>
+            <a:rPr lang="pt-BR" sz="1800" b="0" i="0" u="none" noProof="0" dirty="0"/>
+            <a:t>Lançamento de despesas pagas e em abertas. GET</a:t>
+          </a:r>
+          <a:endParaRPr lang="pt-BR" sz="1800" noProof="0" dirty="0"/>
+        </a:p>
+      </dgm:t>
+    </dgm:pt>
+    <dgm:pt modelId="{A46A41DD-2CA4-4800-8F85-546ABB24ED07}" type="sibTrans" cxnId="{8A3D4B73-3658-4A4C-9DFE-F59E22A79482}">
+      <dgm:prSet/>
+      <dgm:spPr/>
+      <dgm:t>
+        <a:bodyPr rtlCol="0"/>
+        <a:lstStyle/>
+        <a:p>
+          <a:pPr rtl="0"/>
+          <a:endParaRPr lang="pt-BR" noProof="0" dirty="0"/>
+        </a:p>
+      </dgm:t>
+    </dgm:pt>
+    <dgm:pt modelId="{8F483F27-8D97-48E5-9210-1B448F1CE277}" type="parTrans" cxnId="{8A3D4B73-3658-4A4C-9DFE-F59E22A79482}">
+      <dgm:prSet/>
+      <dgm:spPr/>
+      <dgm:t>
+        <a:bodyPr rtlCol="0"/>
+        <a:lstStyle/>
+        <a:p>
+          <a:pPr rtl="0"/>
+          <a:endParaRPr lang="pt-BR" noProof="0" dirty="0"/>
+        </a:p>
+      </dgm:t>
+    </dgm:pt>
+    <dgm:pt modelId="{E671D01E-F2C7-424F-8B75-DD6B12EB34EA}">
+      <dgm:prSet phldrT="[Text]" custT="1"/>
+      <dgm:spPr/>
+      <dgm:t>
+        <a:bodyPr rtlCol="0"/>
+        <a:lstStyle/>
+        <a:p>
+          <a:pPr rtl="0"/>
+          <a:r>
+            <a:rPr lang="pt-BR" sz="1800" b="0" i="0" u="none" noProof="0" dirty="0">
+              <a:solidFill>
+                <a:srgbClr val="FF0000"/>
+              </a:solidFill>
+            </a:rPr>
+            <a:t>Saldo de contas bancárias </a:t>
+          </a:r>
+          <a:endParaRPr lang="pt-BR" sz="1800" noProof="0" dirty="0">
+            <a:solidFill>
+              <a:srgbClr val="FF0000"/>
+            </a:solidFill>
+          </a:endParaRPr>
+        </a:p>
+      </dgm:t>
+    </dgm:pt>
+    <dgm:pt modelId="{30500BBF-1F9D-4FA8-8740-4A78A50F6C46}" type="parTrans" cxnId="{7A4DD0FC-F1ED-409B-B054-CE99B3FF8976}">
+      <dgm:prSet/>
+      <dgm:spPr/>
+      <dgm:t>
+        <a:bodyPr/>
+        <a:lstStyle/>
+        <a:p>
+          <a:endParaRPr lang="pt-BR"/>
+        </a:p>
+      </dgm:t>
+    </dgm:pt>
+    <dgm:pt modelId="{285C6DD0-5199-4EEE-B0F4-084CC62A4B38}" type="sibTrans" cxnId="{7A4DD0FC-F1ED-409B-B054-CE99B3FF8976}">
+      <dgm:prSet/>
+      <dgm:spPr/>
+      <dgm:t>
+        <a:bodyPr/>
+        <a:lstStyle/>
+        <a:p>
+          <a:endParaRPr lang="pt-BR"/>
+        </a:p>
+      </dgm:t>
+    </dgm:pt>
+    <dgm:pt modelId="{0FD56F57-EE3E-44FA-9122-186E18317B7F}">
+      <dgm:prSet phldrT="[Text]" custT="1"/>
+      <dgm:spPr/>
+      <dgm:t>
+        <a:bodyPr rtlCol="0"/>
+        <a:lstStyle/>
+        <a:p>
+          <a:pPr rtl="0"/>
+          <a:r>
+            <a:rPr lang="pt-BR" sz="2000" noProof="0" dirty="0">
+              <a:solidFill>
+                <a:srgbClr val="FF0000"/>
+              </a:solidFill>
+            </a:rPr>
+            <a:t>Validação de acesso (</a:t>
+          </a:r>
+          <a:r>
+            <a:rPr lang="pt-BR" sz="2000" noProof="0" dirty="0" err="1">
+              <a:solidFill>
+                <a:srgbClr val="FF0000"/>
+              </a:solidFill>
+            </a:rPr>
+            <a:t>Get</a:t>
+          </a:r>
+          <a:r>
+            <a:rPr lang="pt-BR" sz="2000" noProof="0" dirty="0">
+              <a:solidFill>
+                <a:srgbClr val="FF0000"/>
+              </a:solidFill>
+            </a:rPr>
+            <a:t>)</a:t>
+          </a:r>
+        </a:p>
+      </dgm:t>
+    </dgm:pt>
+    <dgm:pt modelId="{96DBA1B4-5128-485D-9895-2A7511EB7FC2}" type="parTrans" cxnId="{5C8E330F-7A09-470F-B0F0-3C233F2C2AAF}">
+      <dgm:prSet/>
+      <dgm:spPr/>
+      <dgm:t>
+        <a:bodyPr/>
+        <a:lstStyle/>
+        <a:p>
+          <a:endParaRPr lang="pt-BR"/>
+        </a:p>
+      </dgm:t>
+    </dgm:pt>
+    <dgm:pt modelId="{1A2F4396-56C4-4402-804D-9E09D5B73215}" type="sibTrans" cxnId="{5C8E330F-7A09-470F-B0F0-3C233F2C2AAF}">
+      <dgm:prSet/>
+      <dgm:spPr/>
+      <dgm:t>
+        <a:bodyPr/>
+        <a:lstStyle/>
+        <a:p>
+          <a:endParaRPr lang="pt-BR"/>
+        </a:p>
+      </dgm:t>
+    </dgm:pt>
+    <dgm:pt modelId="{594BF422-752C-42F3-A230-3D0E6AE9A886}" type="pres">
+      <dgm:prSet presAssocID="{55C0B14E-AEA6-48D3-A387-ED4A3A3BF840}" presName="Name0" presStyleCnt="0">
+        <dgm:presLayoutVars>
+          <dgm:animLvl val="lvl"/>
+          <dgm:resizeHandles val="exact"/>
+        </dgm:presLayoutVars>
+      </dgm:prSet>
+      <dgm:spPr/>
+      <dgm:t>
+        <a:bodyPr/>
+        <a:lstStyle/>
+        <a:p>
+          <a:endParaRPr lang="pt-BR"/>
+        </a:p>
+      </dgm:t>
+    </dgm:pt>
+    <dgm:pt modelId="{F6A1B9E0-4B4A-47A4-A011-67526CEEA770}" type="pres">
+      <dgm:prSet presAssocID="{AACEAFD5-63CF-4AFC-B46F-BE086C5D447C}" presName="composite" presStyleCnt="0"/>
+      <dgm:spPr/>
+    </dgm:pt>
+    <dgm:pt modelId="{FA4E6E73-A3C8-4495-927B-8AADA5A74297}" type="pres">
+      <dgm:prSet presAssocID="{AACEAFD5-63CF-4AFC-B46F-BE086C5D447C}" presName="L" presStyleLbl="solidFgAcc1" presStyleIdx="0" presStyleCnt="5">
+        <dgm:presLayoutVars>
+          <dgm:chMax val="0"/>
+          <dgm:chPref val="0"/>
+        </dgm:presLayoutVars>
+      </dgm:prSet>
+      <dgm:spPr>
+        <a:ln>
+          <a:solidFill>
+            <a:schemeClr val="accent2"/>
+          </a:solidFill>
+        </a:ln>
+      </dgm:spPr>
+    </dgm:pt>
+    <dgm:pt modelId="{CA3A6A4E-2D39-41D2-A6B1-B590D0C452D2}" type="pres">
+      <dgm:prSet presAssocID="{AACEAFD5-63CF-4AFC-B46F-BE086C5D447C}" presName="parTx" presStyleLbl="alignNode1" presStyleIdx="0" presStyleCnt="5">
+        <dgm:presLayoutVars>
+          <dgm:chMax val="0"/>
+          <dgm:chPref val="0"/>
+          <dgm:bulletEnabled val="1"/>
+        </dgm:presLayoutVars>
+      </dgm:prSet>
+      <dgm:spPr/>
+      <dgm:t>
+        <a:bodyPr/>
+        <a:lstStyle/>
+        <a:p>
+          <a:endParaRPr lang="pt-BR"/>
+        </a:p>
+      </dgm:t>
+    </dgm:pt>
+    <dgm:pt modelId="{810D7AA7-A541-4507-BE7F-36CCF210089F}" type="pres">
+      <dgm:prSet presAssocID="{AACEAFD5-63CF-4AFC-B46F-BE086C5D447C}" presName="desTx" presStyleLbl="revTx" presStyleIdx="0" presStyleCnt="5">
+        <dgm:presLayoutVars>
+          <dgm:chMax val="0"/>
+          <dgm:chPref val="0"/>
+          <dgm:bulletEnabled val="1"/>
+        </dgm:presLayoutVars>
+      </dgm:prSet>
+      <dgm:spPr/>
+      <dgm:t>
+        <a:bodyPr/>
+        <a:lstStyle/>
+        <a:p>
+          <a:endParaRPr lang="pt-BR"/>
+        </a:p>
+      </dgm:t>
+    </dgm:pt>
+    <dgm:pt modelId="{4F7CDD44-32F1-4759-861F-8DABEBBA8D89}" type="pres">
+      <dgm:prSet presAssocID="{AACEAFD5-63CF-4AFC-B46F-BE086C5D447C}" presName="EmptyPlaceHolder" presStyleCnt="0"/>
+      <dgm:spPr/>
+    </dgm:pt>
+    <dgm:pt modelId="{C9A9B9EA-6A1D-4A13-9C7F-C112F25D2888}" type="pres">
+      <dgm:prSet presAssocID="{7A8D4B4D-06E9-4958-810D-A6226B6AC588}" presName="space" presStyleCnt="0"/>
+      <dgm:spPr/>
+    </dgm:pt>
+    <dgm:pt modelId="{EC37843F-14A6-4E20-B7AE-2B086A8F5F45}" type="pres">
+      <dgm:prSet presAssocID="{D07AD3FD-84FF-467E-9693-752776549C61}" presName="composite" presStyleCnt="0"/>
+      <dgm:spPr/>
+    </dgm:pt>
+    <dgm:pt modelId="{E41E7729-FD3F-426D-804C-45BD60BD762D}" type="pres">
+      <dgm:prSet presAssocID="{D07AD3FD-84FF-467E-9693-752776549C61}" presName="L" presStyleLbl="solidFgAcc1" presStyleIdx="1" presStyleCnt="5">
+        <dgm:presLayoutVars>
+          <dgm:chMax val="0"/>
+          <dgm:chPref val="0"/>
+        </dgm:presLayoutVars>
+      </dgm:prSet>
+      <dgm:spPr>
+        <a:ln>
+          <a:solidFill>
+            <a:schemeClr val="accent1"/>
+          </a:solidFill>
+        </a:ln>
+      </dgm:spPr>
+    </dgm:pt>
+    <dgm:pt modelId="{6C46E586-0364-4C52-98F9-74A7ACD803D1}" type="pres">
+      <dgm:prSet presAssocID="{D07AD3FD-84FF-467E-9693-752776549C61}" presName="parTx" presStyleLbl="alignNode1" presStyleIdx="1" presStyleCnt="5">
+        <dgm:presLayoutVars>
+          <dgm:chMax val="0"/>
+          <dgm:chPref val="0"/>
+          <dgm:bulletEnabled val="1"/>
+        </dgm:presLayoutVars>
+      </dgm:prSet>
+      <dgm:spPr/>
+      <dgm:t>
+        <a:bodyPr/>
+        <a:lstStyle/>
+        <a:p>
+          <a:endParaRPr lang="pt-BR"/>
+        </a:p>
+      </dgm:t>
+    </dgm:pt>
+    <dgm:pt modelId="{5E07F9E4-149C-4A89-848F-4ABDD305F0C5}" type="pres">
+      <dgm:prSet presAssocID="{D07AD3FD-84FF-467E-9693-752776549C61}" presName="desTx" presStyleLbl="revTx" presStyleIdx="1" presStyleCnt="5">
+        <dgm:presLayoutVars>
+          <dgm:chMax val="0"/>
+          <dgm:chPref val="0"/>
+          <dgm:bulletEnabled val="1"/>
+        </dgm:presLayoutVars>
+      </dgm:prSet>
+      <dgm:spPr/>
+      <dgm:t>
+        <a:bodyPr/>
+        <a:lstStyle/>
+        <a:p>
+          <a:endParaRPr lang="pt-BR"/>
+        </a:p>
+      </dgm:t>
+    </dgm:pt>
+    <dgm:pt modelId="{2928FCAD-BE3F-45AC-93A5-FD98F8A50E00}" type="pres">
+      <dgm:prSet presAssocID="{D07AD3FD-84FF-467E-9693-752776549C61}" presName="EmptyPlaceHolder" presStyleCnt="0"/>
+      <dgm:spPr/>
+    </dgm:pt>
+    <dgm:pt modelId="{C2DF8D93-19C7-4E07-BCAF-9FAAB62C8CF2}" type="pres">
+      <dgm:prSet presAssocID="{A8C9B7A9-BC2A-4753-B7F0-F2E361D95520}" presName="space" presStyleCnt="0"/>
+      <dgm:spPr/>
+    </dgm:pt>
+    <dgm:pt modelId="{86E313B1-36D3-44D7-907E-22A08CB8E9CC}" type="pres">
+      <dgm:prSet presAssocID="{D71FC021-6A65-44D1-95B9-0E6C89079866}" presName="composite" presStyleCnt="0"/>
+      <dgm:spPr/>
+    </dgm:pt>
+    <dgm:pt modelId="{473F2067-7126-4D56-A328-5A8CFD3D8D52}" type="pres">
+      <dgm:prSet presAssocID="{D71FC021-6A65-44D1-95B9-0E6C89079866}" presName="L" presStyleLbl="solidFgAcc1" presStyleIdx="2" presStyleCnt="5">
+        <dgm:presLayoutVars>
+          <dgm:chMax val="0"/>
+          <dgm:chPref val="0"/>
+        </dgm:presLayoutVars>
+      </dgm:prSet>
+      <dgm:spPr>
+        <a:ln>
+          <a:solidFill>
+            <a:schemeClr val="accent5"/>
+          </a:solidFill>
+        </a:ln>
+      </dgm:spPr>
+    </dgm:pt>
+    <dgm:pt modelId="{7A0B5EFC-88FB-4ED5-994F-D5F6584C2293}" type="pres">
+      <dgm:prSet presAssocID="{D71FC021-6A65-44D1-95B9-0E6C89079866}" presName="parTx" presStyleLbl="alignNode1" presStyleIdx="2" presStyleCnt="5">
+        <dgm:presLayoutVars>
+          <dgm:chMax val="0"/>
+          <dgm:chPref val="0"/>
+          <dgm:bulletEnabled val="1"/>
+        </dgm:presLayoutVars>
+      </dgm:prSet>
+      <dgm:spPr/>
+      <dgm:t>
+        <a:bodyPr/>
+        <a:lstStyle/>
+        <a:p>
+          <a:endParaRPr lang="pt-BR"/>
+        </a:p>
+      </dgm:t>
+    </dgm:pt>
+    <dgm:pt modelId="{FD7B29F2-0D66-4B4B-BC8A-82DA23575305}" type="pres">
+      <dgm:prSet presAssocID="{D71FC021-6A65-44D1-95B9-0E6C89079866}" presName="desTx" presStyleLbl="revTx" presStyleIdx="2" presStyleCnt="5">
+        <dgm:presLayoutVars>
+          <dgm:chMax val="0"/>
+          <dgm:chPref val="0"/>
+          <dgm:bulletEnabled val="1"/>
+        </dgm:presLayoutVars>
+      </dgm:prSet>
+      <dgm:spPr/>
+      <dgm:t>
+        <a:bodyPr/>
+        <a:lstStyle/>
+        <a:p>
+          <a:endParaRPr lang="pt-BR"/>
+        </a:p>
+      </dgm:t>
+    </dgm:pt>
+    <dgm:pt modelId="{BABAA172-7B81-4C6B-BCF2-4572322515C5}" type="pres">
+      <dgm:prSet presAssocID="{D71FC021-6A65-44D1-95B9-0E6C89079866}" presName="EmptyPlaceHolder" presStyleCnt="0"/>
+      <dgm:spPr/>
+    </dgm:pt>
+    <dgm:pt modelId="{0B65942F-B336-42B6-A72B-DA6B6B07B79B}" type="pres">
+      <dgm:prSet presAssocID="{9B090D9D-470E-46E2-AABB-0368A52481AA}" presName="space" presStyleCnt="0"/>
+      <dgm:spPr/>
+    </dgm:pt>
+    <dgm:pt modelId="{1D5539F6-8B97-4801-8139-D49EE44FFF3E}" type="pres">
+      <dgm:prSet presAssocID="{5EDA317F-AB2E-47DE-BA46-16FA60C3C561}" presName="composite" presStyleCnt="0"/>
+      <dgm:spPr/>
+    </dgm:pt>
+    <dgm:pt modelId="{2377F551-4CF6-4656-B644-60A7FC1B0F64}" type="pres">
+      <dgm:prSet presAssocID="{5EDA317F-AB2E-47DE-BA46-16FA60C3C561}" presName="L" presStyleLbl="solidFgAcc1" presStyleIdx="3" presStyleCnt="5">
+        <dgm:presLayoutVars>
+          <dgm:chMax val="0"/>
+          <dgm:chPref val="0"/>
+        </dgm:presLayoutVars>
+      </dgm:prSet>
+      <dgm:spPr>
+        <a:ln>
+          <a:solidFill>
+            <a:schemeClr val="accent3"/>
+          </a:solidFill>
+        </a:ln>
+      </dgm:spPr>
+    </dgm:pt>
+    <dgm:pt modelId="{69ED255C-64AC-4764-BC2C-7679ECCC9FE9}" type="pres">
+      <dgm:prSet presAssocID="{5EDA317F-AB2E-47DE-BA46-16FA60C3C561}" presName="parTx" presStyleLbl="alignNode1" presStyleIdx="3" presStyleCnt="5">
+        <dgm:presLayoutVars>
+          <dgm:chMax val="0"/>
+          <dgm:chPref val="0"/>
+          <dgm:bulletEnabled val="1"/>
+        </dgm:presLayoutVars>
+      </dgm:prSet>
+      <dgm:spPr/>
+      <dgm:t>
+        <a:bodyPr/>
+        <a:lstStyle/>
+        <a:p>
+          <a:endParaRPr lang="pt-BR"/>
+        </a:p>
+      </dgm:t>
+    </dgm:pt>
+    <dgm:pt modelId="{1F1B09A6-DA7E-41D1-B8A6-E3B6E775E5C1}" type="pres">
+      <dgm:prSet presAssocID="{5EDA317F-AB2E-47DE-BA46-16FA60C3C561}" presName="desTx" presStyleLbl="revTx" presStyleIdx="3" presStyleCnt="5">
+        <dgm:presLayoutVars>
+          <dgm:chMax val="0"/>
+          <dgm:chPref val="0"/>
+          <dgm:bulletEnabled val="1"/>
+        </dgm:presLayoutVars>
+      </dgm:prSet>
+      <dgm:spPr/>
+      <dgm:t>
+        <a:bodyPr/>
+        <a:lstStyle/>
+        <a:p>
+          <a:endParaRPr lang="pt-BR"/>
+        </a:p>
+      </dgm:t>
+    </dgm:pt>
+    <dgm:pt modelId="{89DACDC6-8676-47A4-A430-164754F46172}" type="pres">
+      <dgm:prSet presAssocID="{5EDA317F-AB2E-47DE-BA46-16FA60C3C561}" presName="EmptyPlaceHolder" presStyleCnt="0"/>
+      <dgm:spPr/>
+    </dgm:pt>
+    <dgm:pt modelId="{38A6C30B-D5BF-4A1A-A273-D265DC00F2EC}" type="pres">
+      <dgm:prSet presAssocID="{A75B061E-69EA-487C-8330-1430DA0F139D}" presName="space" presStyleCnt="0"/>
+      <dgm:spPr/>
+    </dgm:pt>
+    <dgm:pt modelId="{761684DA-3DB5-4618-9A30-6E2731CDFCA3}" type="pres">
+      <dgm:prSet presAssocID="{7B2FF309-5120-45E2-ACC8-F8FAA9DBDA55}" presName="composite" presStyleCnt="0"/>
+      <dgm:spPr/>
+    </dgm:pt>
+    <dgm:pt modelId="{E2C584B7-5B6E-4F6E-A7B8-E679FEF7BC4D}" type="pres">
+      <dgm:prSet presAssocID="{7B2FF309-5120-45E2-ACC8-F8FAA9DBDA55}" presName="L" presStyleLbl="solidFgAcc1" presStyleIdx="4" presStyleCnt="5">
+        <dgm:presLayoutVars>
+          <dgm:chMax val="0"/>
+          <dgm:chPref val="0"/>
+        </dgm:presLayoutVars>
+      </dgm:prSet>
+      <dgm:spPr>
+        <a:ln>
+          <a:solidFill>
+            <a:schemeClr val="accent4"/>
+          </a:solidFill>
+        </a:ln>
+      </dgm:spPr>
+    </dgm:pt>
+    <dgm:pt modelId="{B89F8758-DA9D-4018-859A-710084D7ABF3}" type="pres">
+      <dgm:prSet presAssocID="{7B2FF309-5120-45E2-ACC8-F8FAA9DBDA55}" presName="parTx" presStyleLbl="alignNode1" presStyleIdx="4" presStyleCnt="5">
+        <dgm:presLayoutVars>
+          <dgm:chMax val="0"/>
+          <dgm:chPref val="0"/>
+          <dgm:bulletEnabled val="1"/>
+        </dgm:presLayoutVars>
+      </dgm:prSet>
+      <dgm:spPr/>
+      <dgm:t>
+        <a:bodyPr/>
+        <a:lstStyle/>
+        <a:p>
+          <a:endParaRPr lang="pt-BR"/>
+        </a:p>
+      </dgm:t>
+    </dgm:pt>
+    <dgm:pt modelId="{B73D2BBA-574C-491E-A31C-8B6EA5CC871A}" type="pres">
+      <dgm:prSet presAssocID="{7B2FF309-5120-45E2-ACC8-F8FAA9DBDA55}" presName="desTx" presStyleLbl="revTx" presStyleIdx="4" presStyleCnt="5">
+        <dgm:presLayoutVars>
+          <dgm:chMax val="0"/>
+          <dgm:chPref val="0"/>
+          <dgm:bulletEnabled val="1"/>
+        </dgm:presLayoutVars>
+      </dgm:prSet>
+      <dgm:spPr/>
+      <dgm:t>
+        <a:bodyPr/>
+        <a:lstStyle/>
+        <a:p>
+          <a:endParaRPr lang="pt-BR"/>
+        </a:p>
+      </dgm:t>
+    </dgm:pt>
+    <dgm:pt modelId="{DC9D8E0A-674F-4E74-BF10-5C0EF64E638E}" type="pres">
+      <dgm:prSet presAssocID="{7B2FF309-5120-45E2-ACC8-F8FAA9DBDA55}" presName="EmptyPlaceHolder" presStyleCnt="0"/>
+      <dgm:spPr/>
+    </dgm:pt>
+  </dgm:ptLst>
+  <dgm:cxnLst>
+    <dgm:cxn modelId="{1AF0EFBF-805F-4681-89A0-DF628E35995F}" type="presOf" srcId="{7B2FF309-5120-45E2-ACC8-F8FAA9DBDA55}" destId="{B89F8758-DA9D-4018-859A-710084D7ABF3}" srcOrd="0" destOrd="0" presId="urn:microsoft.com/office/officeart/2016/7/layout/AccentHomeChevronProcess"/>
+    <dgm:cxn modelId="{E3115EEA-DE9C-4F06-B8B3-BEB263D5F2B1}" srcId="{D71FC021-6A65-44D1-95B9-0E6C89079866}" destId="{4A6BB192-9983-4F48-BBC5-6E384EED7EC5}" srcOrd="0" destOrd="0" parTransId="{230A6E4A-6CED-4DC0-AEFE-6859FE07B658}" sibTransId="{0B568EC2-5D2A-4B00-8047-B7832F245B44}"/>
+    <dgm:cxn modelId="{2FB207B4-EA12-4A68-944B-2BFA0BE92EF7}" type="presOf" srcId="{40040BCE-18CB-40F0-9385-EC7AC48D3E28}" destId="{5E07F9E4-149C-4A89-848F-4ABDD305F0C5}" srcOrd="0" destOrd="2" presId="urn:microsoft.com/office/officeart/2016/7/layout/AccentHomeChevronProcess"/>
+    <dgm:cxn modelId="{5C8E330F-7A09-470F-B0F0-3C233F2C2AAF}" srcId="{7B2FF309-5120-45E2-ACC8-F8FAA9DBDA55}" destId="{0FD56F57-EE3E-44FA-9122-186E18317B7F}" srcOrd="1" destOrd="0" parTransId="{96DBA1B4-5128-485D-9895-2A7511EB7FC2}" sibTransId="{1A2F4396-56C4-4402-804D-9E09D5B73215}"/>
+    <dgm:cxn modelId="{EF1A10D8-B4FB-4593-B39A-BE9E414532C4}" type="presOf" srcId="{F757DBC8-3670-4122-937A-47DB91C0F3FE}" destId="{1F1B09A6-DA7E-41D1-B8A6-E3B6E775E5C1}" srcOrd="0" destOrd="0" presId="urn:microsoft.com/office/officeart/2016/7/layout/AccentHomeChevronProcess"/>
+    <dgm:cxn modelId="{1BD3F1D6-71E8-4F0F-8740-66182F2C54BD}" type="presOf" srcId="{55C0B14E-AEA6-48D3-A387-ED4A3A3BF840}" destId="{594BF422-752C-42F3-A230-3D0E6AE9A886}" srcOrd="0" destOrd="0" presId="urn:microsoft.com/office/officeart/2016/7/layout/AccentHomeChevronProcess"/>
+    <dgm:cxn modelId="{EB924E3F-FF6C-44BB-8FF1-C7F542151AE0}" type="presOf" srcId="{0FD56F57-EE3E-44FA-9122-186E18317B7F}" destId="{B73D2BBA-574C-491E-A31C-8B6EA5CC871A}" srcOrd="0" destOrd="1" presId="urn:microsoft.com/office/officeart/2016/7/layout/AccentHomeChevronProcess"/>
+    <dgm:cxn modelId="{A1BC5557-3DF5-49B7-971D-0357A71E5A8F}" type="presOf" srcId="{349299C9-846E-4827-813A-349CCCE20782}" destId="{810D7AA7-A541-4507-BE7F-36CCF210089F}" srcOrd="0" destOrd="0" presId="urn:microsoft.com/office/officeart/2016/7/layout/AccentHomeChevronProcess"/>
+    <dgm:cxn modelId="{0EFA3039-6828-403C-9445-4359BA6645E6}" srcId="{AACEAFD5-63CF-4AFC-B46F-BE086C5D447C}" destId="{349299C9-846E-4827-813A-349CCCE20782}" srcOrd="0" destOrd="0" parTransId="{AEA27547-B9ED-4994-BD27-04EC297EF367}" sibTransId="{9D819F52-ACA0-4B08-8256-DF6BD8FA3A0B}"/>
+    <dgm:cxn modelId="{F3115C24-CC28-4D63-B701-4006602DE347}" srcId="{D07AD3FD-84FF-467E-9693-752776549C61}" destId="{40040BCE-18CB-40F0-9385-EC7AC48D3E28}" srcOrd="2" destOrd="0" parTransId="{E8BC208C-1100-415A-9615-9920EC2ACAF5}" sibTransId="{8911195F-6B95-4F26-AFA1-66CC7057F0EE}"/>
+    <dgm:cxn modelId="{55492768-9A5E-4F74-AC7C-959C5C24EFD3}" srcId="{55C0B14E-AEA6-48D3-A387-ED4A3A3BF840}" destId="{D07AD3FD-84FF-467E-9693-752776549C61}" srcOrd="1" destOrd="0" parTransId="{7B691773-F524-4FAD-A272-BDF0B0C4370A}" sibTransId="{A8C9B7A9-BC2A-4753-B7F0-F2E361D95520}"/>
+    <dgm:cxn modelId="{E97FF64F-8020-497E-AE7D-2395DDA4560D}" srcId="{D07AD3FD-84FF-467E-9693-752776549C61}" destId="{5D70EFF5-8B31-4A1F-AE44-51E4CF0013EB}" srcOrd="1" destOrd="0" parTransId="{96C720A0-FEEF-48D1-8DF6-ABA03C304822}" sibTransId="{B6A59CDE-18AD-4553-B6C5-FF001A8E8510}"/>
+    <dgm:cxn modelId="{8220A6F7-CB22-4EC0-B3BF-1C2CE71D97EE}" type="presOf" srcId="{D07AD3FD-84FF-467E-9693-752776549C61}" destId="{6C46E586-0364-4C52-98F9-74A7ACD803D1}" srcOrd="0" destOrd="0" presId="urn:microsoft.com/office/officeart/2016/7/layout/AccentHomeChevronProcess"/>
+    <dgm:cxn modelId="{F19B1537-5D8E-4622-A6B7-65BF19963778}" srcId="{D71FC021-6A65-44D1-95B9-0E6C89079866}" destId="{79B6F25A-DB7F-4286-8CBF-B8EB48C4BBB4}" srcOrd="1" destOrd="0" parTransId="{80B0A85B-6F6A-4ABD-A2F0-352261212368}" sibTransId="{24F2AC6F-AD9D-410E-A777-700506A48698}"/>
+    <dgm:cxn modelId="{49296CE9-C5D6-4B73-83EB-0D033012F397}" type="presOf" srcId="{B528CD67-281A-429C-BB9B-BE287DB82CBC}" destId="{810D7AA7-A541-4507-BE7F-36CCF210089F}" srcOrd="0" destOrd="1" presId="urn:microsoft.com/office/officeart/2016/7/layout/AccentHomeChevronProcess"/>
+    <dgm:cxn modelId="{B7D31C43-B007-4E8C-8CF2-59C4C25B1D09}" srcId="{D71FC021-6A65-44D1-95B9-0E6C89079866}" destId="{2D9933D4-7578-4B24-8736-E3BEE0694643}" srcOrd="2" destOrd="0" parTransId="{CBD1302B-ADA9-47E0-B8D0-0CA70EC6C008}" sibTransId="{EC7F8D75-2153-4472-AF85-66CED6539605}"/>
+    <dgm:cxn modelId="{23AA222C-D678-4CBE-AEB6-1157E54261E6}" type="presOf" srcId="{9BC01348-E6A0-4ADB-ABAB-528714546FAC}" destId="{5E07F9E4-149C-4A89-848F-4ABDD305F0C5}" srcOrd="0" destOrd="0" presId="urn:microsoft.com/office/officeart/2016/7/layout/AccentHomeChevronProcess"/>
+    <dgm:cxn modelId="{2CE3A875-DF48-4925-B0C3-422D9505F35B}" type="presOf" srcId="{4A6BB192-9983-4F48-BBC5-6E384EED7EC5}" destId="{FD7B29F2-0D66-4B4B-BC8A-82DA23575305}" srcOrd="0" destOrd="0" presId="urn:microsoft.com/office/officeart/2016/7/layout/AccentHomeChevronProcess"/>
+    <dgm:cxn modelId="{7A4DD0FC-F1ED-409B-B054-CE99B3FF8976}" srcId="{5EDA317F-AB2E-47DE-BA46-16FA60C3C561}" destId="{E671D01E-F2C7-424F-8B75-DD6B12EB34EA}" srcOrd="1" destOrd="0" parTransId="{30500BBF-1F9D-4FA8-8740-4A78A50F6C46}" sibTransId="{285C6DD0-5199-4EEE-B0F4-084CC62A4B38}"/>
+    <dgm:cxn modelId="{05D4468D-B5D2-49DB-AD75-35784946C1BE}" type="presOf" srcId="{5D70EFF5-8B31-4A1F-AE44-51E4CF0013EB}" destId="{5E07F9E4-149C-4A89-848F-4ABDD305F0C5}" srcOrd="0" destOrd="1" presId="urn:microsoft.com/office/officeart/2016/7/layout/AccentHomeChevronProcess"/>
+    <dgm:cxn modelId="{7C14B7AB-1803-4B5F-A49A-09E9C4A878F6}" type="presOf" srcId="{79B6F25A-DB7F-4286-8CBF-B8EB48C4BBB4}" destId="{FD7B29F2-0D66-4B4B-BC8A-82DA23575305}" srcOrd="0" destOrd="1" presId="urn:microsoft.com/office/officeart/2016/7/layout/AccentHomeChevronProcess"/>
+    <dgm:cxn modelId="{53239C96-427C-420B-95DC-546F3B30ED65}" srcId="{55C0B14E-AEA6-48D3-A387-ED4A3A3BF840}" destId="{D71FC021-6A65-44D1-95B9-0E6C89079866}" srcOrd="2" destOrd="0" parTransId="{862AAE39-3AAD-40E3-BA20-90187BD73242}" sibTransId="{9B090D9D-470E-46E2-AABB-0368A52481AA}"/>
+    <dgm:cxn modelId="{9CA2DF6F-861E-4F3E-AA22-FF50B3218E41}" type="presOf" srcId="{5EDA317F-AB2E-47DE-BA46-16FA60C3C561}" destId="{69ED255C-64AC-4764-BC2C-7679ECCC9FE9}" srcOrd="0" destOrd="0" presId="urn:microsoft.com/office/officeart/2016/7/layout/AccentHomeChevronProcess"/>
+    <dgm:cxn modelId="{EE7A807F-E6ED-4A60-AEA2-30AC215B7427}" srcId="{AACEAFD5-63CF-4AFC-B46F-BE086C5D447C}" destId="{B528CD67-281A-429C-BB9B-BE287DB82CBC}" srcOrd="1" destOrd="0" parTransId="{1E80F57E-FDBC-4C3A-9D59-53FCB256B080}" sibTransId="{8E9DCC4B-3F7D-4F83-8115-C6BCE0B2DD5B}"/>
+    <dgm:cxn modelId="{8A3D4B73-3658-4A4C-9DFE-F59E22A79482}" srcId="{5EDA317F-AB2E-47DE-BA46-16FA60C3C561}" destId="{F757DBC8-3670-4122-937A-47DB91C0F3FE}" srcOrd="0" destOrd="0" parTransId="{8F483F27-8D97-48E5-9210-1B448F1CE277}" sibTransId="{A46A41DD-2CA4-4800-8F85-546ABB24ED07}"/>
+    <dgm:cxn modelId="{E3D274C7-DB39-45B8-B18F-742495FE5026}" srcId="{7B2FF309-5120-45E2-ACC8-F8FAA9DBDA55}" destId="{EE155DB2-6788-4019-961C-F8B89C275CE8}" srcOrd="0" destOrd="0" parTransId="{8395B9D5-FF39-4045-8569-9C13F11FB1E5}" sibTransId="{F94C628D-62C1-4AF5-B102-2A2AA7FD22DE}"/>
+    <dgm:cxn modelId="{1A2FE757-85F2-4F86-BF5B-33791E1704B3}" type="presOf" srcId="{D71FC021-6A65-44D1-95B9-0E6C89079866}" destId="{7A0B5EFC-88FB-4ED5-994F-D5F6584C2293}" srcOrd="0" destOrd="0" presId="urn:microsoft.com/office/officeart/2016/7/layout/AccentHomeChevronProcess"/>
+    <dgm:cxn modelId="{D35DB9DA-961B-46CD-BB14-44CD766D8CB7}" srcId="{55C0B14E-AEA6-48D3-A387-ED4A3A3BF840}" destId="{7B2FF309-5120-45E2-ACC8-F8FAA9DBDA55}" srcOrd="4" destOrd="0" parTransId="{2CF5AF8A-5687-489A-9838-EDDBB760D421}" sibTransId="{D5CAA101-B828-45D7-965B-F77CD6FBA109}"/>
+    <dgm:cxn modelId="{7B8F902E-4BA3-41AA-9991-54805A6B93DE}" srcId="{55C0B14E-AEA6-48D3-A387-ED4A3A3BF840}" destId="{5EDA317F-AB2E-47DE-BA46-16FA60C3C561}" srcOrd="3" destOrd="0" parTransId="{775EBB35-E8CF-4A14-B0A8-45A53D65E711}" sibTransId="{A75B061E-69EA-487C-8330-1430DA0F139D}"/>
+    <dgm:cxn modelId="{741C7744-D0AE-4916-AE19-AEE66BAF00C9}" type="presOf" srcId="{AACEAFD5-63CF-4AFC-B46F-BE086C5D447C}" destId="{CA3A6A4E-2D39-41D2-A6B1-B590D0C452D2}" srcOrd="0" destOrd="0" presId="urn:microsoft.com/office/officeart/2016/7/layout/AccentHomeChevronProcess"/>
+    <dgm:cxn modelId="{F1A20F39-89DC-4EC8-9A55-C210A77A322B}" type="presOf" srcId="{EE155DB2-6788-4019-961C-F8B89C275CE8}" destId="{B73D2BBA-574C-491E-A31C-8B6EA5CC871A}" srcOrd="0" destOrd="0" presId="urn:microsoft.com/office/officeart/2016/7/layout/AccentHomeChevronProcess"/>
+    <dgm:cxn modelId="{AE101ABC-7EA3-4444-A576-8AB15A371C84}" srcId="{55C0B14E-AEA6-48D3-A387-ED4A3A3BF840}" destId="{AACEAFD5-63CF-4AFC-B46F-BE086C5D447C}" srcOrd="0" destOrd="0" parTransId="{7A0BD8EC-BB4A-4912-A54E-6F39B681264E}" sibTransId="{7A8D4B4D-06E9-4958-810D-A6226B6AC588}"/>
+    <dgm:cxn modelId="{648DEAA2-1C30-45AC-8662-FC5A5D379398}" srcId="{D07AD3FD-84FF-467E-9693-752776549C61}" destId="{9BC01348-E6A0-4ADB-ABAB-528714546FAC}" srcOrd="0" destOrd="0" parTransId="{9859D59C-2D06-49CF-8D42-1D2FBF94245D}" sibTransId="{8898EA79-DA44-47B3-8B34-3D111FC17EF5}"/>
+    <dgm:cxn modelId="{14696CD5-A1F0-4D8B-848D-F66978E6719C}" type="presOf" srcId="{E671D01E-F2C7-424F-8B75-DD6B12EB34EA}" destId="{1F1B09A6-DA7E-41D1-B8A6-E3B6E775E5C1}" srcOrd="0" destOrd="1" presId="urn:microsoft.com/office/officeart/2016/7/layout/AccentHomeChevronProcess"/>
+    <dgm:cxn modelId="{73523B22-F140-48E1-B34B-448D5F4D343A}" type="presOf" srcId="{2D9933D4-7578-4B24-8736-E3BEE0694643}" destId="{FD7B29F2-0D66-4B4B-BC8A-82DA23575305}" srcOrd="0" destOrd="2" presId="urn:microsoft.com/office/officeart/2016/7/layout/AccentHomeChevronProcess"/>
+    <dgm:cxn modelId="{3C29DC30-E610-45AE-8B1C-9812EF4499C5}" type="presParOf" srcId="{594BF422-752C-42F3-A230-3D0E6AE9A886}" destId="{F6A1B9E0-4B4A-47A4-A011-67526CEEA770}" srcOrd="0" destOrd="0" presId="urn:microsoft.com/office/officeart/2016/7/layout/AccentHomeChevronProcess"/>
+    <dgm:cxn modelId="{F5453A40-C611-4C35-AE62-8481BABB7607}" type="presParOf" srcId="{F6A1B9E0-4B4A-47A4-A011-67526CEEA770}" destId="{FA4E6E73-A3C8-4495-927B-8AADA5A74297}" srcOrd="0" destOrd="0" presId="urn:microsoft.com/office/officeart/2016/7/layout/AccentHomeChevronProcess"/>
+    <dgm:cxn modelId="{D73170C1-64F5-4B89-B34A-1819CB38DC5A}" type="presParOf" srcId="{F6A1B9E0-4B4A-47A4-A011-67526CEEA770}" destId="{CA3A6A4E-2D39-41D2-A6B1-B590D0C452D2}" srcOrd="1" destOrd="0" presId="urn:microsoft.com/office/officeart/2016/7/layout/AccentHomeChevronProcess"/>
+    <dgm:cxn modelId="{284588B6-724A-4DC0-A026-6B7BBD8F9FBA}" type="presParOf" srcId="{F6A1B9E0-4B4A-47A4-A011-67526CEEA770}" destId="{810D7AA7-A541-4507-BE7F-36CCF210089F}" srcOrd="2" destOrd="0" presId="urn:microsoft.com/office/officeart/2016/7/layout/AccentHomeChevronProcess"/>
+    <dgm:cxn modelId="{94C07D5C-5CF3-4A7D-AB96-A7B11B6DD35D}" type="presParOf" srcId="{F6A1B9E0-4B4A-47A4-A011-67526CEEA770}" destId="{4F7CDD44-32F1-4759-861F-8DABEBBA8D89}" srcOrd="3" destOrd="0" presId="urn:microsoft.com/office/officeart/2016/7/layout/AccentHomeChevronProcess"/>
+    <dgm:cxn modelId="{52EE53BF-352B-4939-949F-899BAFB31FDB}" type="presParOf" srcId="{594BF422-752C-42F3-A230-3D0E6AE9A886}" destId="{C9A9B9EA-6A1D-4A13-9C7F-C112F25D2888}" srcOrd="1" destOrd="0" presId="urn:microsoft.com/office/officeart/2016/7/layout/AccentHomeChevronProcess"/>
+    <dgm:cxn modelId="{F0149EAD-2D14-41F8-941D-F014BA514336}" type="presParOf" srcId="{594BF422-752C-42F3-A230-3D0E6AE9A886}" destId="{EC37843F-14A6-4E20-B7AE-2B086A8F5F45}" srcOrd="2" destOrd="0" presId="urn:microsoft.com/office/officeart/2016/7/layout/AccentHomeChevronProcess"/>
+    <dgm:cxn modelId="{4487BB2D-460B-4A82-A4D2-7BF114ACF3E2}" type="presParOf" srcId="{EC37843F-14A6-4E20-B7AE-2B086A8F5F45}" destId="{E41E7729-FD3F-426D-804C-45BD60BD762D}" srcOrd="0" destOrd="0" presId="urn:microsoft.com/office/officeart/2016/7/layout/AccentHomeChevronProcess"/>
+    <dgm:cxn modelId="{4031BDC1-D0CA-4095-B9B5-868347942D13}" type="presParOf" srcId="{EC37843F-14A6-4E20-B7AE-2B086A8F5F45}" destId="{6C46E586-0364-4C52-98F9-74A7ACD803D1}" srcOrd="1" destOrd="0" presId="urn:microsoft.com/office/officeart/2016/7/layout/AccentHomeChevronProcess"/>
+    <dgm:cxn modelId="{516060B1-E8AD-4F1A-9B56-DA8E180495CE}" type="presParOf" srcId="{EC37843F-14A6-4E20-B7AE-2B086A8F5F45}" destId="{5E07F9E4-149C-4A89-848F-4ABDD305F0C5}" srcOrd="2" destOrd="0" presId="urn:microsoft.com/office/officeart/2016/7/layout/AccentHomeChevronProcess"/>
+    <dgm:cxn modelId="{8B15CCFC-4709-4DBE-8F67-99B48FB391D2}" type="presParOf" srcId="{EC37843F-14A6-4E20-B7AE-2B086A8F5F45}" destId="{2928FCAD-BE3F-45AC-93A5-FD98F8A50E00}" srcOrd="3" destOrd="0" presId="urn:microsoft.com/office/officeart/2016/7/layout/AccentHomeChevronProcess"/>
+    <dgm:cxn modelId="{77DCC19A-0566-48F5-84BB-199931173783}" type="presParOf" srcId="{594BF422-752C-42F3-A230-3D0E6AE9A886}" destId="{C2DF8D93-19C7-4E07-BCAF-9FAAB62C8CF2}" srcOrd="3" destOrd="0" presId="urn:microsoft.com/office/officeart/2016/7/layout/AccentHomeChevronProcess"/>
+    <dgm:cxn modelId="{795C76FB-895A-49B9-83DE-481A3F1CCE8F}" type="presParOf" srcId="{594BF422-752C-42F3-A230-3D0E6AE9A886}" destId="{86E313B1-36D3-44D7-907E-22A08CB8E9CC}" srcOrd="4" destOrd="0" presId="urn:microsoft.com/office/officeart/2016/7/layout/AccentHomeChevronProcess"/>
+    <dgm:cxn modelId="{2CF2D51D-B636-4747-877B-95E4A0E7D685}" type="presParOf" srcId="{86E313B1-36D3-44D7-907E-22A08CB8E9CC}" destId="{473F2067-7126-4D56-A328-5A8CFD3D8D52}" srcOrd="0" destOrd="0" presId="urn:microsoft.com/office/officeart/2016/7/layout/AccentHomeChevronProcess"/>
+    <dgm:cxn modelId="{B9AE1AF0-052C-4379-BCFE-208A268D9701}" type="presParOf" srcId="{86E313B1-36D3-44D7-907E-22A08CB8E9CC}" destId="{7A0B5EFC-88FB-4ED5-994F-D5F6584C2293}" srcOrd="1" destOrd="0" presId="urn:microsoft.com/office/officeart/2016/7/layout/AccentHomeChevronProcess"/>
+    <dgm:cxn modelId="{EAEDD8DA-7C88-4F95-9F35-983CA373084A}" type="presParOf" srcId="{86E313B1-36D3-44D7-907E-22A08CB8E9CC}" destId="{FD7B29F2-0D66-4B4B-BC8A-82DA23575305}" srcOrd="2" destOrd="0" presId="urn:microsoft.com/office/officeart/2016/7/layout/AccentHomeChevronProcess"/>
+    <dgm:cxn modelId="{B12FB10F-3F60-4A30-B563-D3EB70AD814F}" type="presParOf" srcId="{86E313B1-36D3-44D7-907E-22A08CB8E9CC}" destId="{BABAA172-7B81-4C6B-BCF2-4572322515C5}" srcOrd="3" destOrd="0" presId="urn:microsoft.com/office/officeart/2016/7/layout/AccentHomeChevronProcess"/>
+    <dgm:cxn modelId="{4247BE95-291A-4897-8724-DFBEBF114F36}" type="presParOf" srcId="{594BF422-752C-42F3-A230-3D0E6AE9A886}" destId="{0B65942F-B336-42B6-A72B-DA6B6B07B79B}" srcOrd="5" destOrd="0" presId="urn:microsoft.com/office/officeart/2016/7/layout/AccentHomeChevronProcess"/>
+    <dgm:cxn modelId="{52BA4F00-9981-4135-8277-906AA07C37A4}" type="presParOf" srcId="{594BF422-752C-42F3-A230-3D0E6AE9A886}" destId="{1D5539F6-8B97-4801-8139-D49EE44FFF3E}" srcOrd="6" destOrd="0" presId="urn:microsoft.com/office/officeart/2016/7/layout/AccentHomeChevronProcess"/>
+    <dgm:cxn modelId="{B52D4D2F-38DE-4BD2-AA85-AA15C75B96F5}" type="presParOf" srcId="{1D5539F6-8B97-4801-8139-D49EE44FFF3E}" destId="{2377F551-4CF6-4656-B644-60A7FC1B0F64}" srcOrd="0" destOrd="0" presId="urn:microsoft.com/office/officeart/2016/7/layout/AccentHomeChevronProcess"/>
+    <dgm:cxn modelId="{FA9CF8E1-838E-4EB4-B2AE-D6D3F75E85BB}" type="presParOf" srcId="{1D5539F6-8B97-4801-8139-D49EE44FFF3E}" destId="{69ED255C-64AC-4764-BC2C-7679ECCC9FE9}" srcOrd="1" destOrd="0" presId="urn:microsoft.com/office/officeart/2016/7/layout/AccentHomeChevronProcess"/>
+    <dgm:cxn modelId="{92FA8D1D-9944-4565-B168-D1186494763B}" type="presParOf" srcId="{1D5539F6-8B97-4801-8139-D49EE44FFF3E}" destId="{1F1B09A6-DA7E-41D1-B8A6-E3B6E775E5C1}" srcOrd="2" destOrd="0" presId="urn:microsoft.com/office/officeart/2016/7/layout/AccentHomeChevronProcess"/>
+    <dgm:cxn modelId="{47578F84-1DA8-446E-A84B-220F41797F61}" type="presParOf" srcId="{1D5539F6-8B97-4801-8139-D49EE44FFF3E}" destId="{89DACDC6-8676-47A4-A430-164754F46172}" srcOrd="3" destOrd="0" presId="urn:microsoft.com/office/officeart/2016/7/layout/AccentHomeChevronProcess"/>
+    <dgm:cxn modelId="{974001E2-B0F0-4611-9371-A8D5754A6175}" type="presParOf" srcId="{594BF422-752C-42F3-A230-3D0E6AE9A886}" destId="{38A6C30B-D5BF-4A1A-A273-D265DC00F2EC}" srcOrd="7" destOrd="0" presId="urn:microsoft.com/office/officeart/2016/7/layout/AccentHomeChevronProcess"/>
+    <dgm:cxn modelId="{E2D7B569-70C4-43E6-9FF6-0BCEEA6617EF}" type="presParOf" srcId="{594BF422-752C-42F3-A230-3D0E6AE9A886}" destId="{761684DA-3DB5-4618-9A30-6E2731CDFCA3}" srcOrd="8" destOrd="0" presId="urn:microsoft.com/office/officeart/2016/7/layout/AccentHomeChevronProcess"/>
+    <dgm:cxn modelId="{2C498EF8-CE5D-4CBB-A03A-6F1D1A129800}" type="presParOf" srcId="{761684DA-3DB5-4618-9A30-6E2731CDFCA3}" destId="{E2C584B7-5B6E-4F6E-A7B8-E679FEF7BC4D}" srcOrd="0" destOrd="0" presId="urn:microsoft.com/office/officeart/2016/7/layout/AccentHomeChevronProcess"/>
+    <dgm:cxn modelId="{8983A66C-53DF-4E85-99EE-6CC23F736BAD}" type="presParOf" srcId="{761684DA-3DB5-4618-9A30-6E2731CDFCA3}" destId="{B89F8758-DA9D-4018-859A-710084D7ABF3}" srcOrd="1" destOrd="0" presId="urn:microsoft.com/office/officeart/2016/7/layout/AccentHomeChevronProcess"/>
+    <dgm:cxn modelId="{6D135D84-3791-45FF-9CA7-47E22781A277}" type="presParOf" srcId="{761684DA-3DB5-4618-9A30-6E2731CDFCA3}" destId="{B73D2BBA-574C-491E-A31C-8B6EA5CC871A}" srcOrd="2" destOrd="0" presId="urn:microsoft.com/office/officeart/2016/7/layout/AccentHomeChevronProcess"/>
+    <dgm:cxn modelId="{9EB2C6BC-45AE-40E2-806D-AB68AB6CBCEC}" type="presParOf" srcId="{761684DA-3DB5-4618-9A30-6E2731CDFCA3}" destId="{DC9D8E0A-674F-4E74-BF10-5C0EF64E638E}" srcOrd="3" destOrd="0" presId="urn:microsoft.com/office/officeart/2016/7/layout/AccentHomeChevronProcess"/>
+  </dgm:cxnLst>
+  <dgm:bg/>
+  <dgm:whole/>
+  <dgm:extLst>
+    <a:ext uri="http://schemas.microsoft.com/office/drawing/2008/diagram">
+      <dsp:dataModelExt xmlns:dsp="http://schemas.microsoft.com/office/drawing/2008/diagram" relId="rId7" minVer="http://schemas.openxmlformats.org/drawingml/2006/diagram"/>
+    </a:ext>
+    <a:ext uri="{C62137D5-CB1D-491B-B009-E17868A290BF}">
+      <dgm14:recolorImg xmlns:dgm14="http://schemas.microsoft.com/office/drawing/2010/diagram" val="1"/>
+    </a:ext>
+  </dgm:extLst>
+</dgm:dataModel>
+</file>
+
+<file path=ppt/diagrams/data2.xml><?xml version="1.0" encoding="utf-8"?>
 <dgm:dataModel xmlns:dgm="http://schemas.openxmlformats.org/drawingml/2006/diagram" xmlns:a="http://schemas.openxmlformats.org/drawingml/2006/main">
   <dgm:ptLst>
     <dgm:pt modelId="{55C0B14E-AEA6-48D3-A387-ED4A3A3BF840}" type="doc">
@@ -1417,7 +3500,7 @@
       <dgm:prSet phldrT="[Text]"/>
       <dgm:spPr>
         <a:solidFill>
-          <a:srgbClr val="FF0000"/>
+          <a:srgbClr val="FFC000"/>
         </a:solidFill>
         <a:ln>
           <a:solidFill>
@@ -1431,9 +3514,18 @@
         <a:p>
           <a:pPr rtl="0"/>
           <a:r>
-            <a:rPr lang="pt-BR" noProof="0" dirty="0"/>
+            <a:rPr lang="pt-BR" noProof="0" smtClean="0">
+              <a:solidFill>
+                <a:schemeClr val="tx1"/>
+              </a:solidFill>
+            </a:rPr>
             <a:t>Login</a:t>
           </a:r>
+          <a:endParaRPr lang="pt-BR" noProof="0" dirty="0">
+            <a:solidFill>
+              <a:schemeClr val="tx1"/>
+            </a:solidFill>
+          </a:endParaRPr>
         </a:p>
       </dgm:t>
     </dgm:pt>
@@ -1450,49 +3542,6 @@
       </dgm:t>
     </dgm:pt>
     <dgm:pt modelId="{D5CAA101-B828-45D7-965B-F77CD6FBA109}" type="sibTrans" cxnId="{D35DB9DA-961B-46CD-BB14-44CD766D8CB7}">
-      <dgm:prSet/>
-      <dgm:spPr/>
-      <dgm:t>
-        <a:bodyPr rtlCol="0"/>
-        <a:lstStyle/>
-        <a:p>
-          <a:pPr rtl="0"/>
-          <a:endParaRPr lang="pt-BR" noProof="0" dirty="0"/>
-        </a:p>
-      </dgm:t>
-    </dgm:pt>
-    <dgm:pt modelId="{EE155DB2-6788-4019-961C-F8B89C275CE8}">
-      <dgm:prSet phldrT="[Text]" custT="1"/>
-      <dgm:spPr/>
-      <dgm:t>
-        <a:bodyPr rtlCol="0"/>
-        <a:lstStyle/>
-        <a:p>
-          <a:pPr rtl="0"/>
-          <a:r>
-            <a:rPr lang="pt-BR" sz="1800" b="1" noProof="0" dirty="0">
-              <a:solidFill>
-                <a:schemeClr val="tx1"/>
-              </a:solidFill>
-            </a:rPr>
-            <a:t>Cadastro (Post)</a:t>
-          </a:r>
-        </a:p>
-      </dgm:t>
-    </dgm:pt>
-    <dgm:pt modelId="{8395B9D5-FF39-4045-8569-9C13F11FB1E5}" type="parTrans" cxnId="{E3D274C7-DB39-45B8-B18F-742495FE5026}">
-      <dgm:prSet/>
-      <dgm:spPr/>
-      <dgm:t>
-        <a:bodyPr rtlCol="0"/>
-        <a:lstStyle/>
-        <a:p>
-          <a:pPr rtl="0"/>
-          <a:endParaRPr lang="pt-BR" noProof="0" dirty="0"/>
-        </a:p>
-      </dgm:t>
-    </dgm:pt>
-    <dgm:pt modelId="{F94C628D-62C1-4AF5-B102-2A2AA7FD22DE}" type="sibTrans" cxnId="{E3D274C7-DB39-45B8-B18F-742495FE5026}">
       <dgm:prSet/>
       <dgm:spPr/>
       <dgm:t>
@@ -1727,10 +3776,14 @@
         <a:p>
           <a:pPr rtl="0"/>
           <a:r>
-            <a:rPr lang="pt-BR" sz="1800" b="1" i="0" u="none" noProof="0" dirty="0"/>
-            <a:t>Lançamento de despesas pagas e em abertas. GET</a:t>
+            <a:rPr lang="pt-BR" sz="1600" b="0" i="0" u="none" noProof="0" dirty="0" smtClean="0">
+              <a:solidFill>
+                <a:srgbClr val="FF0000"/>
+              </a:solidFill>
+            </a:rPr>
+            <a:t>Configuração de Filtros</a:t>
           </a:r>
-          <a:endParaRPr lang="pt-BR" sz="1800" b="1" noProof="0" dirty="0"/>
+          <a:endParaRPr lang="pt-BR" sz="1600" b="1" noProof="0" dirty="0"/>
         </a:p>
       </dgm:t>
     </dgm:pt>
@@ -1758,7 +3811,7 @@
         </a:p>
       </dgm:t>
     </dgm:pt>
-    <dgm:pt modelId="{E671D01E-F2C7-424F-8B75-DD6B12EB34EA}">
+    <dgm:pt modelId="{EE155DB2-6788-4019-961C-F8B89C275CE8}">
       <dgm:prSet phldrT="[Text]" custT="1"/>
       <dgm:spPr/>
       <dgm:t>
@@ -1767,67 +3820,16 @@
         <a:p>
           <a:pPr rtl="0"/>
           <a:r>
-            <a:rPr lang="pt-BR" sz="1800" b="1" i="0" u="none" noProof="0" dirty="0">
+            <a:rPr lang="pt-BR" sz="1800" noProof="0" dirty="0" smtClean="0">
               <a:solidFill>
                 <a:srgbClr val="FF0000"/>
               </a:solidFill>
             </a:rPr>
-            <a:t>Saldo de contas bancárias</a:t>
+            <a:t>Vincular Validação de Acesso na Tela Home</a:t>
           </a:r>
-          <a:r>
-            <a:rPr lang="pt-BR" sz="1800" b="0" i="0" u="none" noProof="0" dirty="0">
-              <a:solidFill>
-                <a:srgbClr val="FF0000"/>
-              </a:solidFill>
-            </a:rPr>
-            <a:t> </a:t>
-          </a:r>
-          <a:endParaRPr lang="pt-BR" sz="1800" noProof="0" dirty="0">
-            <a:solidFill>
-              <a:srgbClr val="FF0000"/>
-            </a:solidFill>
-          </a:endParaRPr>
         </a:p>
-      </dgm:t>
-    </dgm:pt>
-    <dgm:pt modelId="{30500BBF-1F9D-4FA8-8740-4A78A50F6C46}" type="parTrans" cxnId="{7A4DD0FC-F1ED-409B-B054-CE99B3FF8976}">
-      <dgm:prSet/>
-      <dgm:spPr/>
-      <dgm:t>
-        <a:bodyPr/>
-        <a:lstStyle/>
-        <a:p>
-          <a:endParaRPr lang="pt-BR"/>
-        </a:p>
-      </dgm:t>
-    </dgm:pt>
-    <dgm:pt modelId="{285C6DD0-5199-4EEE-B0F4-084CC62A4B38}" type="sibTrans" cxnId="{7A4DD0FC-F1ED-409B-B054-CE99B3FF8976}">
-      <dgm:prSet/>
-      <dgm:spPr/>
-      <dgm:t>
-        <a:bodyPr/>
-        <a:lstStyle/>
-        <a:p>
-          <a:endParaRPr lang="pt-BR"/>
-        </a:p>
-      </dgm:t>
-    </dgm:pt>
-    <dgm:pt modelId="{0FD56F57-EE3E-44FA-9122-186E18317B7F}">
-      <dgm:prSet phldrT="[Text]" custT="1"/>
-      <dgm:spPr/>
-      <dgm:t>
-        <a:bodyPr rtlCol="0"/>
-        <a:lstStyle/>
         <a:p>
           <a:pPr rtl="0"/>
-          <a:r>
-            <a:rPr lang="pt-BR" sz="1800" b="1" noProof="0" dirty="0" smtClean="0">
-              <a:solidFill>
-                <a:schemeClr val="tx1"/>
-              </a:solidFill>
-            </a:rPr>
-            <a:t>Listar Usuário (Get)</a:t>
-          </a:r>
           <a:endParaRPr lang="pt-BR" sz="1800" b="1" noProof="0" dirty="0">
             <a:solidFill>
               <a:schemeClr val="tx1"/>
@@ -1836,82 +3838,27 @@
         </a:p>
       </dgm:t>
     </dgm:pt>
-    <dgm:pt modelId="{96DBA1B4-5128-485D-9895-2A7511EB7FC2}" type="parTrans" cxnId="{5C8E330F-7A09-470F-B0F0-3C233F2C2AAF}">
+    <dgm:pt modelId="{F94C628D-62C1-4AF5-B102-2A2AA7FD22DE}" type="sibTrans" cxnId="{E3D274C7-DB39-45B8-B18F-742495FE5026}">
       <dgm:prSet/>
-      <dgm:spPr/>
-      <dgm:t>
-        <a:bodyPr/>
-        <a:lstStyle/>
-        <a:p>
-          <a:endParaRPr lang="pt-BR"/>
-        </a:p>
-      </dgm:t>
-    </dgm:pt>
-    <dgm:pt modelId="{1A2F4396-56C4-4402-804D-9E09D5B73215}" type="sibTrans" cxnId="{5C8E330F-7A09-470F-B0F0-3C233F2C2AAF}">
-      <dgm:prSet/>
-      <dgm:spPr/>
-      <dgm:t>
-        <a:bodyPr/>
-        <a:lstStyle/>
-        <a:p>
-          <a:endParaRPr lang="pt-BR"/>
-        </a:p>
-      </dgm:t>
-    </dgm:pt>
-    <dgm:pt modelId="{721EEE70-5B6F-48DB-8ABF-E1A4E7B3E61C}">
-      <dgm:prSet phldrT="[Text]" custT="1"/>
       <dgm:spPr/>
       <dgm:t>
         <a:bodyPr rtlCol="0"/>
         <a:lstStyle/>
         <a:p>
           <a:pPr rtl="0"/>
-          <a:r>
-            <a:rPr lang="pt-BR" sz="1800" b="1" noProof="0" dirty="0" smtClean="0">
-              <a:solidFill>
-                <a:schemeClr val="tx1"/>
-              </a:solidFill>
-            </a:rPr>
-            <a:t>E-mail Único Validador</a:t>
-          </a:r>
-        </a:p>
-        <a:p>
-          <a:pPr rtl="0"/>
-          <a:endParaRPr lang="pt-BR" sz="1800" noProof="0" dirty="0" smtClean="0">
-            <a:solidFill>
-              <a:schemeClr val="tx1"/>
-            </a:solidFill>
-          </a:endParaRPr>
-        </a:p>
-        <a:p>
-          <a:pPr rtl="0"/>
-          <a:endParaRPr lang="pt-BR" sz="1800" noProof="0" dirty="0">
-            <a:solidFill>
-              <a:schemeClr val="tx1"/>
-            </a:solidFill>
-          </a:endParaRPr>
+          <a:endParaRPr lang="pt-BR" noProof="0" dirty="0"/>
         </a:p>
       </dgm:t>
     </dgm:pt>
-    <dgm:pt modelId="{5D71167C-FEE5-4FAD-A827-5E43E8C6739A}" type="parTrans" cxnId="{EA39D7BC-2CA1-4CAD-93B3-32990B292F2D}">
+    <dgm:pt modelId="{8395B9D5-FF39-4045-8569-9C13F11FB1E5}" type="parTrans" cxnId="{E3D274C7-DB39-45B8-B18F-742495FE5026}">
       <dgm:prSet/>
       <dgm:spPr/>
       <dgm:t>
-        <a:bodyPr/>
+        <a:bodyPr rtlCol="0"/>
         <a:lstStyle/>
         <a:p>
-          <a:endParaRPr lang="pt-BR"/>
-        </a:p>
-      </dgm:t>
-    </dgm:pt>
-    <dgm:pt modelId="{CA6048AA-CB29-4FCB-8EFF-4639F8FB180F}" type="sibTrans" cxnId="{EA39D7BC-2CA1-4CAD-93B3-32990B292F2D}">
-      <dgm:prSet/>
-      <dgm:spPr/>
-      <dgm:t>
-        <a:bodyPr/>
-        <a:lstStyle/>
-        <a:p>
-          <a:endParaRPr lang="pt-BR"/>
+          <a:pPr rtl="0"/>
+          <a:endParaRPr lang="pt-BR" noProof="0" dirty="0"/>
         </a:p>
       </dgm:t>
     </dgm:pt>
@@ -2234,11 +4181,9 @@
     </dgm:pt>
   </dgm:ptLst>
   <dgm:cxnLst>
-    <dgm:cxn modelId="{5C8E330F-7A09-470F-B0F0-3C233F2C2AAF}" srcId="{7B2FF309-5120-45E2-ACC8-F8FAA9DBDA55}" destId="{0FD56F57-EE3E-44FA-9122-186E18317B7F}" srcOrd="1" destOrd="0" parTransId="{96DBA1B4-5128-485D-9895-2A7511EB7FC2}" sibTransId="{1A2F4396-56C4-4402-804D-9E09D5B73215}"/>
     <dgm:cxn modelId="{648DEAA2-1C30-45AC-8662-FC5A5D379398}" srcId="{D07AD3FD-84FF-467E-9693-752776549C61}" destId="{9BC01348-E6A0-4ADB-ABAB-528714546FAC}" srcOrd="0" destOrd="0" parTransId="{9859D59C-2D06-49CF-8D42-1D2FBF94245D}" sibTransId="{8898EA79-DA44-47B3-8B34-3D111FC17EF5}"/>
     <dgm:cxn modelId="{7B8F902E-4BA3-41AA-9991-54805A6B93DE}" srcId="{55C0B14E-AEA6-48D3-A387-ED4A3A3BF840}" destId="{5EDA317F-AB2E-47DE-BA46-16FA60C3C561}" srcOrd="3" destOrd="0" parTransId="{775EBB35-E8CF-4A14-B0A8-45A53D65E711}" sibTransId="{A75B061E-69EA-487C-8330-1430DA0F139D}"/>
     <dgm:cxn modelId="{00A52954-B4C4-4ECD-B0D0-AE5EF5CDC4E1}" type="presOf" srcId="{7B2FF309-5120-45E2-ACC8-F8FAA9DBDA55}" destId="{B89F8758-DA9D-4018-859A-710084D7ABF3}" srcOrd="0" destOrd="0" presId="urn:microsoft.com/office/officeart/2016/7/layout/AccentHomeChevronProcess"/>
-    <dgm:cxn modelId="{EA39D7BC-2CA1-4CAD-93B3-32990B292F2D}" srcId="{7B2FF309-5120-45E2-ACC8-F8FAA9DBDA55}" destId="{721EEE70-5B6F-48DB-8ABF-E1A4E7B3E61C}" srcOrd="2" destOrd="0" parTransId="{5D71167C-FEE5-4FAD-A827-5E43E8C6739A}" sibTransId="{CA6048AA-CB29-4FCB-8EFF-4639F8FB180F}"/>
     <dgm:cxn modelId="{219EA357-E48B-4A91-91A7-8282DFF10601}" type="presOf" srcId="{55C0B14E-AEA6-48D3-A387-ED4A3A3BF840}" destId="{594BF422-752C-42F3-A230-3D0E6AE9A886}" srcOrd="0" destOrd="0" presId="urn:microsoft.com/office/officeart/2016/7/layout/AccentHomeChevronProcess"/>
     <dgm:cxn modelId="{C604AA0A-5B14-47EA-8312-5DEA0CA1B8F2}" type="presOf" srcId="{79B6F25A-DB7F-4286-8CBF-B8EB48C4BBB4}" destId="{FD7B29F2-0D66-4B4B-BC8A-82DA23575305}" srcOrd="0" destOrd="1" presId="urn:microsoft.com/office/officeart/2016/7/layout/AccentHomeChevronProcess"/>
     <dgm:cxn modelId="{F19B1537-5D8E-4622-A6B7-65BF19963778}" srcId="{D71FC021-6A65-44D1-95B9-0E6C89079866}" destId="{79B6F25A-DB7F-4286-8CBF-B8EB48C4BBB4}" srcOrd="1" destOrd="0" parTransId="{80B0A85B-6F6A-4ABD-A2F0-352261212368}" sibTransId="{24F2AC6F-AD9D-410E-A777-700506A48698}"/>
@@ -2250,8 +4195,6 @@
     <dgm:cxn modelId="{C3825BFE-9D66-48D9-B293-941681DB0C96}" type="presOf" srcId="{B528CD67-281A-429C-BB9B-BE287DB82CBC}" destId="{810D7AA7-A541-4507-BE7F-36CCF210089F}" srcOrd="0" destOrd="1" presId="urn:microsoft.com/office/officeart/2016/7/layout/AccentHomeChevronProcess"/>
     <dgm:cxn modelId="{F23BFC27-EEA1-48DD-A68B-3C9BF1AE455D}" type="presOf" srcId="{349299C9-846E-4827-813A-349CCCE20782}" destId="{810D7AA7-A541-4507-BE7F-36CCF210089F}" srcOrd="0" destOrd="0" presId="urn:microsoft.com/office/officeart/2016/7/layout/AccentHomeChevronProcess"/>
     <dgm:cxn modelId="{665C05C7-3CB0-428C-B457-E59A0AF60DA1}" type="presOf" srcId="{D07AD3FD-84FF-467E-9693-752776549C61}" destId="{6C46E586-0364-4C52-98F9-74A7ACD803D1}" srcOrd="0" destOrd="0" presId="urn:microsoft.com/office/officeart/2016/7/layout/AccentHomeChevronProcess"/>
-    <dgm:cxn modelId="{1CEDC035-F79F-4FF8-87BA-6F98D5C46DAD}" type="presOf" srcId="{0FD56F57-EE3E-44FA-9122-186E18317B7F}" destId="{B73D2BBA-574C-491E-A31C-8B6EA5CC871A}" srcOrd="0" destOrd="1" presId="urn:microsoft.com/office/officeart/2016/7/layout/AccentHomeChevronProcess"/>
-    <dgm:cxn modelId="{7A4DD0FC-F1ED-409B-B054-CE99B3FF8976}" srcId="{5EDA317F-AB2E-47DE-BA46-16FA60C3C561}" destId="{E671D01E-F2C7-424F-8B75-DD6B12EB34EA}" srcOrd="1" destOrd="0" parTransId="{30500BBF-1F9D-4FA8-8740-4A78A50F6C46}" sibTransId="{285C6DD0-5199-4EEE-B0F4-084CC62A4B38}"/>
     <dgm:cxn modelId="{EE7A807F-E6ED-4A60-AEA2-30AC215B7427}" srcId="{AACEAFD5-63CF-4AFC-B46F-BE086C5D447C}" destId="{B528CD67-281A-429C-BB9B-BE287DB82CBC}" srcOrd="1" destOrd="0" parTransId="{1E80F57E-FDBC-4C3A-9D59-53FCB256B080}" sibTransId="{8E9DCC4B-3F7D-4F83-8115-C6BCE0B2DD5B}"/>
     <dgm:cxn modelId="{D35DB9DA-961B-46CD-BB14-44CD766D8CB7}" srcId="{55C0B14E-AEA6-48D3-A387-ED4A3A3BF840}" destId="{7B2FF309-5120-45E2-ACC8-F8FAA9DBDA55}" srcOrd="4" destOrd="0" parTransId="{2CF5AF8A-5687-489A-9838-EDDBB760D421}" sibTransId="{D5CAA101-B828-45D7-965B-F77CD6FBA109}"/>
     <dgm:cxn modelId="{0EFA3039-6828-403C-9445-4359BA6645E6}" srcId="{AACEAFD5-63CF-4AFC-B46F-BE086C5D447C}" destId="{349299C9-846E-4827-813A-349CCCE20782}" srcOrd="0" destOrd="0" parTransId="{AEA27547-B9ED-4994-BD27-04EC297EF367}" sibTransId="{9D819F52-ACA0-4B08-8256-DF6BD8FA3A0B}"/>
@@ -2262,7 +4205,6 @@
     <dgm:cxn modelId="{E3115EEA-DE9C-4F06-B8B3-BEB263D5F2B1}" srcId="{D71FC021-6A65-44D1-95B9-0E6C89079866}" destId="{4A6BB192-9983-4F48-BBC5-6E384EED7EC5}" srcOrd="0" destOrd="0" parTransId="{230A6E4A-6CED-4DC0-AEFE-6859FE07B658}" sibTransId="{0B568EC2-5D2A-4B00-8047-B7832F245B44}"/>
     <dgm:cxn modelId="{55492768-9A5E-4F74-AC7C-959C5C24EFD3}" srcId="{55C0B14E-AEA6-48D3-A387-ED4A3A3BF840}" destId="{D07AD3FD-84FF-467E-9693-752776549C61}" srcOrd="1" destOrd="0" parTransId="{7B691773-F524-4FAD-A272-BDF0B0C4370A}" sibTransId="{A8C9B7A9-BC2A-4753-B7F0-F2E361D95520}"/>
     <dgm:cxn modelId="{D3127D10-6016-4DB5-9BA2-D21A5B2BA968}" type="presOf" srcId="{9BC01348-E6A0-4ADB-ABAB-528714546FAC}" destId="{5E07F9E4-149C-4A89-848F-4ABDD305F0C5}" srcOrd="0" destOrd="0" presId="urn:microsoft.com/office/officeart/2016/7/layout/AccentHomeChevronProcess"/>
-    <dgm:cxn modelId="{BB52AAF5-3A64-4255-8A24-926D13E53E70}" type="presOf" srcId="{E671D01E-F2C7-424F-8B75-DD6B12EB34EA}" destId="{1F1B09A6-DA7E-41D1-B8A6-E3B6E775E5C1}" srcOrd="0" destOrd="1" presId="urn:microsoft.com/office/officeart/2016/7/layout/AccentHomeChevronProcess"/>
     <dgm:cxn modelId="{6CDEA839-6538-453E-9113-58ECC65280CB}" type="presOf" srcId="{AACEAFD5-63CF-4AFC-B46F-BE086C5D447C}" destId="{CA3A6A4E-2D39-41D2-A6B1-B590D0C452D2}" srcOrd="0" destOrd="0" presId="urn:microsoft.com/office/officeart/2016/7/layout/AccentHomeChevronProcess"/>
     <dgm:cxn modelId="{53239C96-427C-420B-95DC-546F3B30ED65}" srcId="{55C0B14E-AEA6-48D3-A387-ED4A3A3BF840}" destId="{D71FC021-6A65-44D1-95B9-0E6C89079866}" srcOrd="2" destOrd="0" parTransId="{862AAE39-3AAD-40E3-BA20-90187BD73242}" sibTransId="{9B090D9D-470E-46E2-AABB-0368A52481AA}"/>
     <dgm:cxn modelId="{E3D274C7-DB39-45B8-B18F-742495FE5026}" srcId="{7B2FF309-5120-45E2-ACC8-F8FAA9DBDA55}" destId="{EE155DB2-6788-4019-961C-F8B89C275CE8}" srcOrd="0" destOrd="0" parTransId="{8395B9D5-FF39-4045-8569-9C13F11FB1E5}" sibTransId="{F94C628D-62C1-4AF5-B102-2A2AA7FD22DE}"/>
@@ -2270,7 +4212,6 @@
     <dgm:cxn modelId="{E97FF64F-8020-497E-AE7D-2395DDA4560D}" srcId="{D07AD3FD-84FF-467E-9693-752776549C61}" destId="{5D70EFF5-8B31-4A1F-AE44-51E4CF0013EB}" srcOrd="1" destOrd="0" parTransId="{96C720A0-FEEF-48D1-8DF6-ABA03C304822}" sibTransId="{B6A59CDE-18AD-4553-B6C5-FF001A8E8510}"/>
     <dgm:cxn modelId="{8A3D4B73-3658-4A4C-9DFE-F59E22A79482}" srcId="{5EDA317F-AB2E-47DE-BA46-16FA60C3C561}" destId="{F757DBC8-3670-4122-937A-47DB91C0F3FE}" srcOrd="0" destOrd="0" parTransId="{8F483F27-8D97-48E5-9210-1B448F1CE277}" sibTransId="{A46A41DD-2CA4-4800-8F85-546ABB24ED07}"/>
     <dgm:cxn modelId="{61E56288-5A92-4019-989A-398C8EA8A844}" type="presOf" srcId="{4A6BB192-9983-4F48-BBC5-6E384EED7EC5}" destId="{FD7B29F2-0D66-4B4B-BC8A-82DA23575305}" srcOrd="0" destOrd="0" presId="urn:microsoft.com/office/officeart/2016/7/layout/AccentHomeChevronProcess"/>
-    <dgm:cxn modelId="{DBB5CF45-2FFB-48CF-8B07-0650E29F9400}" type="presOf" srcId="{721EEE70-5B6F-48DB-8ABF-E1A4E7B3E61C}" destId="{B73D2BBA-574C-491E-A31C-8B6EA5CC871A}" srcOrd="0" destOrd="2" presId="urn:microsoft.com/office/officeart/2016/7/layout/AccentHomeChevronProcess"/>
     <dgm:cxn modelId="{C93892E1-28C0-4B75-A464-293C00708672}" type="presParOf" srcId="{594BF422-752C-42F3-A230-3D0E6AE9A886}" destId="{F6A1B9E0-4B4A-47A4-A011-67526CEEA770}" srcOrd="0" destOrd="0" presId="urn:microsoft.com/office/officeart/2016/7/layout/AccentHomeChevronProcess"/>
     <dgm:cxn modelId="{D5413575-9692-46A2-A045-9ED8482318DF}" type="presParOf" srcId="{F6A1B9E0-4B4A-47A4-A011-67526CEEA770}" destId="{FA4E6E73-A3C8-4495-927B-8AADA5A74297}" srcOrd="0" destOrd="0" presId="urn:microsoft.com/office/officeart/2016/7/layout/AccentHomeChevronProcess"/>
     <dgm:cxn modelId="{3303BDD6-668D-45F1-9491-4125E782D67C}" type="presParOf" srcId="{F6A1B9E0-4B4A-47A4-A011-67526CEEA770}" destId="{CA3A6A4E-2D39-41D2-A6B1-B590D0C452D2}" srcOrd="1" destOrd="0" presId="urn:microsoft.com/office/officeart/2016/7/layout/AccentHomeChevronProcess"/>
@@ -2474,7 +4415,7 @@
         </a:bodyPr>
         <a:lstStyle/>
         <a:p>
-          <a:pPr lvl="0" algn="l" defTabSz="889000" rtl="0">
+          <a:pPr lvl="0" algn="l" defTabSz="800100" rtl="0">
             <a:lnSpc>
               <a:spcPct val="90000"/>
             </a:lnSpc>
@@ -2486,12 +4427,12 @@
             </a:spcAft>
           </a:pPr>
           <a:r>
-            <a:rPr lang="pt-BR" sz="2000" b="1" kern="1200" noProof="0" dirty="0"/>
+            <a:rPr lang="pt-BR" sz="1800" kern="1200" noProof="0" dirty="0"/>
             <a:t>Dashboard</a:t>
           </a:r>
         </a:p>
         <a:p>
-          <a:pPr lvl="0" algn="l" defTabSz="889000" rtl="0">
+          <a:pPr lvl="0" algn="l" defTabSz="800100" rtl="0">
             <a:lnSpc>
               <a:spcPct val="90000"/>
             </a:lnSpc>
@@ -2503,8 +4444,12 @@
             </a:spcAft>
           </a:pPr>
           <a:r>
-            <a:rPr lang="pt-BR" sz="2000" b="1" kern="1200" noProof="0" dirty="0"/>
-            <a:t>Get (Saldo, Despesas em aberto)</a:t>
+            <a:rPr lang="pt-BR" sz="1800" kern="1200" noProof="0" dirty="0" err="1"/>
+            <a:t>Get</a:t>
+          </a:r>
+          <a:r>
+            <a:rPr lang="pt-BR" sz="1800" kern="1200" noProof="0" dirty="0"/>
+            <a:t> (Saldo, Despesas em aberto)</a:t>
           </a:r>
         </a:p>
       </dsp:txBody>
@@ -2677,11 +4622,7 @@
             </a:spcAft>
           </a:pPr>
           <a:r>
-            <a:rPr lang="pt-BR" sz="1600" b="1" kern="1200" noProof="0" dirty="0">
-              <a:solidFill>
-                <a:schemeClr val="tx1"/>
-              </a:solidFill>
-            </a:rPr>
+            <a:rPr lang="pt-BR" sz="1600" kern="1200" noProof="0" dirty="0"/>
             <a:t>Post (Grupo Despesa)</a:t>
           </a:r>
         </a:p>
@@ -2698,18 +4639,14 @@
             </a:spcAft>
           </a:pPr>
           <a:r>
-            <a:rPr lang="pt-BR" sz="1600" b="1" i="0" u="none" kern="1200" noProof="0" dirty="0">
-              <a:solidFill>
-                <a:schemeClr val="tx1"/>
-              </a:solidFill>
-            </a:rPr>
-            <a:t>Get (Grupo Despesa)</a:t>
+            <a:rPr lang="pt-BR" sz="1600" b="0" i="0" u="none" kern="1200" noProof="0" dirty="0" err="1"/>
+            <a:t>Get</a:t>
           </a:r>
-          <a:endParaRPr lang="pt-BR" sz="1600" b="1" kern="1200" noProof="0" dirty="0">
-            <a:solidFill>
-              <a:schemeClr val="tx1"/>
-            </a:solidFill>
-          </a:endParaRPr>
+          <a:r>
+            <a:rPr lang="pt-BR" sz="1600" b="0" i="0" u="none" kern="1200" noProof="0" dirty="0"/>
+            <a:t> (Grupo Despesa)</a:t>
+          </a:r>
+          <a:endParaRPr lang="pt-BR" sz="1600" kern="1200" noProof="0" dirty="0"/>
         </a:p>
         <a:p>
           <a:pPr lvl="0" algn="l" defTabSz="711200" rtl="0">
@@ -2724,18 +4661,10 @@
             </a:spcAft>
           </a:pPr>
           <a:r>
-            <a:rPr lang="pt-BR" sz="1600" b="1" i="0" u="none" kern="1200" noProof="0" dirty="0">
-              <a:solidFill>
-                <a:schemeClr val="tx1"/>
-              </a:solidFill>
-            </a:rPr>
+            <a:rPr lang="pt-BR" sz="1600" b="0" i="0" u="none" kern="1200" noProof="0" dirty="0"/>
             <a:t>Post (Lançamento Despesa) </a:t>
           </a:r>
-          <a:endParaRPr lang="pt-BR" sz="1600" b="1" kern="1200" noProof="0" dirty="0">
-            <a:solidFill>
-              <a:schemeClr val="tx1"/>
-            </a:solidFill>
-          </a:endParaRPr>
+          <a:endParaRPr lang="pt-BR" sz="1600" kern="1200" noProof="0" dirty="0"/>
         </a:p>
       </dsp:txBody>
       <dsp:txXfrm>
@@ -2895,7 +4824,7 @@
         </a:bodyPr>
         <a:lstStyle/>
         <a:p>
-          <a:pPr lvl="0" algn="l" defTabSz="800100" rtl="0">
+          <a:pPr lvl="0" algn="l" defTabSz="889000" rtl="0">
             <a:lnSpc>
               <a:spcPct val="90000"/>
             </a:lnSpc>
@@ -2907,21 +4836,13 @@
             </a:spcAft>
           </a:pPr>
           <a:r>
-            <a:rPr lang="pt-BR" sz="1800" b="1" i="0" u="none" kern="1200" noProof="0" dirty="0">
-              <a:solidFill>
-                <a:schemeClr val="tx1"/>
-              </a:solidFill>
-            </a:rPr>
+            <a:rPr lang="pt-BR" sz="2000" b="0" i="0" u="none" kern="1200" noProof="0" dirty="0"/>
             <a:t>Post (Banco)</a:t>
           </a:r>
-          <a:endParaRPr lang="pt-BR" sz="1800" b="1" kern="1200" noProof="0" dirty="0">
-            <a:solidFill>
-              <a:schemeClr val="tx1"/>
-            </a:solidFill>
-          </a:endParaRPr>
+          <a:endParaRPr lang="pt-BR" sz="2000" kern="1200" noProof="0" dirty="0"/>
         </a:p>
         <a:p>
-          <a:pPr lvl="0" algn="l" defTabSz="800100" rtl="0">
+          <a:pPr lvl="0" algn="l" defTabSz="889000" rtl="0">
             <a:lnSpc>
               <a:spcPct val="90000"/>
             </a:lnSpc>
@@ -2933,24 +4854,16 @@
             </a:spcAft>
           </a:pPr>
           <a:r>
-            <a:rPr lang="pt-BR" sz="1800" b="1" kern="1200" noProof="0" dirty="0" err="1">
-              <a:solidFill>
-                <a:schemeClr val="tx1"/>
-              </a:solidFill>
-            </a:rPr>
+            <a:rPr lang="pt-BR" sz="2000" kern="1200" noProof="0" dirty="0" err="1"/>
             <a:t>Get</a:t>
           </a:r>
           <a:r>
-            <a:rPr lang="pt-BR" sz="1800" b="1" kern="1200" noProof="0" dirty="0">
-              <a:solidFill>
-                <a:schemeClr val="tx1"/>
-              </a:solidFill>
-            </a:rPr>
+            <a:rPr lang="pt-BR" sz="2000" kern="1200" noProof="0" dirty="0"/>
             <a:t>(Banco)</a:t>
           </a:r>
         </a:p>
         <a:p>
-          <a:pPr lvl="0" algn="l" defTabSz="800100" rtl="0">
+          <a:pPr lvl="0" algn="l" defTabSz="889000" rtl="0">
             <a:lnSpc>
               <a:spcPct val="90000"/>
             </a:lnSpc>
@@ -2962,11 +4875,7 @@
             </a:spcAft>
           </a:pPr>
           <a:r>
-            <a:rPr lang="pt-BR" sz="1800" b="1" kern="1200" noProof="0" dirty="0">
-              <a:solidFill>
-                <a:schemeClr val="tx1"/>
-              </a:solidFill>
-            </a:rPr>
+            <a:rPr lang="pt-BR" sz="2000" kern="1200" noProof="0" dirty="0"/>
             <a:t>Post(Agência)</a:t>
           </a:r>
         </a:p>
@@ -3142,10 +5051,10 @@
             </a:spcAft>
           </a:pPr>
           <a:r>
-            <a:rPr lang="pt-BR" sz="1800" b="1" i="0" u="none" kern="1200" noProof="0" dirty="0"/>
+            <a:rPr lang="pt-BR" sz="1800" b="0" i="0" u="none" kern="1200" noProof="0" dirty="0"/>
             <a:t>Lançamento de despesas pagas e em abertas. GET</a:t>
           </a:r>
-          <a:endParaRPr lang="pt-BR" sz="1800" b="1" kern="1200" noProof="0" dirty="0"/>
+          <a:endParaRPr lang="pt-BR" sz="1800" kern="1200" noProof="0" dirty="0"/>
         </a:p>
         <a:p>
           <a:pPr lvl="0" algn="l" defTabSz="800100" rtl="0">
@@ -3160,20 +5069,12 @@
             </a:spcAft>
           </a:pPr>
           <a:r>
-            <a:rPr lang="pt-BR" sz="1800" b="1" i="0" u="none" kern="1200" noProof="0" dirty="0">
-              <a:solidFill>
-                <a:srgbClr val="FF0000"/>
-              </a:solidFill>
-            </a:rPr>
-            <a:t>Saldo de contas bancárias</a:t>
-          </a:r>
-          <a:r>
             <a:rPr lang="pt-BR" sz="1800" b="0" i="0" u="none" kern="1200" noProof="0" dirty="0">
               <a:solidFill>
                 <a:srgbClr val="FF0000"/>
               </a:solidFill>
             </a:rPr>
-            <a:t> </a:t>
+            <a:t>Saldo de contas bancárias </a:t>
           </a:r>
           <a:endParaRPr lang="pt-BR" sz="1800" kern="1200" noProof="0" dirty="0">
             <a:solidFill>
@@ -3339,7 +5240,7 @@
         </a:bodyPr>
         <a:lstStyle/>
         <a:p>
-          <a:pPr lvl="0" algn="l" defTabSz="800100" rtl="0">
+          <a:pPr lvl="0" algn="l" defTabSz="889000" rtl="0">
             <a:lnSpc>
               <a:spcPct val="90000"/>
             </a:lnSpc>
@@ -3351,14 +5252,641 @@
             </a:spcAft>
           </a:pPr>
           <a:r>
-            <a:rPr lang="pt-BR" sz="1800" b="1" kern="1200" noProof="0" dirty="0">
+            <a:rPr lang="pt-BR" sz="2000" kern="1200" noProof="0" dirty="0">
               <a:solidFill>
-                <a:schemeClr val="tx1"/>
+                <a:srgbClr val="FF0000"/>
               </a:solidFill>
             </a:rPr>
             <a:t>Cadastro (Post)</a:t>
           </a:r>
         </a:p>
+        <a:p>
+          <a:pPr lvl="0" algn="l" defTabSz="889000" rtl="0">
+            <a:lnSpc>
+              <a:spcPct val="90000"/>
+            </a:lnSpc>
+            <a:spcBef>
+              <a:spcPct val="0"/>
+            </a:spcBef>
+            <a:spcAft>
+              <a:spcPct val="35000"/>
+            </a:spcAft>
+          </a:pPr>
+          <a:r>
+            <a:rPr lang="pt-BR" sz="2000" kern="1200" noProof="0" dirty="0">
+              <a:solidFill>
+                <a:srgbClr val="FF0000"/>
+              </a:solidFill>
+            </a:rPr>
+            <a:t>Validação de acesso (</a:t>
+          </a:r>
+          <a:r>
+            <a:rPr lang="pt-BR" sz="2000" kern="1200" noProof="0" dirty="0" err="1">
+              <a:solidFill>
+                <a:srgbClr val="FF0000"/>
+              </a:solidFill>
+            </a:rPr>
+            <a:t>Get</a:t>
+          </a:r>
+          <a:r>
+            <a:rPr lang="pt-BR" sz="2000" kern="1200" noProof="0" dirty="0">
+              <a:solidFill>
+                <a:srgbClr val="FF0000"/>
+              </a:solidFill>
+            </a:rPr>
+            <a:t>)</a:t>
+          </a:r>
+        </a:p>
+      </dsp:txBody>
+      <dsp:txXfrm>
+        <a:off x="8006156" y="982941"/>
+        <a:ext cx="1675110" cy="1414310"/>
+      </dsp:txXfrm>
+    </dsp:sp>
+  </dsp:spTree>
+</dsp:drawing>
+</file>
+
+<file path=ppt/diagrams/drawing2.xml><?xml version="1.0" encoding="utf-8"?>
+<dsp:drawing xmlns:dgm="http://schemas.openxmlformats.org/drawingml/2006/diagram" xmlns:dsp="http://schemas.microsoft.com/office/drawing/2008/diagram" xmlns:a="http://schemas.openxmlformats.org/drawingml/2006/main">
+  <dsp:spTree>
+    <dsp:nvGrpSpPr>
+      <dsp:cNvPr id="0" name=""/>
+      <dsp:cNvGrpSpPr/>
+    </dsp:nvGrpSpPr>
+    <dsp:grpSpPr/>
+    <dsp:sp modelId="{FA4E6E73-A3C8-4495-927B-8AADA5A74297}">
+      <dsp:nvSpPr>
+        <dsp:cNvPr id="0" name=""/>
+        <dsp:cNvSpPr/>
+      </dsp:nvSpPr>
+      <dsp:spPr>
+        <a:xfrm rot="5400000">
+          <a:off x="-913831" y="1804573"/>
+          <a:ext cx="1999734" cy="168128"/>
+        </a:xfrm>
+        <a:prstGeom prst="corner">
+          <a:avLst>
+            <a:gd name="adj1" fmla="val 1000"/>
+            <a:gd name="adj2" fmla="val 1000"/>
+          </a:avLst>
+        </a:prstGeom>
+        <a:solidFill>
+          <a:schemeClr val="lt1">
+            <a:hueOff val="0"/>
+            <a:satOff val="0"/>
+            <a:lumOff val="0"/>
+            <a:alphaOff val="0"/>
+          </a:schemeClr>
+        </a:solidFill>
+        <a:ln w="12700" cap="flat" cmpd="sng" algn="ctr">
+          <a:solidFill>
+            <a:schemeClr val="accent2"/>
+          </a:solidFill>
+          <a:prstDash val="solid"/>
+          <a:miter lim="800000"/>
+        </a:ln>
+        <a:effectLst/>
+      </dsp:spPr>
+      <dsp:style>
+        <a:lnRef idx="2">
+          <a:scrgbClr r="0" g="0" b="0"/>
+        </a:lnRef>
+        <a:fillRef idx="1">
+          <a:scrgbClr r="0" g="0" b="0"/>
+        </a:fillRef>
+        <a:effectRef idx="0">
+          <a:scrgbClr r="0" g="0" b="0"/>
+        </a:effectRef>
+        <a:fontRef idx="minor"/>
+      </dsp:style>
+    </dsp:sp>
+    <dsp:sp modelId="{CA3A6A4E-2D39-41D2-A6B1-B590D0C452D2}">
+      <dsp:nvSpPr>
+        <dsp:cNvPr id="0" name=""/>
+        <dsp:cNvSpPr/>
+      </dsp:nvSpPr>
+      <dsp:spPr>
+        <a:xfrm>
+          <a:off x="1971" y="2888505"/>
+          <a:ext cx="2101609" cy="666578"/>
+        </a:xfrm>
+        <a:prstGeom prst="homePlate">
+          <a:avLst>
+            <a:gd name="adj" fmla="val 25000"/>
+          </a:avLst>
+        </a:prstGeom>
+        <a:solidFill>
+          <a:srgbClr val="00B050"/>
+        </a:solidFill>
+        <a:ln w="12700" cap="flat" cmpd="sng" algn="ctr">
+          <a:solidFill>
+            <a:schemeClr val="accent2"/>
+          </a:solidFill>
+          <a:prstDash val="solid"/>
+          <a:miter lim="800000"/>
+        </a:ln>
+        <a:effectLst/>
+      </dsp:spPr>
+      <dsp:style>
+        <a:lnRef idx="2">
+          <a:scrgbClr r="0" g="0" b="0"/>
+        </a:lnRef>
+        <a:fillRef idx="1">
+          <a:scrgbClr r="0" g="0" b="0"/>
+        </a:fillRef>
+        <a:effectRef idx="0">
+          <a:scrgbClr r="0" g="0" b="0"/>
+        </a:effectRef>
+        <a:fontRef idx="minor">
+          <a:schemeClr val="lt1"/>
+        </a:fontRef>
+      </dsp:style>
+      <dsp:txBody>
+        <a:bodyPr spcFirstLastPara="0" vert="horz" wrap="square" lIns="107950" tIns="215900" rIns="107950" bIns="215900" numCol="1" spcCol="1270" rtlCol="0" anchor="ctr" anchorCtr="0">
+          <a:noAutofit/>
+        </a:bodyPr>
+        <a:lstStyle/>
+        <a:p>
+          <a:pPr lvl="0" algn="ctr" defTabSz="755650" rtl="0">
+            <a:lnSpc>
+              <a:spcPct val="90000"/>
+            </a:lnSpc>
+            <a:spcBef>
+              <a:spcPct val="0"/>
+            </a:spcBef>
+            <a:spcAft>
+              <a:spcPct val="35000"/>
+            </a:spcAft>
+          </a:pPr>
+          <a:r>
+            <a:rPr lang="pt-BR" sz="1700" kern="1200" noProof="0" dirty="0"/>
+            <a:t>Home</a:t>
+          </a:r>
+        </a:p>
+      </dsp:txBody>
+      <dsp:txXfrm>
+        <a:off x="1971" y="2888505"/>
+        <a:ext cx="2018287" cy="666578"/>
+      </dsp:txXfrm>
+    </dsp:sp>
+    <dsp:sp modelId="{810D7AA7-A541-4507-BE7F-36CCF210089F}">
+      <dsp:nvSpPr>
+        <dsp:cNvPr id="0" name=""/>
+        <dsp:cNvSpPr/>
+      </dsp:nvSpPr>
+      <dsp:spPr>
+        <a:xfrm>
+          <a:off x="170099" y="989648"/>
+          <a:ext cx="1706507" cy="1414457"/>
+        </a:xfrm>
+        <a:prstGeom prst="rect">
+          <a:avLst/>
+        </a:prstGeom>
+        <a:noFill/>
+        <a:ln>
+          <a:noFill/>
+        </a:ln>
+        <a:effectLst/>
+      </dsp:spPr>
+      <dsp:style>
+        <a:lnRef idx="0">
+          <a:scrgbClr r="0" g="0" b="0"/>
+        </a:lnRef>
+        <a:fillRef idx="0">
+          <a:scrgbClr r="0" g="0" b="0"/>
+        </a:fillRef>
+        <a:effectRef idx="0">
+          <a:scrgbClr r="0" g="0" b="0"/>
+        </a:effectRef>
+        <a:fontRef idx="minor"/>
+      </dsp:style>
+      <dsp:txBody>
+        <a:bodyPr spcFirstLastPara="0" vert="horz" wrap="square" lIns="0" tIns="0" rIns="0" bIns="0" numCol="1" spcCol="1270" rtlCol="0" anchor="t" anchorCtr="0">
+          <a:noAutofit/>
+        </a:bodyPr>
+        <a:lstStyle/>
+        <a:p>
+          <a:pPr lvl="0" algn="l" defTabSz="889000" rtl="0">
+            <a:lnSpc>
+              <a:spcPct val="90000"/>
+            </a:lnSpc>
+            <a:spcBef>
+              <a:spcPct val="0"/>
+            </a:spcBef>
+            <a:spcAft>
+              <a:spcPct val="35000"/>
+            </a:spcAft>
+          </a:pPr>
+          <a:r>
+            <a:rPr lang="pt-BR" sz="2000" b="1" kern="1200" noProof="0" dirty="0"/>
+            <a:t>Dashboard</a:t>
+          </a:r>
+        </a:p>
+        <a:p>
+          <a:pPr lvl="0" algn="l" defTabSz="889000" rtl="0">
+            <a:lnSpc>
+              <a:spcPct val="90000"/>
+            </a:lnSpc>
+            <a:spcBef>
+              <a:spcPct val="0"/>
+            </a:spcBef>
+            <a:spcAft>
+              <a:spcPct val="35000"/>
+            </a:spcAft>
+          </a:pPr>
+          <a:r>
+            <a:rPr lang="pt-BR" sz="2000" b="1" kern="1200" noProof="0" dirty="0"/>
+            <a:t>Get (Saldo, Despesas em aberto)</a:t>
+          </a:r>
+        </a:p>
+      </dsp:txBody>
+      <dsp:txXfrm>
+        <a:off x="170099" y="989648"/>
+        <a:ext cx="1706507" cy="1414457"/>
+      </dsp:txXfrm>
+    </dsp:sp>
+    <dsp:sp modelId="{E41E7729-FD3F-426D-804C-45BD60BD762D}">
+      <dsp:nvSpPr>
+        <dsp:cNvPr id="0" name=""/>
+        <dsp:cNvSpPr/>
+      </dsp:nvSpPr>
+      <dsp:spPr>
+        <a:xfrm rot="5400000">
+          <a:off x="1082697" y="1804573"/>
+          <a:ext cx="1999734" cy="168128"/>
+        </a:xfrm>
+        <a:prstGeom prst="corner">
+          <a:avLst>
+            <a:gd name="adj1" fmla="val 1000"/>
+            <a:gd name="adj2" fmla="val 1000"/>
+          </a:avLst>
+        </a:prstGeom>
+        <a:solidFill>
+          <a:schemeClr val="lt1">
+            <a:hueOff val="0"/>
+            <a:satOff val="0"/>
+            <a:lumOff val="0"/>
+            <a:alphaOff val="0"/>
+          </a:schemeClr>
+        </a:solidFill>
+        <a:ln w="12700" cap="flat" cmpd="sng" algn="ctr">
+          <a:solidFill>
+            <a:schemeClr val="accent1"/>
+          </a:solidFill>
+          <a:prstDash val="solid"/>
+          <a:miter lim="800000"/>
+        </a:ln>
+        <a:effectLst/>
+      </dsp:spPr>
+      <dsp:style>
+        <a:lnRef idx="2">
+          <a:scrgbClr r="0" g="0" b="0"/>
+        </a:lnRef>
+        <a:fillRef idx="1">
+          <a:scrgbClr r="0" g="0" b="0"/>
+        </a:fillRef>
+        <a:effectRef idx="0">
+          <a:scrgbClr r="0" g="0" b="0"/>
+        </a:effectRef>
+        <a:fontRef idx="minor"/>
+      </dsp:style>
+    </dsp:sp>
+    <dsp:sp modelId="{6C46E586-0364-4C52-98F9-74A7ACD803D1}">
+      <dsp:nvSpPr>
+        <dsp:cNvPr id="0" name=""/>
+        <dsp:cNvSpPr/>
+      </dsp:nvSpPr>
+      <dsp:spPr>
+        <a:xfrm>
+          <a:off x="1998500" y="2888505"/>
+          <a:ext cx="2101609" cy="666578"/>
+        </a:xfrm>
+        <a:prstGeom prst="chevron">
+          <a:avLst>
+            <a:gd name="adj" fmla="val 25000"/>
+          </a:avLst>
+        </a:prstGeom>
+        <a:solidFill>
+          <a:srgbClr val="00B050"/>
+        </a:solidFill>
+        <a:ln w="12700" cap="flat" cmpd="sng" algn="ctr">
+          <a:solidFill>
+            <a:schemeClr val="accent1"/>
+          </a:solidFill>
+          <a:prstDash val="solid"/>
+          <a:miter lim="800000"/>
+        </a:ln>
+        <a:effectLst/>
+      </dsp:spPr>
+      <dsp:style>
+        <a:lnRef idx="2">
+          <a:scrgbClr r="0" g="0" b="0"/>
+        </a:lnRef>
+        <a:fillRef idx="1">
+          <a:scrgbClr r="0" g="0" b="0"/>
+        </a:fillRef>
+        <a:effectRef idx="0">
+          <a:scrgbClr r="0" g="0" b="0"/>
+        </a:effectRef>
+        <a:fontRef idx="minor">
+          <a:schemeClr val="lt1"/>
+        </a:fontRef>
+      </dsp:style>
+      <dsp:txBody>
+        <a:bodyPr spcFirstLastPara="0" vert="horz" wrap="square" lIns="107950" tIns="215900" rIns="107950" bIns="215900" numCol="1" spcCol="1270" rtlCol="0" anchor="ctr" anchorCtr="0">
+          <a:noAutofit/>
+        </a:bodyPr>
+        <a:lstStyle/>
+        <a:p>
+          <a:pPr lvl="0" algn="ctr" defTabSz="755650" rtl="0">
+            <a:lnSpc>
+              <a:spcPct val="90000"/>
+            </a:lnSpc>
+            <a:spcBef>
+              <a:spcPct val="0"/>
+            </a:spcBef>
+            <a:spcAft>
+              <a:spcPct val="35000"/>
+            </a:spcAft>
+          </a:pPr>
+          <a:r>
+            <a:rPr lang="pt-BR" sz="1700" kern="1200" noProof="0" dirty="0"/>
+            <a:t>Lanc. Despesa</a:t>
+          </a:r>
+        </a:p>
+      </dsp:txBody>
+      <dsp:txXfrm>
+        <a:off x="2165145" y="2888505"/>
+        <a:ext cx="1768320" cy="666578"/>
+      </dsp:txXfrm>
+    </dsp:sp>
+    <dsp:sp modelId="{5E07F9E4-149C-4A89-848F-4ABDD305F0C5}">
+      <dsp:nvSpPr>
+        <dsp:cNvPr id="0" name=""/>
+        <dsp:cNvSpPr/>
+      </dsp:nvSpPr>
+      <dsp:spPr>
+        <a:xfrm>
+          <a:off x="2166629" y="989648"/>
+          <a:ext cx="1706507" cy="1414457"/>
+        </a:xfrm>
+        <a:prstGeom prst="rect">
+          <a:avLst/>
+        </a:prstGeom>
+        <a:noFill/>
+        <a:ln>
+          <a:noFill/>
+        </a:ln>
+        <a:effectLst/>
+      </dsp:spPr>
+      <dsp:style>
+        <a:lnRef idx="0">
+          <a:scrgbClr r="0" g="0" b="0"/>
+        </a:lnRef>
+        <a:fillRef idx="0">
+          <a:scrgbClr r="0" g="0" b="0"/>
+        </a:fillRef>
+        <a:effectRef idx="0">
+          <a:scrgbClr r="0" g="0" b="0"/>
+        </a:effectRef>
+        <a:fontRef idx="minor"/>
+      </dsp:style>
+      <dsp:txBody>
+        <a:bodyPr spcFirstLastPara="0" vert="horz" wrap="square" lIns="0" tIns="0" rIns="0" bIns="0" numCol="1" spcCol="1270" rtlCol="0" anchor="t" anchorCtr="0">
+          <a:noAutofit/>
+        </a:bodyPr>
+        <a:lstStyle/>
+        <a:p>
+          <a:pPr lvl="0" algn="l" defTabSz="711200" rtl="0">
+            <a:lnSpc>
+              <a:spcPct val="90000"/>
+            </a:lnSpc>
+            <a:spcBef>
+              <a:spcPct val="0"/>
+            </a:spcBef>
+            <a:spcAft>
+              <a:spcPct val="35000"/>
+            </a:spcAft>
+          </a:pPr>
+          <a:r>
+            <a:rPr lang="pt-BR" sz="1600" b="1" kern="1200" noProof="0" dirty="0">
+              <a:solidFill>
+                <a:schemeClr val="tx1"/>
+              </a:solidFill>
+            </a:rPr>
+            <a:t>Post (Grupo Despesa)</a:t>
+          </a:r>
+        </a:p>
+        <a:p>
+          <a:pPr lvl="0" algn="l" defTabSz="711200" rtl="0">
+            <a:lnSpc>
+              <a:spcPct val="90000"/>
+            </a:lnSpc>
+            <a:spcBef>
+              <a:spcPct val="0"/>
+            </a:spcBef>
+            <a:spcAft>
+              <a:spcPct val="35000"/>
+            </a:spcAft>
+          </a:pPr>
+          <a:r>
+            <a:rPr lang="pt-BR" sz="1600" b="1" i="0" u="none" kern="1200" noProof="0" dirty="0">
+              <a:solidFill>
+                <a:schemeClr val="tx1"/>
+              </a:solidFill>
+            </a:rPr>
+            <a:t>Get (Grupo Despesa)</a:t>
+          </a:r>
+          <a:endParaRPr lang="pt-BR" sz="1600" b="1" kern="1200" noProof="0" dirty="0">
+            <a:solidFill>
+              <a:schemeClr val="tx1"/>
+            </a:solidFill>
+          </a:endParaRPr>
+        </a:p>
+        <a:p>
+          <a:pPr lvl="0" algn="l" defTabSz="711200" rtl="0">
+            <a:lnSpc>
+              <a:spcPct val="90000"/>
+            </a:lnSpc>
+            <a:spcBef>
+              <a:spcPct val="0"/>
+            </a:spcBef>
+            <a:spcAft>
+              <a:spcPct val="35000"/>
+            </a:spcAft>
+          </a:pPr>
+          <a:r>
+            <a:rPr lang="pt-BR" sz="1600" b="1" i="0" u="none" kern="1200" noProof="0" dirty="0">
+              <a:solidFill>
+                <a:schemeClr val="tx1"/>
+              </a:solidFill>
+            </a:rPr>
+            <a:t>Post (Lançamento Despesa) </a:t>
+          </a:r>
+          <a:endParaRPr lang="pt-BR" sz="1600" b="1" kern="1200" noProof="0" dirty="0">
+            <a:solidFill>
+              <a:schemeClr val="tx1"/>
+            </a:solidFill>
+          </a:endParaRPr>
+        </a:p>
+      </dsp:txBody>
+      <dsp:txXfrm>
+        <a:off x="2166629" y="989648"/>
+        <a:ext cx="1706507" cy="1414457"/>
+      </dsp:txXfrm>
+    </dsp:sp>
+    <dsp:sp modelId="{473F2067-7126-4D56-A328-5A8CFD3D8D52}">
+      <dsp:nvSpPr>
+        <dsp:cNvPr id="0" name=""/>
+        <dsp:cNvSpPr/>
+      </dsp:nvSpPr>
+      <dsp:spPr>
+        <a:xfrm rot="5400000">
+          <a:off x="3079227" y="1804573"/>
+          <a:ext cx="1999734" cy="168128"/>
+        </a:xfrm>
+        <a:prstGeom prst="corner">
+          <a:avLst>
+            <a:gd name="adj1" fmla="val 1000"/>
+            <a:gd name="adj2" fmla="val 1000"/>
+          </a:avLst>
+        </a:prstGeom>
+        <a:solidFill>
+          <a:schemeClr val="lt1">
+            <a:hueOff val="0"/>
+            <a:satOff val="0"/>
+            <a:lumOff val="0"/>
+            <a:alphaOff val="0"/>
+          </a:schemeClr>
+        </a:solidFill>
+        <a:ln w="12700" cap="flat" cmpd="sng" algn="ctr">
+          <a:solidFill>
+            <a:schemeClr val="accent5"/>
+          </a:solidFill>
+          <a:prstDash val="solid"/>
+          <a:miter lim="800000"/>
+        </a:ln>
+        <a:effectLst/>
+      </dsp:spPr>
+      <dsp:style>
+        <a:lnRef idx="2">
+          <a:scrgbClr r="0" g="0" b="0"/>
+        </a:lnRef>
+        <a:fillRef idx="1">
+          <a:scrgbClr r="0" g="0" b="0"/>
+        </a:fillRef>
+        <a:effectRef idx="0">
+          <a:scrgbClr r="0" g="0" b="0"/>
+        </a:effectRef>
+        <a:fontRef idx="minor"/>
+      </dsp:style>
+    </dsp:sp>
+    <dsp:sp modelId="{7A0B5EFC-88FB-4ED5-994F-D5F6584C2293}">
+      <dsp:nvSpPr>
+        <dsp:cNvPr id="0" name=""/>
+        <dsp:cNvSpPr/>
+      </dsp:nvSpPr>
+      <dsp:spPr>
+        <a:xfrm>
+          <a:off x="3995030" y="2888505"/>
+          <a:ext cx="2101609" cy="666578"/>
+        </a:xfrm>
+        <a:prstGeom prst="chevron">
+          <a:avLst>
+            <a:gd name="adj" fmla="val 25000"/>
+          </a:avLst>
+        </a:prstGeom>
+        <a:solidFill>
+          <a:srgbClr val="00B050"/>
+        </a:solidFill>
+        <a:ln w="12700" cap="flat" cmpd="sng" algn="ctr">
+          <a:solidFill>
+            <a:schemeClr val="accent5"/>
+          </a:solidFill>
+          <a:prstDash val="solid"/>
+          <a:miter lim="800000"/>
+        </a:ln>
+        <a:effectLst/>
+      </dsp:spPr>
+      <dsp:style>
+        <a:lnRef idx="2">
+          <a:scrgbClr r="0" g="0" b="0"/>
+        </a:lnRef>
+        <a:fillRef idx="1">
+          <a:scrgbClr r="0" g="0" b="0"/>
+        </a:fillRef>
+        <a:effectRef idx="0">
+          <a:scrgbClr r="0" g="0" b="0"/>
+        </a:effectRef>
+        <a:fontRef idx="minor">
+          <a:schemeClr val="lt1"/>
+        </a:fontRef>
+      </dsp:style>
+      <dsp:txBody>
+        <a:bodyPr spcFirstLastPara="0" vert="horz" wrap="square" lIns="107950" tIns="215900" rIns="107950" bIns="215900" numCol="1" spcCol="1270" rtlCol="0" anchor="ctr" anchorCtr="0">
+          <a:noAutofit/>
+        </a:bodyPr>
+        <a:lstStyle/>
+        <a:p>
+          <a:pPr lvl="0" algn="ctr" defTabSz="755650" rtl="0">
+            <a:lnSpc>
+              <a:spcPct val="90000"/>
+            </a:lnSpc>
+            <a:spcBef>
+              <a:spcPct val="0"/>
+            </a:spcBef>
+            <a:spcAft>
+              <a:spcPct val="35000"/>
+            </a:spcAft>
+          </a:pPr>
+          <a:r>
+            <a:rPr lang="pt-BR" sz="1700" kern="1200" noProof="0" dirty="0"/>
+            <a:t>Conta Bancária</a:t>
+          </a:r>
+        </a:p>
+      </dsp:txBody>
+      <dsp:txXfrm>
+        <a:off x="4161675" y="2888505"/>
+        <a:ext cx="1768320" cy="666578"/>
+      </dsp:txXfrm>
+    </dsp:sp>
+    <dsp:sp modelId="{FD7B29F2-0D66-4B4B-BC8A-82DA23575305}">
+      <dsp:nvSpPr>
+        <dsp:cNvPr id="0" name=""/>
+        <dsp:cNvSpPr/>
+      </dsp:nvSpPr>
+      <dsp:spPr>
+        <a:xfrm>
+          <a:off x="4163158" y="989648"/>
+          <a:ext cx="1706507" cy="1414457"/>
+        </a:xfrm>
+        <a:prstGeom prst="rect">
+          <a:avLst/>
+        </a:prstGeom>
+        <a:noFill/>
+        <a:ln>
+          <a:noFill/>
+        </a:ln>
+        <a:effectLst/>
+      </dsp:spPr>
+      <dsp:style>
+        <a:lnRef idx="0">
+          <a:scrgbClr r="0" g="0" b="0"/>
+        </a:lnRef>
+        <a:fillRef idx="0">
+          <a:scrgbClr r="0" g="0" b="0"/>
+        </a:fillRef>
+        <a:effectRef idx="0">
+          <a:scrgbClr r="0" g="0" b="0"/>
+        </a:effectRef>
+        <a:fontRef idx="minor"/>
+      </dsp:style>
+      <dsp:txBody>
+        <a:bodyPr spcFirstLastPara="0" vert="horz" wrap="square" lIns="0" tIns="0" rIns="0" bIns="0" numCol="1" spcCol="1270" rtlCol="0" anchor="t" anchorCtr="0">
+          <a:noAutofit/>
+        </a:bodyPr>
+        <a:lstStyle/>
         <a:p>
           <a:pPr lvl="0" algn="l" defTabSz="800100" rtl="0">
             <a:lnSpc>
@@ -3372,12 +5900,12 @@
             </a:spcAft>
           </a:pPr>
           <a:r>
-            <a:rPr lang="pt-BR" sz="1800" b="1" kern="1200" noProof="0" dirty="0" smtClean="0">
+            <a:rPr lang="pt-BR" sz="1800" b="1" i="0" u="none" kern="1200" noProof="0" dirty="0">
               <a:solidFill>
                 <a:schemeClr val="tx1"/>
               </a:solidFill>
             </a:rPr>
-            <a:t>Listar Usuário (Get)</a:t>
+            <a:t>Post (Banco)</a:t>
           </a:r>
           <a:endParaRPr lang="pt-BR" sz="1800" b="1" kern="1200" noProof="0" dirty="0">
             <a:solidFill>
@@ -3398,12 +5926,20 @@
             </a:spcAft>
           </a:pPr>
           <a:r>
-            <a:rPr lang="pt-BR" sz="1800" b="1" kern="1200" noProof="0" dirty="0" smtClean="0">
+            <a:rPr lang="pt-BR" sz="1800" b="1" kern="1200" noProof="0" dirty="0" err="1">
               <a:solidFill>
                 <a:schemeClr val="tx1"/>
               </a:solidFill>
             </a:rPr>
-            <a:t>E-mail Único Validador</a:t>
+            <a:t>Get</a:t>
+          </a:r>
+          <a:r>
+            <a:rPr lang="pt-BR" sz="1800" b="1" kern="1200" noProof="0" dirty="0">
+              <a:solidFill>
+                <a:schemeClr val="tx1"/>
+              </a:solidFill>
+            </a:rPr>
+            <a:t>(Banco)</a:t>
           </a:r>
         </a:p>
         <a:p>
@@ -3418,11 +5954,382 @@
               <a:spcPct val="35000"/>
             </a:spcAft>
           </a:pPr>
-          <a:endParaRPr lang="pt-BR" sz="1800" kern="1200" noProof="0" dirty="0" smtClean="0">
+          <a:r>
+            <a:rPr lang="pt-BR" sz="1800" b="1" kern="1200" noProof="0" dirty="0">
+              <a:solidFill>
+                <a:schemeClr val="tx1"/>
+              </a:solidFill>
+            </a:rPr>
+            <a:t>Post(Agência)</a:t>
+          </a:r>
+        </a:p>
+      </dsp:txBody>
+      <dsp:txXfrm>
+        <a:off x="4163158" y="989648"/>
+        <a:ext cx="1706507" cy="1414457"/>
+      </dsp:txXfrm>
+    </dsp:sp>
+    <dsp:sp modelId="{2377F551-4CF6-4656-B644-60A7FC1B0F64}">
+      <dsp:nvSpPr>
+        <dsp:cNvPr id="0" name=""/>
+        <dsp:cNvSpPr/>
+      </dsp:nvSpPr>
+      <dsp:spPr>
+        <a:xfrm rot="5400000">
+          <a:off x="5075756" y="1804573"/>
+          <a:ext cx="1999734" cy="168128"/>
+        </a:xfrm>
+        <a:prstGeom prst="corner">
+          <a:avLst>
+            <a:gd name="adj1" fmla="val 1000"/>
+            <a:gd name="adj2" fmla="val 1000"/>
+          </a:avLst>
+        </a:prstGeom>
+        <a:solidFill>
+          <a:schemeClr val="lt1">
+            <a:hueOff val="0"/>
+            <a:satOff val="0"/>
+            <a:lumOff val="0"/>
+            <a:alphaOff val="0"/>
+          </a:schemeClr>
+        </a:solidFill>
+        <a:ln w="12700" cap="flat" cmpd="sng" algn="ctr">
+          <a:solidFill>
+            <a:schemeClr val="accent3"/>
+          </a:solidFill>
+          <a:prstDash val="solid"/>
+          <a:miter lim="800000"/>
+        </a:ln>
+        <a:effectLst/>
+      </dsp:spPr>
+      <dsp:style>
+        <a:lnRef idx="2">
+          <a:scrgbClr r="0" g="0" b="0"/>
+        </a:lnRef>
+        <a:fillRef idx="1">
+          <a:scrgbClr r="0" g="0" b="0"/>
+        </a:fillRef>
+        <a:effectRef idx="0">
+          <a:scrgbClr r="0" g="0" b="0"/>
+        </a:effectRef>
+        <a:fontRef idx="minor"/>
+      </dsp:style>
+    </dsp:sp>
+    <dsp:sp modelId="{69ED255C-64AC-4764-BC2C-7679ECCC9FE9}">
+      <dsp:nvSpPr>
+        <dsp:cNvPr id="0" name=""/>
+        <dsp:cNvSpPr/>
+      </dsp:nvSpPr>
+      <dsp:spPr>
+        <a:xfrm>
+          <a:off x="5991559" y="2888505"/>
+          <a:ext cx="2101609" cy="666578"/>
+        </a:xfrm>
+        <a:prstGeom prst="chevron">
+          <a:avLst>
+            <a:gd name="adj" fmla="val 25000"/>
+          </a:avLst>
+        </a:prstGeom>
+        <a:solidFill>
+          <a:schemeClr val="accent4">
+            <a:lumMod val="75000"/>
+          </a:schemeClr>
+        </a:solidFill>
+        <a:ln w="12700" cap="flat" cmpd="sng" algn="ctr">
+          <a:solidFill>
+            <a:schemeClr val="accent3"/>
+          </a:solidFill>
+          <a:prstDash val="solid"/>
+          <a:miter lim="800000"/>
+        </a:ln>
+        <a:effectLst/>
+      </dsp:spPr>
+      <dsp:style>
+        <a:lnRef idx="2">
+          <a:scrgbClr r="0" g="0" b="0"/>
+        </a:lnRef>
+        <a:fillRef idx="1">
+          <a:scrgbClr r="0" g="0" b="0"/>
+        </a:fillRef>
+        <a:effectRef idx="0">
+          <a:scrgbClr r="0" g="0" b="0"/>
+        </a:effectRef>
+        <a:fontRef idx="minor">
+          <a:schemeClr val="lt1"/>
+        </a:fontRef>
+      </dsp:style>
+      <dsp:txBody>
+        <a:bodyPr spcFirstLastPara="0" vert="horz" wrap="square" lIns="107950" tIns="215900" rIns="107950" bIns="215900" numCol="1" spcCol="1270" rtlCol="0" anchor="ctr" anchorCtr="0">
+          <a:noAutofit/>
+        </a:bodyPr>
+        <a:lstStyle/>
+        <a:p>
+          <a:pPr lvl="0" algn="ctr" defTabSz="755650" rtl="0">
+            <a:lnSpc>
+              <a:spcPct val="90000"/>
+            </a:lnSpc>
+            <a:spcBef>
+              <a:spcPct val="0"/>
+            </a:spcBef>
+            <a:spcAft>
+              <a:spcPct val="35000"/>
+            </a:spcAft>
+          </a:pPr>
+          <a:r>
+            <a:rPr lang="pt-BR" sz="1700" kern="1200" noProof="0" dirty="0"/>
+            <a:t>Relatórios</a:t>
+          </a:r>
+        </a:p>
+      </dsp:txBody>
+      <dsp:txXfrm>
+        <a:off x="6158204" y="2888505"/>
+        <a:ext cx="1768320" cy="666578"/>
+      </dsp:txXfrm>
+    </dsp:sp>
+    <dsp:sp modelId="{1F1B09A6-DA7E-41D1-B8A6-E3B6E775E5C1}">
+      <dsp:nvSpPr>
+        <dsp:cNvPr id="0" name=""/>
+        <dsp:cNvSpPr/>
+      </dsp:nvSpPr>
+      <dsp:spPr>
+        <a:xfrm>
+          <a:off x="6159688" y="989648"/>
+          <a:ext cx="1706507" cy="1414457"/>
+        </a:xfrm>
+        <a:prstGeom prst="rect">
+          <a:avLst/>
+        </a:prstGeom>
+        <a:noFill/>
+        <a:ln>
+          <a:noFill/>
+        </a:ln>
+        <a:effectLst/>
+      </dsp:spPr>
+      <dsp:style>
+        <a:lnRef idx="0">
+          <a:scrgbClr r="0" g="0" b="0"/>
+        </a:lnRef>
+        <a:fillRef idx="0">
+          <a:scrgbClr r="0" g="0" b="0"/>
+        </a:fillRef>
+        <a:effectRef idx="0">
+          <a:scrgbClr r="0" g="0" b="0"/>
+        </a:effectRef>
+        <a:fontRef idx="minor"/>
+      </dsp:style>
+      <dsp:txBody>
+        <a:bodyPr spcFirstLastPara="0" vert="horz" wrap="square" lIns="0" tIns="0" rIns="0" bIns="0" numCol="1" spcCol="1270" rtlCol="0" anchor="t" anchorCtr="0">
+          <a:noAutofit/>
+        </a:bodyPr>
+        <a:lstStyle/>
+        <a:p>
+          <a:pPr lvl="0" algn="l" defTabSz="711200" rtl="0">
+            <a:lnSpc>
+              <a:spcPct val="90000"/>
+            </a:lnSpc>
+            <a:spcBef>
+              <a:spcPct val="0"/>
+            </a:spcBef>
+            <a:spcAft>
+              <a:spcPct val="35000"/>
+            </a:spcAft>
+          </a:pPr>
+          <a:r>
+            <a:rPr lang="pt-BR" sz="1600" b="0" i="0" u="none" kern="1200" noProof="0" dirty="0" smtClean="0">
+              <a:solidFill>
+                <a:srgbClr val="FF0000"/>
+              </a:solidFill>
+            </a:rPr>
+            <a:t>Configuração de Filtros</a:t>
+          </a:r>
+          <a:endParaRPr lang="pt-BR" sz="1600" b="1" kern="1200" noProof="0" dirty="0"/>
+        </a:p>
+      </dsp:txBody>
+      <dsp:txXfrm>
+        <a:off x="6159688" y="989648"/>
+        <a:ext cx="1706507" cy="1414457"/>
+      </dsp:txXfrm>
+    </dsp:sp>
+    <dsp:sp modelId="{E2C584B7-5B6E-4F6E-A7B8-E679FEF7BC4D}">
+      <dsp:nvSpPr>
+        <dsp:cNvPr id="0" name=""/>
+        <dsp:cNvSpPr/>
+      </dsp:nvSpPr>
+      <dsp:spPr>
+        <a:xfrm rot="5400000">
+          <a:off x="7072286" y="1804573"/>
+          <a:ext cx="1999734" cy="168128"/>
+        </a:xfrm>
+        <a:prstGeom prst="corner">
+          <a:avLst>
+            <a:gd name="adj1" fmla="val 1000"/>
+            <a:gd name="adj2" fmla="val 1000"/>
+          </a:avLst>
+        </a:prstGeom>
+        <a:solidFill>
+          <a:schemeClr val="lt1">
+            <a:hueOff val="0"/>
+            <a:satOff val="0"/>
+            <a:lumOff val="0"/>
+            <a:alphaOff val="0"/>
+          </a:schemeClr>
+        </a:solidFill>
+        <a:ln w="12700" cap="flat" cmpd="sng" algn="ctr">
+          <a:solidFill>
+            <a:schemeClr val="accent4"/>
+          </a:solidFill>
+          <a:prstDash val="solid"/>
+          <a:miter lim="800000"/>
+        </a:ln>
+        <a:effectLst/>
+      </dsp:spPr>
+      <dsp:style>
+        <a:lnRef idx="2">
+          <a:scrgbClr r="0" g="0" b="0"/>
+        </a:lnRef>
+        <a:fillRef idx="1">
+          <a:scrgbClr r="0" g="0" b="0"/>
+        </a:fillRef>
+        <a:effectRef idx="0">
+          <a:scrgbClr r="0" g="0" b="0"/>
+        </a:effectRef>
+        <a:fontRef idx="minor"/>
+      </dsp:style>
+    </dsp:sp>
+    <dsp:sp modelId="{B89F8758-DA9D-4018-859A-710084D7ABF3}">
+      <dsp:nvSpPr>
+        <dsp:cNvPr id="0" name=""/>
+        <dsp:cNvSpPr/>
+      </dsp:nvSpPr>
+      <dsp:spPr>
+        <a:xfrm>
+          <a:off x="7988088" y="2888505"/>
+          <a:ext cx="2101609" cy="666578"/>
+        </a:xfrm>
+        <a:prstGeom prst="chevron">
+          <a:avLst>
+            <a:gd name="adj" fmla="val 25000"/>
+          </a:avLst>
+        </a:prstGeom>
+        <a:solidFill>
+          <a:srgbClr val="FFC000"/>
+        </a:solidFill>
+        <a:ln w="12700" cap="flat" cmpd="sng" algn="ctr">
+          <a:solidFill>
+            <a:schemeClr val="accent4"/>
+          </a:solidFill>
+          <a:prstDash val="solid"/>
+          <a:miter lim="800000"/>
+        </a:ln>
+        <a:effectLst/>
+      </dsp:spPr>
+      <dsp:style>
+        <a:lnRef idx="2">
+          <a:scrgbClr r="0" g="0" b="0"/>
+        </a:lnRef>
+        <a:fillRef idx="1">
+          <a:scrgbClr r="0" g="0" b="0"/>
+        </a:fillRef>
+        <a:effectRef idx="0">
+          <a:scrgbClr r="0" g="0" b="0"/>
+        </a:effectRef>
+        <a:fontRef idx="minor">
+          <a:schemeClr val="lt1"/>
+        </a:fontRef>
+      </dsp:style>
+      <dsp:txBody>
+        <a:bodyPr spcFirstLastPara="0" vert="horz" wrap="square" lIns="107950" tIns="215900" rIns="107950" bIns="215900" numCol="1" spcCol="1270" rtlCol="0" anchor="ctr" anchorCtr="0">
+          <a:noAutofit/>
+        </a:bodyPr>
+        <a:lstStyle/>
+        <a:p>
+          <a:pPr lvl="0" algn="ctr" defTabSz="755650" rtl="0">
+            <a:lnSpc>
+              <a:spcPct val="90000"/>
+            </a:lnSpc>
+            <a:spcBef>
+              <a:spcPct val="0"/>
+            </a:spcBef>
+            <a:spcAft>
+              <a:spcPct val="35000"/>
+            </a:spcAft>
+          </a:pPr>
+          <a:r>
+            <a:rPr lang="pt-BR" sz="1700" kern="1200" noProof="0" smtClean="0">
+              <a:solidFill>
+                <a:schemeClr val="tx1"/>
+              </a:solidFill>
+            </a:rPr>
+            <a:t>Login</a:t>
+          </a:r>
+          <a:endParaRPr lang="pt-BR" sz="1700" kern="1200" noProof="0" dirty="0">
             <a:solidFill>
               <a:schemeClr val="tx1"/>
             </a:solidFill>
           </a:endParaRPr>
+        </a:p>
+      </dsp:txBody>
+      <dsp:txXfrm>
+        <a:off x="8154733" y="2888505"/>
+        <a:ext cx="1768320" cy="666578"/>
+      </dsp:txXfrm>
+    </dsp:sp>
+    <dsp:sp modelId="{B73D2BBA-574C-491E-A31C-8B6EA5CC871A}">
+      <dsp:nvSpPr>
+        <dsp:cNvPr id="0" name=""/>
+        <dsp:cNvSpPr/>
+      </dsp:nvSpPr>
+      <dsp:spPr>
+        <a:xfrm>
+          <a:off x="8156217" y="989648"/>
+          <a:ext cx="1706507" cy="1414457"/>
+        </a:xfrm>
+        <a:prstGeom prst="rect">
+          <a:avLst/>
+        </a:prstGeom>
+        <a:noFill/>
+        <a:ln>
+          <a:noFill/>
+        </a:ln>
+        <a:effectLst/>
+      </dsp:spPr>
+      <dsp:style>
+        <a:lnRef idx="0">
+          <a:scrgbClr r="0" g="0" b="0"/>
+        </a:lnRef>
+        <a:fillRef idx="0">
+          <a:scrgbClr r="0" g="0" b="0"/>
+        </a:fillRef>
+        <a:effectRef idx="0">
+          <a:scrgbClr r="0" g="0" b="0"/>
+        </a:effectRef>
+        <a:fontRef idx="minor"/>
+      </dsp:style>
+      <dsp:txBody>
+        <a:bodyPr spcFirstLastPara="0" vert="horz" wrap="square" lIns="0" tIns="0" rIns="0" bIns="0" numCol="1" spcCol="1270" rtlCol="0" anchor="t" anchorCtr="0">
+          <a:noAutofit/>
+        </a:bodyPr>
+        <a:lstStyle/>
+        <a:p>
+          <a:pPr lvl="0" algn="l" defTabSz="800100" rtl="0">
+            <a:lnSpc>
+              <a:spcPct val="90000"/>
+            </a:lnSpc>
+            <a:spcBef>
+              <a:spcPct val="0"/>
+            </a:spcBef>
+            <a:spcAft>
+              <a:spcPct val="35000"/>
+            </a:spcAft>
+          </a:pPr>
+          <a:r>
+            <a:rPr lang="pt-BR" sz="1800" kern="1200" noProof="0" dirty="0" smtClean="0">
+              <a:solidFill>
+                <a:srgbClr val="FF0000"/>
+              </a:solidFill>
+            </a:rPr>
+            <a:t>Vincular Validação de Acesso na Tela Home</a:t>
+          </a:r>
         </a:p>
         <a:p>
           <a:pPr lvl="0" algn="l" defTabSz="800100" rtl="0">
@@ -3436,7 +6343,7 @@
               <a:spcPct val="35000"/>
             </a:spcAft>
           </a:pPr>
-          <a:endParaRPr lang="pt-BR" sz="1800" kern="1200" noProof="0" dirty="0">
+          <a:endParaRPr lang="pt-BR" sz="1800" b="1" kern="1200" noProof="0" dirty="0">
             <a:solidFill>
               <a:schemeClr val="tx1"/>
             </a:solidFill>
@@ -3444,8 +6351,8 @@
         </a:p>
       </dsp:txBody>
       <dsp:txXfrm>
-        <a:off x="8006156" y="982941"/>
-        <a:ext cx="1675110" cy="1414310"/>
+        <a:off x="8156217" y="989648"/>
+        <a:ext cx="1706507" cy="1414457"/>
       </dsp:txXfrm>
     </dsp:sp>
   </dsp:spTree>
@@ -3453,6 +6360,405 @@
 </file>
 
 <file path=ppt/diagrams/layout1.xml><?xml version="1.0" encoding="utf-8"?>
+<dgm:layoutDef xmlns:dgm="http://schemas.openxmlformats.org/drawingml/2006/diagram" xmlns:a="http://schemas.openxmlformats.org/drawingml/2006/main" uniqueId="urn:microsoft.com/office/officeart/2016/7/layout/AccentHomeChevronProcess">
+  <dgm:title val="Destacar Processo Inicial em Divisas"/>
+  <dgm:desc val="Use para mostrar uma progressão. uma linha do tempo; etapas sequenciais em uma tarefa, um processo ou um fluxo de trabalho; ou para enfatizar o movimento ou a direção. O texto de nível 1 é exibido dentro de uma forma de divisa, exceto à primeira forma que vem em uma forma inicial, enquanto o texto de nível 2 é exibido acima das formas de retângulo invisíveis."/>
+  <dgm:catLst>
+    <dgm:cat type="process" pri="500"/>
+    <dgm:cat type="timeline" pri="600"/>
+  </dgm:catLst>
+  <dgm:sampData>
+    <dgm:dataModel>
+      <dgm:ptLst>
+        <dgm:pt modelId="0" type="doc"/>
+        <dgm:pt modelId="10">
+          <dgm:prSet phldr="1"/>
+        </dgm:pt>
+        <dgm:pt modelId="11">
+          <dgm:prSet phldr="1"/>
+        </dgm:pt>
+        <dgm:pt modelId="20">
+          <dgm:prSet phldr="1"/>
+        </dgm:pt>
+        <dgm:pt modelId="21">
+          <dgm:prSet phldr="1"/>
+        </dgm:pt>
+        <dgm:pt modelId="30">
+          <dgm:prSet phldr="1"/>
+        </dgm:pt>
+        <dgm:pt modelId="31">
+          <dgm:prSet phldr="1"/>
+        </dgm:pt>
+      </dgm:ptLst>
+      <dgm:cxnLst>
+        <dgm:cxn modelId="40" srcId="0" destId="10" srcOrd="0" destOrd="0"/>
+        <dgm:cxn modelId="12" srcId="10" destId="11" srcOrd="0" destOrd="0"/>
+        <dgm:cxn modelId="50" srcId="0" destId="20" srcOrd="1" destOrd="0"/>
+        <dgm:cxn modelId="22" srcId="20" destId="21" srcOrd="0" destOrd="0"/>
+        <dgm:cxn modelId="60" srcId="0" destId="30" srcOrd="1" destOrd="0"/>
+        <dgm:cxn modelId="32" srcId="30" destId="31" srcOrd="0" destOrd="0"/>
+      </dgm:cxnLst>
+      <dgm:bg/>
+      <dgm:whole/>
+    </dgm:dataModel>
+  </dgm:sampData>
+  <dgm:styleData>
+    <dgm:dataModel>
+      <dgm:ptLst>
+        <dgm:pt modelId="0" type="doc"/>
+        <dgm:pt modelId="10">
+          <dgm:prSet phldr="1"/>
+        </dgm:pt>
+        <dgm:pt modelId="20">
+          <dgm:prSet phldr="1"/>
+        </dgm:pt>
+      </dgm:ptLst>
+      <dgm:cxnLst>
+        <dgm:cxn modelId="60" srcId="0" destId="10" srcOrd="0" destOrd="0"/>
+        <dgm:cxn modelId="70" srcId="0" destId="20" srcOrd="1" destOrd="0"/>
+      </dgm:cxnLst>
+      <dgm:bg/>
+      <dgm:whole/>
+    </dgm:dataModel>
+  </dgm:styleData>
+  <dgm:clrData>
+    <dgm:dataModel>
+      <dgm:ptLst>
+        <dgm:pt modelId="0" type="doc"/>
+        <dgm:pt modelId="10">
+          <dgm:prSet phldr="1"/>
+        </dgm:pt>
+        <dgm:pt modelId="20">
+          <dgm:prSet phldr="1"/>
+        </dgm:pt>
+        <dgm:pt modelId="30">
+          <dgm:prSet phldr="1"/>
+        </dgm:pt>
+        <dgm:pt modelId="40">
+          <dgm:prSet phldr="1"/>
+        </dgm:pt>
+      </dgm:ptLst>
+      <dgm:cxnLst>
+        <dgm:cxn modelId="60" srcId="0" destId="10" srcOrd="0" destOrd="0"/>
+        <dgm:cxn modelId="70" srcId="0" destId="20" srcOrd="1" destOrd="0"/>
+        <dgm:cxn modelId="80" srcId="0" destId="30" srcOrd="2" destOrd="0"/>
+        <dgm:cxn modelId="90" srcId="0" destId="40" srcOrd="3" destOrd="0"/>
+      </dgm:cxnLst>
+      <dgm:bg/>
+      <dgm:whole/>
+    </dgm:dataModel>
+  </dgm:clrData>
+  <dgm:layoutNode name="Name0">
+    <dgm:varLst>
+      <dgm:animLvl val="lvl"/>
+      <dgm:resizeHandles val="exact"/>
+    </dgm:varLst>
+    <dgm:choose name="Name1">
+      <dgm:if name="Name2" func="var" arg="dir" op="equ" val="norm">
+        <dgm:alg type="lin"/>
+      </dgm:if>
+      <dgm:else name="Name3">
+        <dgm:alg type="lin">
+          <dgm:param type="linDir" val="fromR"/>
+        </dgm:alg>
+      </dgm:else>
+    </dgm:choose>
+    <dgm:shape xmlns:r="http://schemas.openxmlformats.org/officeDocument/2006/relationships" r:blip="">
+      <dgm:adjLst/>
+    </dgm:shape>
+    <dgm:presOf/>
+    <dgm:choose name="contrsBasedOnsibTransCount">
+      <dgm:if name="oneSibTrans" axis="ch" ptType="sibTrans" func="cnt" op="equ" val="1">
+        <dgm:constrLst>
+          <dgm:constr type="h" for="ch" forName="composite" refType="h" fact="0.6"/>
+          <dgm:constr type="w" for="ch" forName="composite" refType="w"/>
+          <dgm:constr type="primFontSz" for="des" forName="parTx" val="20"/>
+          <dgm:constr type="primFontSz" for="des" forName="desTx" refType="primFontSz" refFor="des" refForName="parTx" op="lte"/>
+          <dgm:constr type="primFontSz" for="des" forName="parTx" op="equ"/>
+          <dgm:constr type="primFontSz" for="des" forName="desTx" op="equ"/>
+          <dgm:constr type="w" for="ch" forName="space" refType="w" refFor="ch" refForName="composite" fact="-0.02"/>
+          <dgm:constr type="w" for="ch" ptType="sibTrans" op="equ"/>
+        </dgm:constrLst>
+      </dgm:if>
+      <dgm:else name="moreThanOneSibTrans">
+        <dgm:choose name="contrsForMoreThanOneSibTrans">
+          <dgm:if name="twoSibTrans" axis="ch" ptType="sibTrans" func="cnt" op="equ" val="2">
+            <dgm:constrLst>
+              <dgm:constr type="h" for="ch" forName="composite" refType="h" fact="0.6"/>
+              <dgm:constr type="w" for="ch" forName="composite" refType="w"/>
+              <dgm:constr type="primFontSz" for="des" forName="parTx" val="20"/>
+              <dgm:constr type="primFontSz" for="des" forName="desTx" refType="primFontSz" refFor="des" refForName="parTx" op="lte"/>
+              <dgm:constr type="primFontSz" for="des" forName="parTx" op="equ"/>
+              <dgm:constr type="primFontSz" for="des" forName="desTx" op="equ"/>
+              <dgm:constr type="w" for="ch" forName="space" refType="w" refFor="ch" refForName="composite" fact="-0.03"/>
+              <dgm:constr type="w" for="ch" ptType="sibTrans" op="equ"/>
+            </dgm:constrLst>
+          </dgm:if>
+          <dgm:else name="moreThanTwoSibTrans">
+            <dgm:choose name="contrsForMoreThanTwoSibTrans">
+              <dgm:if name="threeSibTrans" axis="ch" ptType="sibTrans" func="cnt" op="equ" val="3">
+                <dgm:constrLst>
+                  <dgm:constr type="h" for="ch" forName="composite" refType="h" fact="0.6"/>
+                  <dgm:constr type="w" for="ch" forName="composite" refType="w"/>
+                  <dgm:constr type="primFontSz" for="des" forName="parTx" val="20"/>
+                  <dgm:constr type="primFontSz" for="des" forName="desTx" refType="primFontSz" refFor="des" refForName="parTx" op="lte"/>
+                  <dgm:constr type="primFontSz" for="des" forName="parTx" op="equ"/>
+                  <dgm:constr type="primFontSz" for="des" forName="desTx" op="equ"/>
+                  <dgm:constr type="w" for="ch" forName="space" refType="w" refFor="ch" refForName="composite" fact="-0.04"/>
+                  <dgm:constr type="w" for="ch" ptType="sibTrans" op="equ"/>
+                </dgm:constrLst>
+              </dgm:if>
+              <dgm:else name="moreThanThreeSibTrans">
+                <dgm:choose name="contrsForMoreThanThreeSibTrans">
+                  <dgm:if name="fourToSixSibTrans" axis="ch" ptType="sibTrans" func="cnt" op="lte" val="6">
+                    <dgm:constrLst>
+                      <dgm:constr type="h" for="ch" forName="composite" refType="h" fact="0.6"/>
+                      <dgm:constr type="w" for="ch" forName="composite" refType="w"/>
+                      <dgm:constr type="primFontSz" for="des" forName="parTx" val="20"/>
+                      <dgm:constr type="primFontSz" for="des" forName="desTx" refType="primFontSz" refFor="des" refForName="parTx" op="lte"/>
+                      <dgm:constr type="primFontSz" for="des" forName="parTx" op="equ"/>
+                      <dgm:constr type="primFontSz" for="des" forName="desTx" op="equ"/>
+                      <dgm:constr type="w" for="ch" forName="space" refType="w" refFor="ch" refForName="composite" fact="-0.05"/>
+                      <dgm:constr type="w" for="ch" ptType="sibTrans" op="equ"/>
+                    </dgm:constrLst>
+                  </dgm:if>
+                  <dgm:else name="moreThanSixSibTrans">
+                    <dgm:choose name="contrsForMoreThanSixSibTrans">
+                      <dgm:if name="sevenToEightSibTrans" axis="ch" ptType="sibTrans" func="cnt" op="lte" val="8">
+                        <dgm:constrLst>
+                          <dgm:constr type="h" for="ch" forName="composite" refType="h" fact="0.6"/>
+                          <dgm:constr type="w" for="ch" forName="composite" refType="w"/>
+                          <dgm:constr type="primFontSz" for="des" forName="parTx" val="20"/>
+                          <dgm:constr type="primFontSz" for="des" forName="desTx" refType="primFontSz" refFor="des" refForName="parTx" op="lte"/>
+                          <dgm:constr type="primFontSz" for="des" forName="parTx" op="equ"/>
+                          <dgm:constr type="primFontSz" for="des" forName="desTx" op="equ"/>
+                          <dgm:constr type="w" for="ch" forName="space" refType="w" refFor="ch" refForName="composite" fact="-0.07"/>
+                          <dgm:constr type="w" for="ch" ptType="sibTrans" op="equ"/>
+                        </dgm:constrLst>
+                      </dgm:if>
+                      <dgm:else name="moreThanEightSibTrans">
+                        <dgm:constrLst>
+                          <dgm:constr type="h" for="ch" forName="composite" refType="h" fact="0.6"/>
+                          <dgm:constr type="w" for="ch" forName="composite" refType="w"/>
+                          <dgm:constr type="primFontSz" for="des" forName="parTx" val="20"/>
+                          <dgm:constr type="primFontSz" for="des" forName="desTx" refType="primFontSz" refFor="des" refForName="parTx" op="lte"/>
+                          <dgm:constr type="primFontSz" for="des" forName="parTx" op="equ"/>
+                          <dgm:constr type="primFontSz" for="des" forName="desTx" op="equ"/>
+                          <dgm:constr type="w" for="ch" forName="space" refType="w" refFor="ch" refForName="composite" fact="-0.09"/>
+                          <dgm:constr type="w" for="ch" ptType="sibTrans" op="equ"/>
+                        </dgm:constrLst>
+                      </dgm:else>
+                    </dgm:choose>
+                  </dgm:else>
+                </dgm:choose>
+              </dgm:else>
+            </dgm:choose>
+          </dgm:else>
+        </dgm:choose>
+      </dgm:else>
+    </dgm:choose>
+    <dgm:ruleLst/>
+    <dgm:forEach name="Name6" axis="ch" ptType="node">
+      <dgm:layoutNode name="composite">
+        <dgm:alg type="composite"/>
+        <dgm:shape xmlns:r="http://schemas.openxmlformats.org/officeDocument/2006/relationships" r:blip="">
+          <dgm:adjLst/>
+        </dgm:shape>
+        <dgm:presOf/>
+        <dgm:choose name="LayoutLTRorRTL">
+          <dgm:if name="LayoutLTR" func="var" arg="dir" op="equ" val="norm">
+            <dgm:constrLst>
+              <dgm:constr type="w" for="ch" forName="L" refType="w" fact="0.08"/>
+              <dgm:constr type="h" for="ch" forName="L" refType="h" fact="0.75"/>
+              <dgm:constr type="l" for="ch" forName="L"/>
+              <dgm:constr type="l" for="ch" forName="parTx"/>
+              <dgm:constr type="w" for="ch" forName="parTx" refType="w"/>
+              <dgm:constr type="h" for="ch" forName="parTx" refType="h" fact="0.25"/>
+              <dgm:constr type="t" for="ch" forName="parTx" refType="b" refFor="ch" refForName="L"/>
+              <dgm:constr type="t" for="ch" forName="desTx" refType="w" refFor="ch" refForName="L" fact="0.6"/>
+              <dgm:constr type="b" for="ch" forName="desTx" refType="t" refFor="ch" refForName="EmptyPlaceHolder"/>
+              <dgm:constr type="l" for="ch" forName="desTx" refType="r" refFor="ch" refForName="L"/>
+              <dgm:constr type="w" for="ch" forName="desTx" refType="w" fact="0.812"/>
+              <dgm:constr type="w" for="ch" forName="EmptyPlaceHolder" refType="w" fact="0.82"/>
+              <dgm:constr type="l" for="ch" forName="EmptyPlaceHolder" refType="r" refFor="ch" refForName="L"/>
+              <dgm:constr type="b" for="ch" forName="EmptyPlaceHolder" refType="b" refFor="ch" refForName="L"/>
+              <dgm:constr type="h" for="ch" forName="EmptyPlaceHolder" refType="t" refFor="ch" refForName="desTx"/>
+            </dgm:constrLst>
+          </dgm:if>
+          <dgm:else name="LayoutRTL">
+            <dgm:constrLst>
+              <dgm:constr type="w" for="ch" forName="L" refType="w" fact="0.08"/>
+              <dgm:constr type="h" for="ch" forName="L" refType="h" fact="0.75"/>
+              <dgm:constr type="r" for="ch" forName="L" refType="w"/>
+              <dgm:constr type="r" for="ch" forName="parTx" refType="w"/>
+              <dgm:constr type="w" for="ch" forName="parTx" refType="w"/>
+              <dgm:constr type="h" for="ch" forName="parTx" refType="h" fact="0.25"/>
+              <dgm:constr type="t" for="ch" forName="parTx" refType="b" refFor="ch" refForName="L"/>
+              <dgm:constr type="t" for="ch" forName="desTx" refType="w" refFor="ch" refForName="L" fact="0.6"/>
+              <dgm:constr type="b" for="ch" forName="desTx" refType="t" refFor="ch" refForName="EmptyPlaceHolder"/>
+              <dgm:constr type="r" for="ch" forName="desTx" refType="l" refFor="ch" refForName="L"/>
+              <dgm:constr type="w" for="ch" forName="desTx" refType="w" fact="0.812"/>
+              <dgm:constr type="w" for="ch" forName="EmptyPlaceHolder" refType="w" fact="0.82"/>
+              <dgm:constr type="h" for="ch" forName="EmptyPlaceHolder" refType="w" refFor="ch" refForName="L" fact="0.6"/>
+              <dgm:constr type="b" for="ch" forName="EmptyPlaceHolder" refType="b" refFor="ch" refForName="L"/>
+            </dgm:constrLst>
+          </dgm:else>
+        </dgm:choose>
+        <dgm:layoutNode name="L" styleLbl="solidFgAcc1" moveWith="parTx">
+          <dgm:varLst>
+            <dgm:chMax val="0"/>
+            <dgm:chPref val="0"/>
+          </dgm:varLst>
+          <dgm:alg type="sp"/>
+          <dgm:choose name="Name310">
+            <dgm:if name="Name311" func="var" arg="dir" op="equ" val="norm">
+              <dgm:shape xmlns:r="http://schemas.openxmlformats.org/officeDocument/2006/relationships" rot="90" type="corner" r:blip="">
+                <dgm:adjLst>
+                  <dgm:adj idx="1" val="0.01"/>
+                  <dgm:adj idx="2" val="0.01"/>
+                </dgm:adjLst>
+              </dgm:shape>
+            </dgm:if>
+            <dgm:else name="Name312">
+              <dgm:shape xmlns:r="http://schemas.openxmlformats.org/officeDocument/2006/relationships" rot="180" type="corner" r:blip="">
+                <dgm:adjLst>
+                  <dgm:adj idx="1" val="0.01"/>
+                  <dgm:adj idx="2" val="0.01"/>
+                </dgm:adjLst>
+              </dgm:shape>
+            </dgm:else>
+          </dgm:choose>
+          <dgm:presOf/>
+          <dgm:constrLst/>
+          <dgm:ruleLst/>
+        </dgm:layoutNode>
+        <dgm:layoutNode name="parTx" styleLbl="alignNode1">
+          <dgm:varLst>
+            <dgm:chMax val="0"/>
+            <dgm:chPref val="0"/>
+            <dgm:bulletEnabled val="1"/>
+          </dgm:varLst>
+          <dgm:alg type="tx">
+            <dgm:param type="txAnchorVert" val="mid"/>
+            <dgm:param type="parTxLTRAlign" val="ctr"/>
+            <dgm:param type="parTxRTLAlign" val="ctr"/>
+          </dgm:alg>
+          <dgm:choose name="MakeFirstNodeHomePlate">
+            <dgm:if name="IfFirstNode" axis="self" ptType="node" func="pos" op="equ" val="1">
+              <dgm:choose name="Name110">
+                <dgm:if name="Name111" func="var" arg="dir" op="equ" val="norm">
+                  <dgm:shape xmlns:r="http://schemas.openxmlformats.org/officeDocument/2006/relationships" type="homePlate" r:blip="">
+                    <dgm:adjLst>
+                      <dgm:adj idx="1" val="0.25"/>
+                    </dgm:adjLst>
+                  </dgm:shape>
+                </dgm:if>
+                <dgm:else name="Name112">
+                  <dgm:shape xmlns:r="http://schemas.openxmlformats.org/officeDocument/2006/relationships" rot="180" type="homePlate" r:blip="">
+                    <dgm:adjLst>
+                      <dgm:adj idx="1" val="0.25"/>
+                    </dgm:adjLst>
+                  </dgm:shape>
+                </dgm:else>
+              </dgm:choose>
+            </dgm:if>
+            <dgm:else name="MakeRestOfNodesChevrons">
+              <dgm:choose name="Name10">
+                <dgm:if name="Name11" func="var" arg="dir" op="equ" val="norm">
+                  <dgm:shape xmlns:r="http://schemas.openxmlformats.org/officeDocument/2006/relationships" type="chevron" r:blip="">
+                    <dgm:adjLst>
+                      <dgm:adj idx="1" val="0.25"/>
+                    </dgm:adjLst>
+                  </dgm:shape>
+                </dgm:if>
+                <dgm:else name="Name12">
+                  <dgm:shape xmlns:r="http://schemas.openxmlformats.org/officeDocument/2006/relationships" rot="180" type="chevron" r:blip="">
+                    <dgm:adjLst>
+                      <dgm:adj idx="1" val="0.25"/>
+                    </dgm:adjLst>
+                  </dgm:shape>
+                </dgm:else>
+              </dgm:choose>
+            </dgm:else>
+          </dgm:choose>
+          <dgm:presOf axis="self" ptType="node"/>
+          <dgm:constrLst>
+            <dgm:constr type="tMarg" refType="primFontSz"/>
+            <dgm:constr type="bMarg" refType="primFontSz"/>
+            <dgm:constr type="lMarg" refType="primFontSz" fact="0.5"/>
+            <dgm:constr type="rMarg" refType="primFontSz" fact="0.5"/>
+          </dgm:constrLst>
+          <dgm:ruleLst>
+            <dgm:rule type="primFontSz" val="13" fact="NaN" max="NaN"/>
+          </dgm:ruleLst>
+        </dgm:layoutNode>
+        <dgm:layoutNode name="desTx" styleLbl="revTx" moveWith="parTx">
+          <dgm:varLst>
+            <dgm:chMax val="0"/>
+            <dgm:chPref val="0"/>
+            <dgm:bulletEnabled val="1"/>
+          </dgm:varLst>
+          <dgm:choose name="Name210">
+            <dgm:if name="Name211" func="var" arg="dir" op="equ" val="norm">
+              <dgm:alg type="tx">
+                <dgm:param type="txAnchorVert" val="t"/>
+                <dgm:param type="parTxLTRAlign" val="l"/>
+                <dgm:param type="shpTxLTRAlignCh" val="l"/>
+                <dgm:param type="parTxRTLAlign" val="l"/>
+                <dgm:param type="shpTxRTLAlignCh" val="l"/>
+              </dgm:alg>
+            </dgm:if>
+            <dgm:else name="Name212">
+              <dgm:alg type="tx">
+                <dgm:param type="txAnchorVert" val="t"/>
+                <dgm:param type="parTxLTRAlign" val="r"/>
+                <dgm:param type="shpTxLTRAlignCh" val="r"/>
+                <dgm:param type="parTxRTLAlign" val="r"/>
+                <dgm:param type="shpTxRTLAlignCh" val="r"/>
+              </dgm:alg>
+            </dgm:else>
+          </dgm:choose>
+          <dgm:shape xmlns:r="http://schemas.openxmlformats.org/officeDocument/2006/relationships" type="rect" r:blip="">
+            <dgm:adjLst/>
+          </dgm:shape>
+          <dgm:presOf axis="des" ptType="node"/>
+          <dgm:constrLst>
+            <dgm:constr type="tMarg"/>
+            <dgm:constr type="bMarg"/>
+            <dgm:constr type="lMarg"/>
+            <dgm:constr type="rMarg"/>
+          </dgm:constrLst>
+          <dgm:ruleLst>
+            <dgm:rule type="primFontSz" val="11" fact="NaN" max="NaN"/>
+            <dgm:rule type="secFontSz" val="9" fact="NaN" max="NaN"/>
+          </dgm:ruleLst>
+        </dgm:layoutNode>
+        <dgm:layoutNode name="EmptyPlaceHolder">
+          <dgm:alg type="sp"/>
+          <dgm:shape xmlns:r="http://schemas.openxmlformats.org/officeDocument/2006/relationships" r:blip="">
+            <dgm:adjLst/>
+          </dgm:shape>
+          <dgm:presOf/>
+          <dgm:constrLst/>
+        </dgm:layoutNode>
+      </dgm:layoutNode>
+      <dgm:forEach name="Name19" axis="followSib" ptType="sibTrans" cnt="1">
+        <dgm:layoutNode name="space">
+          <dgm:alg type="sp"/>
+          <dgm:shape xmlns:r="http://schemas.openxmlformats.org/officeDocument/2006/relationships" r:blip="">
+            <dgm:adjLst/>
+          </dgm:shape>
+          <dgm:presOf/>
+          <dgm:constrLst/>
+          <dgm:ruleLst/>
+        </dgm:layoutNode>
+      </dgm:forEach>
+    </dgm:forEach>
+  </dgm:layoutNode>
+</dgm:layoutDef>
+</file>
+
+<file path=ppt/diagrams/layout2.xml><?xml version="1.0" encoding="utf-8"?>
 <dgm:layoutDef xmlns:dgm="http://schemas.openxmlformats.org/drawingml/2006/diagram" xmlns:a="http://schemas.openxmlformats.org/drawingml/2006/main" uniqueId="urn:microsoft.com/office/officeart/2016/7/layout/AccentHomeChevronProcess">
   <dgm:title val="Destacar Processo Inicial em Divisas"/>
   <dgm:desc val="Use para mostrar uma progressão. uma linha do tempo; etapas sequenciais em uma tarefa, um processo ou um fluxo de trabalho; ou para enfatizar o movimento ou a direção. O texto de nível 1 é exibido dentro de uma forma de divisa, exceto à primeira forma que vem em uma forma inicial, enquanto o texto de nível 2 é exibido acima das formas de retângulo invisíveis."/>
@@ -4885,6 +8191,1040 @@
 </dgm:styleDef>
 </file>
 
+<file path=ppt/diagrams/quickStyle2.xml><?xml version="1.0" encoding="utf-8"?>
+<dgm:styleDef xmlns:dgm="http://schemas.openxmlformats.org/drawingml/2006/diagram" xmlns:a="http://schemas.openxmlformats.org/drawingml/2006/main" uniqueId="urn:microsoft.com/office/officeart/2005/8/quickstyle/simple1">
+  <dgm:title val=""/>
+  <dgm:desc val=""/>
+  <dgm:catLst>
+    <dgm:cat type="simple" pri="10100"/>
+  </dgm:catLst>
+  <dgm:scene3d>
+    <a:camera prst="orthographicFront"/>
+    <a:lightRig rig="threePt" dir="t"/>
+  </dgm:scene3d>
+  <dgm:styleLbl name="node0">
+    <dgm:scene3d>
+      <a:camera prst="orthographicFront"/>
+      <a:lightRig rig="threePt" dir="t"/>
+    </dgm:scene3d>
+    <dgm:sp3d/>
+    <dgm:txPr/>
+    <dgm:style>
+      <a:lnRef idx="2">
+        <a:scrgbClr r="0" g="0" b="0"/>
+      </a:lnRef>
+      <a:fillRef idx="1">
+        <a:scrgbClr r="0" g="0" b="0"/>
+      </a:fillRef>
+      <a:effectRef idx="0">
+        <a:scrgbClr r="0" g="0" b="0"/>
+      </a:effectRef>
+      <a:fontRef idx="minor">
+        <a:schemeClr val="lt1"/>
+      </a:fontRef>
+    </dgm:style>
+  </dgm:styleLbl>
+  <dgm:styleLbl name="lnNode1">
+    <dgm:scene3d>
+      <a:camera prst="orthographicFront"/>
+      <a:lightRig rig="threePt" dir="t"/>
+    </dgm:scene3d>
+    <dgm:sp3d/>
+    <dgm:txPr/>
+    <dgm:style>
+      <a:lnRef idx="2">
+        <a:scrgbClr r="0" g="0" b="0"/>
+      </a:lnRef>
+      <a:fillRef idx="1">
+        <a:scrgbClr r="0" g="0" b="0"/>
+      </a:fillRef>
+      <a:effectRef idx="0">
+        <a:scrgbClr r="0" g="0" b="0"/>
+      </a:effectRef>
+      <a:fontRef idx="minor">
+        <a:schemeClr val="lt1"/>
+      </a:fontRef>
+    </dgm:style>
+  </dgm:styleLbl>
+  <dgm:styleLbl name="vennNode1">
+    <dgm:scene3d>
+      <a:camera prst="orthographicFront"/>
+      <a:lightRig rig="threePt" dir="t"/>
+    </dgm:scene3d>
+    <dgm:sp3d/>
+    <dgm:txPr/>
+    <dgm:style>
+      <a:lnRef idx="2">
+        <a:scrgbClr r="0" g="0" b="0"/>
+      </a:lnRef>
+      <a:fillRef idx="1">
+        <a:scrgbClr r="0" g="0" b="0"/>
+      </a:fillRef>
+      <a:effectRef idx="0">
+        <a:scrgbClr r="0" g="0" b="0"/>
+      </a:effectRef>
+      <a:fontRef idx="minor">
+        <a:schemeClr val="tx1"/>
+      </a:fontRef>
+    </dgm:style>
+  </dgm:styleLbl>
+  <dgm:styleLbl name="alignNode1">
+    <dgm:scene3d>
+      <a:camera prst="orthographicFront"/>
+      <a:lightRig rig="threePt" dir="t"/>
+    </dgm:scene3d>
+    <dgm:sp3d/>
+    <dgm:txPr/>
+    <dgm:style>
+      <a:lnRef idx="2">
+        <a:scrgbClr r="0" g="0" b="0"/>
+      </a:lnRef>
+      <a:fillRef idx="1">
+        <a:scrgbClr r="0" g="0" b="0"/>
+      </a:fillRef>
+      <a:effectRef idx="0">
+        <a:scrgbClr r="0" g="0" b="0"/>
+      </a:effectRef>
+      <a:fontRef idx="minor">
+        <a:schemeClr val="lt1"/>
+      </a:fontRef>
+    </dgm:style>
+  </dgm:styleLbl>
+  <dgm:styleLbl name="node1">
+    <dgm:scene3d>
+      <a:camera prst="orthographicFront"/>
+      <a:lightRig rig="threePt" dir="t"/>
+    </dgm:scene3d>
+    <dgm:sp3d/>
+    <dgm:txPr/>
+    <dgm:style>
+      <a:lnRef idx="2">
+        <a:scrgbClr r="0" g="0" b="0"/>
+      </a:lnRef>
+      <a:fillRef idx="1">
+        <a:scrgbClr r="0" g="0" b="0"/>
+      </a:fillRef>
+      <a:effectRef idx="0">
+        <a:scrgbClr r="0" g="0" b="0"/>
+      </a:effectRef>
+      <a:fontRef idx="minor">
+        <a:schemeClr val="lt1"/>
+      </a:fontRef>
+    </dgm:style>
+  </dgm:styleLbl>
+  <dgm:styleLbl name="node2">
+    <dgm:scene3d>
+      <a:camera prst="orthographicFront"/>
+      <a:lightRig rig="threePt" dir="t"/>
+    </dgm:scene3d>
+    <dgm:sp3d/>
+    <dgm:txPr/>
+    <dgm:style>
+      <a:lnRef idx="2">
+        <a:scrgbClr r="0" g="0" b="0"/>
+      </a:lnRef>
+      <a:fillRef idx="1">
+        <a:scrgbClr r="0" g="0" b="0"/>
+      </a:fillRef>
+      <a:effectRef idx="0">
+        <a:scrgbClr r="0" g="0" b="0"/>
+      </a:effectRef>
+      <a:fontRef idx="minor">
+        <a:schemeClr val="lt1"/>
+      </a:fontRef>
+    </dgm:style>
+  </dgm:styleLbl>
+  <dgm:styleLbl name="node3">
+    <dgm:scene3d>
+      <a:camera prst="orthographicFront"/>
+      <a:lightRig rig="threePt" dir="t"/>
+    </dgm:scene3d>
+    <dgm:sp3d/>
+    <dgm:txPr/>
+    <dgm:style>
+      <a:lnRef idx="2">
+        <a:scrgbClr r="0" g="0" b="0"/>
+      </a:lnRef>
+      <a:fillRef idx="1">
+        <a:scrgbClr r="0" g="0" b="0"/>
+      </a:fillRef>
+      <a:effectRef idx="0">
+        <a:scrgbClr r="0" g="0" b="0"/>
+      </a:effectRef>
+      <a:fontRef idx="minor">
+        <a:schemeClr val="lt1"/>
+      </a:fontRef>
+    </dgm:style>
+  </dgm:styleLbl>
+  <dgm:styleLbl name="node4">
+    <dgm:scene3d>
+      <a:camera prst="orthographicFront"/>
+      <a:lightRig rig="threePt" dir="t"/>
+    </dgm:scene3d>
+    <dgm:sp3d/>
+    <dgm:txPr/>
+    <dgm:style>
+      <a:lnRef idx="2">
+        <a:scrgbClr r="0" g="0" b="0"/>
+      </a:lnRef>
+      <a:fillRef idx="1">
+        <a:scrgbClr r="0" g="0" b="0"/>
+      </a:fillRef>
+      <a:effectRef idx="0">
+        <a:scrgbClr r="0" g="0" b="0"/>
+      </a:effectRef>
+      <a:fontRef idx="minor">
+        <a:schemeClr val="lt1"/>
+      </a:fontRef>
+    </dgm:style>
+  </dgm:styleLbl>
+  <dgm:styleLbl name="fgImgPlace1">
+    <dgm:scene3d>
+      <a:camera prst="orthographicFront"/>
+      <a:lightRig rig="threePt" dir="t"/>
+    </dgm:scene3d>
+    <dgm:sp3d/>
+    <dgm:txPr/>
+    <dgm:style>
+      <a:lnRef idx="2">
+        <a:scrgbClr r="0" g="0" b="0"/>
+      </a:lnRef>
+      <a:fillRef idx="1">
+        <a:scrgbClr r="0" g="0" b="0"/>
+      </a:fillRef>
+      <a:effectRef idx="0">
+        <a:scrgbClr r="0" g="0" b="0"/>
+      </a:effectRef>
+      <a:fontRef idx="minor"/>
+    </dgm:style>
+  </dgm:styleLbl>
+  <dgm:styleLbl name="alignImgPlace1">
+    <dgm:scene3d>
+      <a:camera prst="orthographicFront"/>
+      <a:lightRig rig="threePt" dir="t"/>
+    </dgm:scene3d>
+    <dgm:sp3d/>
+    <dgm:txPr/>
+    <dgm:style>
+      <a:lnRef idx="2">
+        <a:scrgbClr r="0" g="0" b="0"/>
+      </a:lnRef>
+      <a:fillRef idx="1">
+        <a:scrgbClr r="0" g="0" b="0"/>
+      </a:fillRef>
+      <a:effectRef idx="0">
+        <a:scrgbClr r="0" g="0" b="0"/>
+      </a:effectRef>
+      <a:fontRef idx="minor"/>
+    </dgm:style>
+  </dgm:styleLbl>
+  <dgm:styleLbl name="bgImgPlace1">
+    <dgm:scene3d>
+      <a:camera prst="orthographicFront"/>
+      <a:lightRig rig="threePt" dir="t"/>
+    </dgm:scene3d>
+    <dgm:sp3d/>
+    <dgm:txPr/>
+    <dgm:style>
+      <a:lnRef idx="2">
+        <a:scrgbClr r="0" g="0" b="0"/>
+      </a:lnRef>
+      <a:fillRef idx="1">
+        <a:scrgbClr r="0" g="0" b="0"/>
+      </a:fillRef>
+      <a:effectRef idx="0">
+        <a:scrgbClr r="0" g="0" b="0"/>
+      </a:effectRef>
+      <a:fontRef idx="minor"/>
+    </dgm:style>
+  </dgm:styleLbl>
+  <dgm:styleLbl name="sibTrans2D1">
+    <dgm:scene3d>
+      <a:camera prst="orthographicFront"/>
+      <a:lightRig rig="threePt" dir="t"/>
+    </dgm:scene3d>
+    <dgm:sp3d/>
+    <dgm:txPr/>
+    <dgm:style>
+      <a:lnRef idx="0">
+        <a:scrgbClr r="0" g="0" b="0"/>
+      </a:lnRef>
+      <a:fillRef idx="1">
+        <a:scrgbClr r="0" g="0" b="0"/>
+      </a:fillRef>
+      <a:effectRef idx="0">
+        <a:scrgbClr r="0" g="0" b="0"/>
+      </a:effectRef>
+      <a:fontRef idx="minor">
+        <a:schemeClr val="lt1"/>
+      </a:fontRef>
+    </dgm:style>
+  </dgm:styleLbl>
+  <dgm:styleLbl name="fgSibTrans2D1">
+    <dgm:scene3d>
+      <a:camera prst="orthographicFront"/>
+      <a:lightRig rig="threePt" dir="t"/>
+    </dgm:scene3d>
+    <dgm:sp3d/>
+    <dgm:txPr/>
+    <dgm:style>
+      <a:lnRef idx="0">
+        <a:scrgbClr r="0" g="0" b="0"/>
+      </a:lnRef>
+      <a:fillRef idx="1">
+        <a:scrgbClr r="0" g="0" b="0"/>
+      </a:fillRef>
+      <a:effectRef idx="0">
+        <a:scrgbClr r="0" g="0" b="0"/>
+      </a:effectRef>
+      <a:fontRef idx="minor">
+        <a:schemeClr val="lt1"/>
+      </a:fontRef>
+    </dgm:style>
+  </dgm:styleLbl>
+  <dgm:styleLbl name="bgSibTrans2D1">
+    <dgm:scene3d>
+      <a:camera prst="orthographicFront"/>
+      <a:lightRig rig="threePt" dir="t"/>
+    </dgm:scene3d>
+    <dgm:sp3d/>
+    <dgm:txPr/>
+    <dgm:style>
+      <a:lnRef idx="0">
+        <a:scrgbClr r="0" g="0" b="0"/>
+      </a:lnRef>
+      <a:fillRef idx="1">
+        <a:scrgbClr r="0" g="0" b="0"/>
+      </a:fillRef>
+      <a:effectRef idx="0">
+        <a:scrgbClr r="0" g="0" b="0"/>
+      </a:effectRef>
+      <a:fontRef idx="minor">
+        <a:schemeClr val="lt1"/>
+      </a:fontRef>
+    </dgm:style>
+  </dgm:styleLbl>
+  <dgm:styleLbl name="sibTrans1D1">
+    <dgm:scene3d>
+      <a:camera prst="orthographicFront"/>
+      <a:lightRig rig="threePt" dir="t"/>
+    </dgm:scene3d>
+    <dgm:sp3d/>
+    <dgm:txPr/>
+    <dgm:style>
+      <a:lnRef idx="1">
+        <a:scrgbClr r="0" g="0" b="0"/>
+      </a:lnRef>
+      <a:fillRef idx="0">
+        <a:scrgbClr r="0" g="0" b="0"/>
+      </a:fillRef>
+      <a:effectRef idx="0">
+        <a:scrgbClr r="0" g="0" b="0"/>
+      </a:effectRef>
+      <a:fontRef idx="minor"/>
+    </dgm:style>
+  </dgm:styleLbl>
+  <dgm:styleLbl name="callout">
+    <dgm:scene3d>
+      <a:camera prst="orthographicFront"/>
+      <a:lightRig rig="threePt" dir="t"/>
+    </dgm:scene3d>
+    <dgm:sp3d/>
+    <dgm:txPr/>
+    <dgm:style>
+      <a:lnRef idx="2">
+        <a:scrgbClr r="0" g="0" b="0"/>
+      </a:lnRef>
+      <a:fillRef idx="1">
+        <a:scrgbClr r="0" g="0" b="0"/>
+      </a:fillRef>
+      <a:effectRef idx="0">
+        <a:scrgbClr r="0" g="0" b="0"/>
+      </a:effectRef>
+      <a:fontRef idx="minor"/>
+    </dgm:style>
+  </dgm:styleLbl>
+  <dgm:styleLbl name="asst0">
+    <dgm:scene3d>
+      <a:camera prst="orthographicFront"/>
+      <a:lightRig rig="threePt" dir="t"/>
+    </dgm:scene3d>
+    <dgm:sp3d/>
+    <dgm:txPr/>
+    <dgm:style>
+      <a:lnRef idx="2">
+        <a:scrgbClr r="0" g="0" b="0"/>
+      </a:lnRef>
+      <a:fillRef idx="1">
+        <a:scrgbClr r="0" g="0" b="0"/>
+      </a:fillRef>
+      <a:effectRef idx="0">
+        <a:scrgbClr r="0" g="0" b="0"/>
+      </a:effectRef>
+      <a:fontRef idx="minor">
+        <a:schemeClr val="lt1"/>
+      </a:fontRef>
+    </dgm:style>
+  </dgm:styleLbl>
+  <dgm:styleLbl name="asst1">
+    <dgm:scene3d>
+      <a:camera prst="orthographicFront"/>
+      <a:lightRig rig="threePt" dir="t"/>
+    </dgm:scene3d>
+    <dgm:sp3d/>
+    <dgm:txPr/>
+    <dgm:style>
+      <a:lnRef idx="2">
+        <a:scrgbClr r="0" g="0" b="0"/>
+      </a:lnRef>
+      <a:fillRef idx="1">
+        <a:scrgbClr r="0" g="0" b="0"/>
+      </a:fillRef>
+      <a:effectRef idx="0">
+        <a:scrgbClr r="0" g="0" b="0"/>
+      </a:effectRef>
+      <a:fontRef idx="minor">
+        <a:schemeClr val="lt1"/>
+      </a:fontRef>
+    </dgm:style>
+  </dgm:styleLbl>
+  <dgm:styleLbl name="asst2">
+    <dgm:scene3d>
+      <a:camera prst="orthographicFront"/>
+      <a:lightRig rig="threePt" dir="t"/>
+    </dgm:scene3d>
+    <dgm:sp3d/>
+    <dgm:txPr/>
+    <dgm:style>
+      <a:lnRef idx="2">
+        <a:scrgbClr r="0" g="0" b="0"/>
+      </a:lnRef>
+      <a:fillRef idx="1">
+        <a:scrgbClr r="0" g="0" b="0"/>
+      </a:fillRef>
+      <a:effectRef idx="0">
+        <a:scrgbClr r="0" g="0" b="0"/>
+      </a:effectRef>
+      <a:fontRef idx="minor">
+        <a:schemeClr val="lt1"/>
+      </a:fontRef>
+    </dgm:style>
+  </dgm:styleLbl>
+  <dgm:styleLbl name="asst3">
+    <dgm:scene3d>
+      <a:camera prst="orthographicFront"/>
+      <a:lightRig rig="threePt" dir="t"/>
+    </dgm:scene3d>
+    <dgm:sp3d/>
+    <dgm:txPr/>
+    <dgm:style>
+      <a:lnRef idx="2">
+        <a:scrgbClr r="0" g="0" b="0"/>
+      </a:lnRef>
+      <a:fillRef idx="1">
+        <a:scrgbClr r="0" g="0" b="0"/>
+      </a:fillRef>
+      <a:effectRef idx="0">
+        <a:scrgbClr r="0" g="0" b="0"/>
+      </a:effectRef>
+      <a:fontRef idx="minor">
+        <a:schemeClr val="lt1"/>
+      </a:fontRef>
+    </dgm:style>
+  </dgm:styleLbl>
+  <dgm:styleLbl name="asst4">
+    <dgm:scene3d>
+      <a:camera prst="orthographicFront"/>
+      <a:lightRig rig="threePt" dir="t"/>
+    </dgm:scene3d>
+    <dgm:sp3d/>
+    <dgm:txPr/>
+    <dgm:style>
+      <a:lnRef idx="2">
+        <a:scrgbClr r="0" g="0" b="0"/>
+      </a:lnRef>
+      <a:fillRef idx="1">
+        <a:scrgbClr r="0" g="0" b="0"/>
+      </a:fillRef>
+      <a:effectRef idx="0">
+        <a:scrgbClr r="0" g="0" b="0"/>
+      </a:effectRef>
+      <a:fontRef idx="minor">
+        <a:schemeClr val="lt1"/>
+      </a:fontRef>
+    </dgm:style>
+  </dgm:styleLbl>
+  <dgm:styleLbl name="parChTrans2D1">
+    <dgm:scene3d>
+      <a:camera prst="orthographicFront"/>
+      <a:lightRig rig="threePt" dir="t"/>
+    </dgm:scene3d>
+    <dgm:sp3d/>
+    <dgm:txPr/>
+    <dgm:style>
+      <a:lnRef idx="2">
+        <a:scrgbClr r="0" g="0" b="0"/>
+      </a:lnRef>
+      <a:fillRef idx="1">
+        <a:scrgbClr r="0" g="0" b="0"/>
+      </a:fillRef>
+      <a:effectRef idx="0">
+        <a:scrgbClr r="0" g="0" b="0"/>
+      </a:effectRef>
+      <a:fontRef idx="minor">
+        <a:schemeClr val="lt1"/>
+      </a:fontRef>
+    </dgm:style>
+  </dgm:styleLbl>
+  <dgm:styleLbl name="parChTrans2D2">
+    <dgm:scene3d>
+      <a:camera prst="orthographicFront"/>
+      <a:lightRig rig="threePt" dir="t"/>
+    </dgm:scene3d>
+    <dgm:sp3d/>
+    <dgm:txPr/>
+    <dgm:style>
+      <a:lnRef idx="2">
+        <a:scrgbClr r="0" g="0" b="0"/>
+      </a:lnRef>
+      <a:fillRef idx="1">
+        <a:scrgbClr r="0" g="0" b="0"/>
+      </a:fillRef>
+      <a:effectRef idx="0">
+        <a:scrgbClr r="0" g="0" b="0"/>
+      </a:effectRef>
+      <a:fontRef idx="minor">
+        <a:schemeClr val="lt1"/>
+      </a:fontRef>
+    </dgm:style>
+  </dgm:styleLbl>
+  <dgm:styleLbl name="parChTrans2D3">
+    <dgm:scene3d>
+      <a:camera prst="orthographicFront"/>
+      <a:lightRig rig="threePt" dir="t"/>
+    </dgm:scene3d>
+    <dgm:sp3d/>
+    <dgm:txPr/>
+    <dgm:style>
+      <a:lnRef idx="2">
+        <a:scrgbClr r="0" g="0" b="0"/>
+      </a:lnRef>
+      <a:fillRef idx="1">
+        <a:scrgbClr r="0" g="0" b="0"/>
+      </a:fillRef>
+      <a:effectRef idx="0">
+        <a:scrgbClr r="0" g="0" b="0"/>
+      </a:effectRef>
+      <a:fontRef idx="minor">
+        <a:schemeClr val="lt1"/>
+      </a:fontRef>
+    </dgm:style>
+  </dgm:styleLbl>
+  <dgm:styleLbl name="parChTrans2D4">
+    <dgm:scene3d>
+      <a:camera prst="orthographicFront"/>
+      <a:lightRig rig="threePt" dir="t"/>
+    </dgm:scene3d>
+    <dgm:sp3d/>
+    <dgm:txPr/>
+    <dgm:style>
+      <a:lnRef idx="2">
+        <a:scrgbClr r="0" g="0" b="0"/>
+      </a:lnRef>
+      <a:fillRef idx="1">
+        <a:scrgbClr r="0" g="0" b="0"/>
+      </a:fillRef>
+      <a:effectRef idx="0">
+        <a:scrgbClr r="0" g="0" b="0"/>
+      </a:effectRef>
+      <a:fontRef idx="minor">
+        <a:schemeClr val="lt1"/>
+      </a:fontRef>
+    </dgm:style>
+  </dgm:styleLbl>
+  <dgm:styleLbl name="parChTrans1D1">
+    <dgm:scene3d>
+      <a:camera prst="orthographicFront"/>
+      <a:lightRig rig="threePt" dir="t"/>
+    </dgm:scene3d>
+    <dgm:sp3d/>
+    <dgm:txPr/>
+    <dgm:style>
+      <a:lnRef idx="2">
+        <a:scrgbClr r="0" g="0" b="0"/>
+      </a:lnRef>
+      <a:fillRef idx="0">
+        <a:scrgbClr r="0" g="0" b="0"/>
+      </a:fillRef>
+      <a:effectRef idx="0">
+        <a:scrgbClr r="0" g="0" b="0"/>
+      </a:effectRef>
+      <a:fontRef idx="minor"/>
+    </dgm:style>
+  </dgm:styleLbl>
+  <dgm:styleLbl name="parChTrans1D2">
+    <dgm:scene3d>
+      <a:camera prst="orthographicFront"/>
+      <a:lightRig rig="threePt" dir="t"/>
+    </dgm:scene3d>
+    <dgm:sp3d/>
+    <dgm:txPr/>
+    <dgm:style>
+      <a:lnRef idx="2">
+        <a:scrgbClr r="0" g="0" b="0"/>
+      </a:lnRef>
+      <a:fillRef idx="0">
+        <a:scrgbClr r="0" g="0" b="0"/>
+      </a:fillRef>
+      <a:effectRef idx="0">
+        <a:scrgbClr r="0" g="0" b="0"/>
+      </a:effectRef>
+      <a:fontRef idx="minor"/>
+    </dgm:style>
+  </dgm:styleLbl>
+  <dgm:styleLbl name="parChTrans1D3">
+    <dgm:scene3d>
+      <a:camera prst="orthographicFront"/>
+      <a:lightRig rig="threePt" dir="t"/>
+    </dgm:scene3d>
+    <dgm:sp3d/>
+    <dgm:txPr/>
+    <dgm:style>
+      <a:lnRef idx="2">
+        <a:scrgbClr r="0" g="0" b="0"/>
+      </a:lnRef>
+      <a:fillRef idx="0">
+        <a:scrgbClr r="0" g="0" b="0"/>
+      </a:fillRef>
+      <a:effectRef idx="0">
+        <a:scrgbClr r="0" g="0" b="0"/>
+      </a:effectRef>
+      <a:fontRef idx="minor"/>
+    </dgm:style>
+  </dgm:styleLbl>
+  <dgm:styleLbl name="parChTrans1D4">
+    <dgm:scene3d>
+      <a:camera prst="orthographicFront"/>
+      <a:lightRig rig="threePt" dir="t"/>
+    </dgm:scene3d>
+    <dgm:sp3d/>
+    <dgm:txPr/>
+    <dgm:style>
+      <a:lnRef idx="2">
+        <a:scrgbClr r="0" g="0" b="0"/>
+      </a:lnRef>
+      <a:fillRef idx="0">
+        <a:scrgbClr r="0" g="0" b="0"/>
+      </a:fillRef>
+      <a:effectRef idx="0">
+        <a:scrgbClr r="0" g="0" b="0"/>
+      </a:effectRef>
+      <a:fontRef idx="minor"/>
+    </dgm:style>
+  </dgm:styleLbl>
+  <dgm:styleLbl name="fgAcc1">
+    <dgm:scene3d>
+      <a:camera prst="orthographicFront"/>
+      <a:lightRig rig="threePt" dir="t"/>
+    </dgm:scene3d>
+    <dgm:sp3d/>
+    <dgm:txPr/>
+    <dgm:style>
+      <a:lnRef idx="2">
+        <a:scrgbClr r="0" g="0" b="0"/>
+      </a:lnRef>
+      <a:fillRef idx="1">
+        <a:scrgbClr r="0" g="0" b="0"/>
+      </a:fillRef>
+      <a:effectRef idx="0">
+        <a:scrgbClr r="0" g="0" b="0"/>
+      </a:effectRef>
+      <a:fontRef idx="minor"/>
+    </dgm:style>
+  </dgm:styleLbl>
+  <dgm:styleLbl name="conFgAcc1">
+    <dgm:scene3d>
+      <a:camera prst="orthographicFront"/>
+      <a:lightRig rig="threePt" dir="t"/>
+    </dgm:scene3d>
+    <dgm:sp3d/>
+    <dgm:txPr/>
+    <dgm:style>
+      <a:lnRef idx="2">
+        <a:scrgbClr r="0" g="0" b="0"/>
+      </a:lnRef>
+      <a:fillRef idx="1">
+        <a:scrgbClr r="0" g="0" b="0"/>
+      </a:fillRef>
+      <a:effectRef idx="0">
+        <a:scrgbClr r="0" g="0" b="0"/>
+      </a:effectRef>
+      <a:fontRef idx="minor"/>
+    </dgm:style>
+  </dgm:styleLbl>
+  <dgm:styleLbl name="alignAcc1">
+    <dgm:scene3d>
+      <a:camera prst="orthographicFront"/>
+      <a:lightRig rig="threePt" dir="t"/>
+    </dgm:scene3d>
+    <dgm:sp3d/>
+    <dgm:txPr/>
+    <dgm:style>
+      <a:lnRef idx="2">
+        <a:scrgbClr r="0" g="0" b="0"/>
+      </a:lnRef>
+      <a:fillRef idx="1">
+        <a:scrgbClr r="0" g="0" b="0"/>
+      </a:fillRef>
+      <a:effectRef idx="0">
+        <a:scrgbClr r="0" g="0" b="0"/>
+      </a:effectRef>
+      <a:fontRef idx="minor"/>
+    </dgm:style>
+  </dgm:styleLbl>
+  <dgm:styleLbl name="trAlignAcc1">
+    <dgm:scene3d>
+      <a:camera prst="orthographicFront"/>
+      <a:lightRig rig="threePt" dir="t"/>
+    </dgm:scene3d>
+    <dgm:sp3d/>
+    <dgm:txPr/>
+    <dgm:style>
+      <a:lnRef idx="1">
+        <a:scrgbClr r="0" g="0" b="0"/>
+      </a:lnRef>
+      <a:fillRef idx="1">
+        <a:scrgbClr r="0" g="0" b="0"/>
+      </a:fillRef>
+      <a:effectRef idx="0">
+        <a:scrgbClr r="0" g="0" b="0"/>
+      </a:effectRef>
+      <a:fontRef idx="minor"/>
+    </dgm:style>
+  </dgm:styleLbl>
+  <dgm:styleLbl name="bgAcc1">
+    <dgm:scene3d>
+      <a:camera prst="orthographicFront"/>
+      <a:lightRig rig="threePt" dir="t"/>
+    </dgm:scene3d>
+    <dgm:sp3d/>
+    <dgm:txPr/>
+    <dgm:style>
+      <a:lnRef idx="2">
+        <a:scrgbClr r="0" g="0" b="0"/>
+      </a:lnRef>
+      <a:fillRef idx="1">
+        <a:scrgbClr r="0" g="0" b="0"/>
+      </a:fillRef>
+      <a:effectRef idx="0">
+        <a:scrgbClr r="0" g="0" b="0"/>
+      </a:effectRef>
+      <a:fontRef idx="minor"/>
+    </dgm:style>
+  </dgm:styleLbl>
+  <dgm:styleLbl name="solidFgAcc1">
+    <dgm:scene3d>
+      <a:camera prst="orthographicFront"/>
+      <a:lightRig rig="threePt" dir="t"/>
+    </dgm:scene3d>
+    <dgm:sp3d/>
+    <dgm:txPr/>
+    <dgm:style>
+      <a:lnRef idx="2">
+        <a:scrgbClr r="0" g="0" b="0"/>
+      </a:lnRef>
+      <a:fillRef idx="1">
+        <a:scrgbClr r="0" g="0" b="0"/>
+      </a:fillRef>
+      <a:effectRef idx="0">
+        <a:scrgbClr r="0" g="0" b="0"/>
+      </a:effectRef>
+      <a:fontRef idx="minor"/>
+    </dgm:style>
+  </dgm:styleLbl>
+  <dgm:styleLbl name="solidAlignAcc1">
+    <dgm:scene3d>
+      <a:camera prst="orthographicFront"/>
+      <a:lightRig rig="threePt" dir="t"/>
+    </dgm:scene3d>
+    <dgm:sp3d/>
+    <dgm:txPr/>
+    <dgm:style>
+      <a:lnRef idx="2">
+        <a:scrgbClr r="0" g="0" b="0"/>
+      </a:lnRef>
+      <a:fillRef idx="1">
+        <a:scrgbClr r="0" g="0" b="0"/>
+      </a:fillRef>
+      <a:effectRef idx="0">
+        <a:scrgbClr r="0" g="0" b="0"/>
+      </a:effectRef>
+      <a:fontRef idx="minor"/>
+    </dgm:style>
+  </dgm:styleLbl>
+  <dgm:styleLbl name="solidBgAcc1">
+    <dgm:scene3d>
+      <a:camera prst="orthographicFront"/>
+      <a:lightRig rig="threePt" dir="t"/>
+    </dgm:scene3d>
+    <dgm:sp3d/>
+    <dgm:txPr/>
+    <dgm:style>
+      <a:lnRef idx="2">
+        <a:scrgbClr r="0" g="0" b="0"/>
+      </a:lnRef>
+      <a:fillRef idx="1">
+        <a:scrgbClr r="0" g="0" b="0"/>
+      </a:fillRef>
+      <a:effectRef idx="0">
+        <a:scrgbClr r="0" g="0" b="0"/>
+      </a:effectRef>
+      <a:fontRef idx="minor"/>
+    </dgm:style>
+  </dgm:styleLbl>
+  <dgm:styleLbl name="fgAccFollowNode1">
+    <dgm:scene3d>
+      <a:camera prst="orthographicFront"/>
+      <a:lightRig rig="threePt" dir="t"/>
+    </dgm:scene3d>
+    <dgm:sp3d/>
+    <dgm:txPr/>
+    <dgm:style>
+      <a:lnRef idx="2">
+        <a:scrgbClr r="0" g="0" b="0"/>
+      </a:lnRef>
+      <a:fillRef idx="1">
+        <a:scrgbClr r="0" g="0" b="0"/>
+      </a:fillRef>
+      <a:effectRef idx="0">
+        <a:scrgbClr r="0" g="0" b="0"/>
+      </a:effectRef>
+      <a:fontRef idx="minor"/>
+    </dgm:style>
+  </dgm:styleLbl>
+  <dgm:styleLbl name="alignAccFollowNode1">
+    <dgm:scene3d>
+      <a:camera prst="orthographicFront"/>
+      <a:lightRig rig="threePt" dir="t"/>
+    </dgm:scene3d>
+    <dgm:sp3d/>
+    <dgm:txPr/>
+    <dgm:style>
+      <a:lnRef idx="2">
+        <a:scrgbClr r="0" g="0" b="0"/>
+      </a:lnRef>
+      <a:fillRef idx="1">
+        <a:scrgbClr r="0" g="0" b="0"/>
+      </a:fillRef>
+      <a:effectRef idx="0">
+        <a:scrgbClr r="0" g="0" b="0"/>
+      </a:effectRef>
+      <a:fontRef idx="minor"/>
+    </dgm:style>
+  </dgm:styleLbl>
+  <dgm:styleLbl name="bgAccFollowNode1">
+    <dgm:scene3d>
+      <a:camera prst="orthographicFront"/>
+      <a:lightRig rig="threePt" dir="t"/>
+    </dgm:scene3d>
+    <dgm:sp3d/>
+    <dgm:txPr/>
+    <dgm:style>
+      <a:lnRef idx="2">
+        <a:scrgbClr r="0" g="0" b="0"/>
+      </a:lnRef>
+      <a:fillRef idx="1">
+        <a:scrgbClr r="0" g="0" b="0"/>
+      </a:fillRef>
+      <a:effectRef idx="0">
+        <a:scrgbClr r="0" g="0" b="0"/>
+      </a:effectRef>
+      <a:fontRef idx="minor"/>
+    </dgm:style>
+  </dgm:styleLbl>
+  <dgm:styleLbl name="fgAcc0">
+    <dgm:scene3d>
+      <a:camera prst="orthographicFront"/>
+      <a:lightRig rig="threePt" dir="t"/>
+    </dgm:scene3d>
+    <dgm:sp3d/>
+    <dgm:txPr/>
+    <dgm:style>
+      <a:lnRef idx="2">
+        <a:scrgbClr r="0" g="0" b="0"/>
+      </a:lnRef>
+      <a:fillRef idx="1">
+        <a:scrgbClr r="0" g="0" b="0"/>
+      </a:fillRef>
+      <a:effectRef idx="0">
+        <a:scrgbClr r="0" g="0" b="0"/>
+      </a:effectRef>
+      <a:fontRef idx="minor"/>
+    </dgm:style>
+  </dgm:styleLbl>
+  <dgm:styleLbl name="fgAcc2">
+    <dgm:scene3d>
+      <a:camera prst="orthographicFront"/>
+      <a:lightRig rig="threePt" dir="t"/>
+    </dgm:scene3d>
+    <dgm:sp3d/>
+    <dgm:txPr/>
+    <dgm:style>
+      <a:lnRef idx="2">
+        <a:scrgbClr r="0" g="0" b="0"/>
+      </a:lnRef>
+      <a:fillRef idx="1">
+        <a:scrgbClr r="0" g="0" b="0"/>
+      </a:fillRef>
+      <a:effectRef idx="0">
+        <a:scrgbClr r="0" g="0" b="0"/>
+      </a:effectRef>
+      <a:fontRef idx="minor"/>
+    </dgm:style>
+  </dgm:styleLbl>
+  <dgm:styleLbl name="fgAcc3">
+    <dgm:scene3d>
+      <a:camera prst="orthographicFront"/>
+      <a:lightRig rig="threePt" dir="t"/>
+    </dgm:scene3d>
+    <dgm:sp3d/>
+    <dgm:txPr/>
+    <dgm:style>
+      <a:lnRef idx="2">
+        <a:scrgbClr r="0" g="0" b="0"/>
+      </a:lnRef>
+      <a:fillRef idx="1">
+        <a:scrgbClr r="0" g="0" b="0"/>
+      </a:fillRef>
+      <a:effectRef idx="0">
+        <a:scrgbClr r="0" g="0" b="0"/>
+      </a:effectRef>
+      <a:fontRef idx="minor"/>
+    </dgm:style>
+  </dgm:styleLbl>
+  <dgm:styleLbl name="fgAcc4">
+    <dgm:scene3d>
+      <a:camera prst="orthographicFront"/>
+      <a:lightRig rig="threePt" dir="t"/>
+    </dgm:scene3d>
+    <dgm:sp3d/>
+    <dgm:txPr/>
+    <dgm:style>
+      <a:lnRef idx="2">
+        <a:scrgbClr r="0" g="0" b="0"/>
+      </a:lnRef>
+      <a:fillRef idx="1">
+        <a:scrgbClr r="0" g="0" b="0"/>
+      </a:fillRef>
+      <a:effectRef idx="0">
+        <a:scrgbClr r="0" g="0" b="0"/>
+      </a:effectRef>
+      <a:fontRef idx="minor"/>
+    </dgm:style>
+  </dgm:styleLbl>
+  <dgm:styleLbl name="bgShp">
+    <dgm:scene3d>
+      <a:camera prst="orthographicFront"/>
+      <a:lightRig rig="threePt" dir="t"/>
+    </dgm:scene3d>
+    <dgm:sp3d/>
+    <dgm:txPr/>
+    <dgm:style>
+      <a:lnRef idx="0">
+        <a:scrgbClr r="0" g="0" b="0"/>
+      </a:lnRef>
+      <a:fillRef idx="1">
+        <a:scrgbClr r="0" g="0" b="0"/>
+      </a:fillRef>
+      <a:effectRef idx="0">
+        <a:scrgbClr r="0" g="0" b="0"/>
+      </a:effectRef>
+      <a:fontRef idx="minor"/>
+    </dgm:style>
+  </dgm:styleLbl>
+  <dgm:styleLbl name="dkBgShp">
+    <dgm:scene3d>
+      <a:camera prst="orthographicFront"/>
+      <a:lightRig rig="threePt" dir="t"/>
+    </dgm:scene3d>
+    <dgm:sp3d/>
+    <dgm:txPr/>
+    <dgm:style>
+      <a:lnRef idx="0">
+        <a:scrgbClr r="0" g="0" b="0"/>
+      </a:lnRef>
+      <a:fillRef idx="1">
+        <a:scrgbClr r="0" g="0" b="0"/>
+      </a:fillRef>
+      <a:effectRef idx="0">
+        <a:scrgbClr r="0" g="0" b="0"/>
+      </a:effectRef>
+      <a:fontRef idx="minor"/>
+    </dgm:style>
+  </dgm:styleLbl>
+  <dgm:styleLbl name="trBgShp">
+    <dgm:scene3d>
+      <a:camera prst="orthographicFront"/>
+      <a:lightRig rig="threePt" dir="t"/>
+    </dgm:scene3d>
+    <dgm:sp3d/>
+    <dgm:txPr/>
+    <dgm:style>
+      <a:lnRef idx="0">
+        <a:scrgbClr r="0" g="0" b="0"/>
+      </a:lnRef>
+      <a:fillRef idx="1">
+        <a:scrgbClr r="0" g="0" b="0"/>
+      </a:fillRef>
+      <a:effectRef idx="0">
+        <a:scrgbClr r="0" g="0" b="0"/>
+      </a:effectRef>
+      <a:fontRef idx="minor"/>
+    </dgm:style>
+  </dgm:styleLbl>
+  <dgm:styleLbl name="fgShp">
+    <dgm:scene3d>
+      <a:camera prst="orthographicFront"/>
+      <a:lightRig rig="threePt" dir="t"/>
+    </dgm:scene3d>
+    <dgm:sp3d/>
+    <dgm:txPr/>
+    <dgm:style>
+      <a:lnRef idx="2">
+        <a:scrgbClr r="0" g="0" b="0"/>
+      </a:lnRef>
+      <a:fillRef idx="1">
+        <a:scrgbClr r="0" g="0" b="0"/>
+      </a:fillRef>
+      <a:effectRef idx="0">
+        <a:scrgbClr r="0" g="0" b="0"/>
+      </a:effectRef>
+      <a:fontRef idx="minor"/>
+    </dgm:style>
+  </dgm:styleLbl>
+  <dgm:styleLbl name="revTx">
+    <dgm:scene3d>
+      <a:camera prst="orthographicFront"/>
+      <a:lightRig rig="threePt" dir="t"/>
+    </dgm:scene3d>
+    <dgm:sp3d/>
+    <dgm:txPr/>
+    <dgm:style>
+      <a:lnRef idx="0">
+        <a:scrgbClr r="0" g="0" b="0"/>
+      </a:lnRef>
+      <a:fillRef idx="0">
+        <a:scrgbClr r="0" g="0" b="0"/>
+      </a:fillRef>
+      <a:effectRef idx="0">
+        <a:scrgbClr r="0" g="0" b="0"/>
+      </a:effectRef>
+      <a:fontRef idx="minor"/>
+    </dgm:style>
+  </dgm:styleLbl>
+</dgm:styleDef>
+</file>
+
 <file path=ppt/handoutMasters/handoutMaster1.xml><?xml version="1.0" encoding="utf-8"?>
 <p:handoutMaster xmlns:a="http://schemas.openxmlformats.org/drawingml/2006/main" xmlns:r="http://schemas.openxmlformats.org/officeDocument/2006/relationships" xmlns:p="http://schemas.openxmlformats.org/presentationml/2006/main">
   <p:cSld>
@@ -4979,7 +9319,7 @@
           <a:p>
             <a:fld id="{596BDA13-F8D8-41D0-8E6B-471638B8BD96}" type="datetime1">
               <a:rPr lang="pt-BR" smtClean="0"/>
-              <a:t>29/08/2023</a:t>
+              <a:t>31/08/2023</a:t>
             </a:fld>
             <a:endParaRPr lang="pt-BR" dirty="0"/>
           </a:p>
@@ -5158,7 +9498,7 @@
             <a:fld id="{59AD470D-E53E-48B4-9550-11EF0B015998}" type="datetime1">
               <a:rPr lang="pt-BR" smtClean="0"/>
               <a:pPr/>
-              <a:t>29/08/2023</a:t>
+              <a:t>31/08/2023</a:t>
             </a:fld>
             <a:endParaRPr lang="pt-BR" dirty="0"/>
           </a:p>
@@ -5580,6 +9920,91 @@
             <a:fld id="{D5939589-3E79-4C82-AA4A-FE78234FAA59}" type="slidenum">
               <a:rPr lang="pt-BR" smtClean="0"/>
               <a:t>2</a:t>
+            </a:fld>
+            <a:endParaRPr lang="pt-BR"/>
+          </a:p>
+        </p:txBody>
+      </p:sp>
+    </p:spTree>
+    <p:extLst>
+      <p:ext uri="{BB962C8B-B14F-4D97-AF65-F5344CB8AC3E}">
+        <p14:creationId xmlns:p14="http://schemas.microsoft.com/office/powerpoint/2010/main" val="57927622"/>
+      </p:ext>
+    </p:extLst>
+  </p:cSld>
+  <p:clrMapOvr>
+    <a:masterClrMapping/>
+  </p:clrMapOvr>
+</p:notes>
+</file>
+
+<file path=ppt/notesSlides/notesSlide3.xml><?xml version="1.0" encoding="utf-8"?>
+<p:notes xmlns:a="http://schemas.openxmlformats.org/drawingml/2006/main" xmlns:r="http://schemas.openxmlformats.org/officeDocument/2006/relationships" xmlns:p="http://schemas.openxmlformats.org/presentationml/2006/main">
+  <p:cSld>
+    <p:spTree>
+      <p:nvGrpSpPr>
+        <p:cNvPr id="1" name=""/>
+        <p:cNvGrpSpPr/>
+        <p:nvPr/>
+      </p:nvGrpSpPr>
+      <p:grpSpPr>
+        <a:xfrm>
+          <a:off x="0" y="0"/>
+          <a:ext cx="0" cy="0"/>
+          <a:chOff x="0" y="0"/>
+          <a:chExt cx="0" cy="0"/>
+        </a:xfrm>
+      </p:grpSpPr>
+      <p:sp>
+        <p:nvSpPr>
+          <p:cNvPr id="2" name="Espaço Reservado para Imagem de Slide 1"/>
+          <p:cNvSpPr>
+            <a:spLocks noGrp="1" noRot="1" noChangeAspect="1"/>
+          </p:cNvSpPr>
+          <p:nvPr>
+            <p:ph type="sldImg"/>
+          </p:nvPr>
+        </p:nvSpPr>
+        <p:spPr/>
+      </p:sp>
+      <p:sp>
+        <p:nvSpPr>
+          <p:cNvPr id="3" name="Espaço Reservado para Anotações 2"/>
+          <p:cNvSpPr>
+            <a:spLocks noGrp="1"/>
+          </p:cNvSpPr>
+          <p:nvPr>
+            <p:ph type="body" idx="1"/>
+          </p:nvPr>
+        </p:nvSpPr>
+        <p:spPr/>
+        <p:txBody>
+          <a:bodyPr/>
+          <a:lstStyle/>
+          <a:p>
+            <a:endParaRPr lang="pt-BR"/>
+          </a:p>
+        </p:txBody>
+      </p:sp>
+      <p:sp>
+        <p:nvSpPr>
+          <p:cNvPr id="4" name="Espaço Reservado para Número de Slide 3"/>
+          <p:cNvSpPr>
+            <a:spLocks noGrp="1"/>
+          </p:cNvSpPr>
+          <p:nvPr>
+            <p:ph type="sldNum" sz="quarter" idx="5"/>
+          </p:nvPr>
+        </p:nvSpPr>
+        <p:spPr/>
+        <p:txBody>
+          <a:bodyPr/>
+          <a:lstStyle/>
+          <a:p>
+            <a:pPr rtl="0"/>
+            <a:fld id="{D5939589-3E79-4C82-AA4A-FE78234FAA59}" type="slidenum">
+              <a:rPr lang="pt-BR" smtClean="0"/>
+              <a:t>3</a:t>
             </a:fld>
             <a:endParaRPr lang="pt-BR"/>
           </a:p>
@@ -16633,6 +21058,152 @@
 <file path=ppt/slides/slide2.xml><?xml version="1.0" encoding="utf-8"?>
 <p:sld xmlns:a="http://schemas.openxmlformats.org/drawingml/2006/main" xmlns:r="http://schemas.openxmlformats.org/officeDocument/2006/relationships" xmlns:p="http://schemas.openxmlformats.org/presentationml/2006/main">
   <p:cSld>
+    <p:spTree>
+      <p:nvGrpSpPr>
+        <p:cNvPr id="1" name=""/>
+        <p:cNvGrpSpPr/>
+        <p:nvPr/>
+      </p:nvGrpSpPr>
+      <p:grpSpPr>
+        <a:xfrm>
+          <a:off x="0" y="0"/>
+          <a:ext cx="0" cy="0"/>
+          <a:chOff x="0" y="0"/>
+          <a:chExt cx="0" cy="0"/>
+        </a:xfrm>
+      </p:grpSpPr>
+      <p:sp>
+        <p:nvSpPr>
+          <p:cNvPr id="2" name="Título 1">
+            <a:extLst>
+              <a:ext uri="{FF2B5EF4-FFF2-40B4-BE49-F238E27FC236}">
+                <a16:creationId xmlns="" xmlns:a16="http://schemas.microsoft.com/office/drawing/2014/main" id="{66485278-3D07-466F-8351-667A2EBEABB8}"/>
+              </a:ext>
+            </a:extLst>
+          </p:cNvPr>
+          <p:cNvSpPr>
+            <a:spLocks noGrp="1"/>
+          </p:cNvSpPr>
+          <p:nvPr>
+            <p:ph type="title"/>
+          </p:nvPr>
+        </p:nvSpPr>
+        <p:spPr/>
+        <p:txBody>
+          <a:bodyPr rtlCol="0">
+            <a:normAutofit/>
+          </a:bodyPr>
+          <a:lstStyle/>
+          <a:p>
+            <a:pPr rtl="0"/>
+            <a:r>
+              <a:rPr lang="pt-BR" dirty="0"/>
+              <a:t>Linha do </a:t>
+            </a:r>
+            <a:r>
+              <a:rPr lang="pt-BR" dirty="0" smtClean="0"/>
+              <a:t>desenvolvimento 24/08</a:t>
+            </a:r>
+            <a:endParaRPr lang="pt-BR" dirty="0"/>
+          </a:p>
+        </p:txBody>
+      </p:sp>
+      <p:sp>
+        <p:nvSpPr>
+          <p:cNvPr id="6" name="Espaço Reservado para o Número do Slide 5">
+            <a:extLst>
+              <a:ext uri="{FF2B5EF4-FFF2-40B4-BE49-F238E27FC236}">
+                <a16:creationId xmlns="" xmlns:a16="http://schemas.microsoft.com/office/drawing/2014/main" id="{AB55FF1C-3CBD-419A-9DE4-7A8AA6371B6A}"/>
+              </a:ext>
+            </a:extLst>
+          </p:cNvPr>
+          <p:cNvSpPr>
+            <a:spLocks noGrp="1"/>
+          </p:cNvSpPr>
+          <p:nvPr>
+            <p:ph type="sldNum" sz="quarter" idx="12"/>
+          </p:nvPr>
+        </p:nvSpPr>
+        <p:spPr/>
+        <p:txBody>
+          <a:bodyPr rtlCol="0">
+            <a:normAutofit/>
+          </a:bodyPr>
+          <a:lstStyle/>
+          <a:p>
+            <a:pPr rtl="0">
+              <a:spcAft>
+                <a:spcPts val="600"/>
+              </a:spcAft>
+            </a:pPr>
+            <a:fld id="{D8DA9DAA-006C-4F4B-980E-E3DF019B24E2}" type="slidenum">
+              <a:rPr lang="pt-BR" b="1" cap="all" spc="100" smtClean="0">
+                <a:solidFill>
+                  <a:schemeClr val="accent2"/>
+                </a:solidFill>
+              </a:rPr>
+              <a:pPr rtl="0">
+                <a:spcAft>
+                  <a:spcPts val="600"/>
+                </a:spcAft>
+              </a:pPr>
+              <a:t>2</a:t>
+            </a:fld>
+            <a:endParaRPr lang="pt-BR" b="1" cap="all" spc="100" dirty="0">
+              <a:solidFill>
+                <a:schemeClr val="accent2"/>
+              </a:solidFill>
+            </a:endParaRPr>
+          </a:p>
+        </p:txBody>
+      </p:sp>
+      <p:graphicFrame>
+        <p:nvGraphicFramePr>
+          <p:cNvPr id="14" name="Espaço Reservado para Conteúdo 6" descr="Elemento gráfico SmartArt linha do tempo">
+            <a:extLst>
+              <a:ext uri="{FF2B5EF4-FFF2-40B4-BE49-F238E27FC236}">
+                <a16:creationId xmlns="" xmlns:a16="http://schemas.microsoft.com/office/drawing/2014/main" id="{CEC6DA80-0404-4CED-A682-9D41A16B341E}"/>
+              </a:ext>
+            </a:extLst>
+          </p:cNvPr>
+          <p:cNvGraphicFramePr>
+            <a:graphicFrameLocks noGrp="1"/>
+          </p:cNvGraphicFramePr>
+          <p:nvPr>
+            <p:ph idx="1"/>
+            <p:extLst>
+              <p:ext uri="{D42A27DB-BD31-4B8C-83A1-F6EECF244321}">
+                <p14:modId xmlns:p14="http://schemas.microsoft.com/office/powerpoint/2010/main" val="211103419"/>
+              </p:ext>
+            </p:extLst>
+          </p:nvPr>
+        </p:nvGraphicFramePr>
+        <p:xfrm>
+          <a:off x="1447800" y="1325880"/>
+          <a:ext cx="9906000" cy="4419600"/>
+        </p:xfrm>
+        <a:graphic>
+          <a:graphicData uri="http://schemas.openxmlformats.org/drawingml/2006/diagram">
+            <dgm:relIds xmlns:dgm="http://schemas.openxmlformats.org/drawingml/2006/diagram" xmlns:r="http://schemas.openxmlformats.org/officeDocument/2006/relationships" r:dm="rId3" r:lo="rId4" r:qs="rId5" r:cs="rId6"/>
+          </a:graphicData>
+        </a:graphic>
+      </p:graphicFrame>
+    </p:spTree>
+    <p:extLst>
+      <p:ext uri="{BB962C8B-B14F-4D97-AF65-F5344CB8AC3E}">
+        <p14:creationId xmlns:p14="http://schemas.microsoft.com/office/powerpoint/2010/main" val="922346720"/>
+      </p:ext>
+    </p:extLst>
+  </p:cSld>
+  <p:clrMapOvr>
+    <a:masterClrMapping/>
+  </p:clrMapOvr>
+</p:sld>
+</file>
+
+<file path=ppt/slides/slide3.xml><?xml version="1.0" encoding="utf-8"?>
+<p:sld xmlns:a="http://schemas.openxmlformats.org/drawingml/2006/main" xmlns:r="http://schemas.openxmlformats.org/officeDocument/2006/relationships" xmlns:p="http://schemas.openxmlformats.org/presentationml/2006/main">
+  <p:cSld>
     <p:bg>
       <p:bgPr>
         <a:solidFill>
@@ -16681,8 +21252,13 @@
             <a:pPr rtl="0"/>
             <a:r>
               <a:rPr lang="pt-BR" dirty="0"/>
-              <a:t>Linha do desenvolvimento</a:t>
+              <a:t>Linha do </a:t>
             </a:r>
+            <a:r>
+              <a:rPr lang="pt-BR" dirty="0" smtClean="0"/>
+              <a:t>desenvolvimento 31/08</a:t>
+            </a:r>
+            <a:endParaRPr lang="pt-BR" dirty="0"/>
           </a:p>
         </p:txBody>
       </p:sp>
@@ -16725,7 +21301,7 @@
                   <a:spcPts val="600"/>
                 </a:spcAft>
               </a:pPr>
-              <a:t>2</a:t>
+              <a:t>3</a:t>
             </a:fld>
             <a:endParaRPr lang="pt-BR" b="1" cap="all" spc="100" dirty="0">
               <a:solidFill>
@@ -16751,14 +21327,14 @@
             <p:ph idx="1"/>
             <p:extLst>
               <p:ext uri="{D42A27DB-BD31-4B8C-83A1-F6EECF244321}">
-                <p14:modId xmlns:p14="http://schemas.microsoft.com/office/powerpoint/2010/main" val="415413495"/>
+                <p14:modId xmlns:p14="http://schemas.microsoft.com/office/powerpoint/2010/main" val="2927742943"/>
               </p:ext>
             </p:extLst>
           </p:nvPr>
         </p:nvGraphicFramePr>
         <p:xfrm>
-          <a:off x="1447800" y="1325880"/>
-          <a:ext cx="9906000" cy="4419600"/>
+          <a:off x="1525074" y="1841035"/>
+          <a:ext cx="10091670" cy="4443855"/>
         </p:xfrm>
         <a:graphic>
           <a:graphicData uri="http://schemas.openxmlformats.org/drawingml/2006/diagram">
